--- a/20191127/20191127_캡스톤_TestCase발표.pptx
+++ b/20191127/20191127_캡스톤_TestCase발표.pptx
@@ -5,33 +5,36 @@
     <p:sldMasterId id="2147483648" r:id="rId1"/>
   </p:sldMasterIdLst>
   <p:notesMasterIdLst>
-    <p:notesMasterId r:id="rId26"/>
+    <p:notesMasterId r:id="rId29"/>
   </p:notesMasterIdLst>
   <p:sldIdLst>
     <p:sldId id="272" r:id="rId2"/>
     <p:sldId id="281" r:id="rId3"/>
     <p:sldId id="282" r:id="rId4"/>
     <p:sldId id="283" r:id="rId5"/>
-    <p:sldId id="258" r:id="rId6"/>
-    <p:sldId id="271" r:id="rId7"/>
-    <p:sldId id="267" r:id="rId8"/>
-    <p:sldId id="259" r:id="rId9"/>
-    <p:sldId id="265" r:id="rId10"/>
-    <p:sldId id="269" r:id="rId11"/>
-    <p:sldId id="273" r:id="rId12"/>
-    <p:sldId id="270" r:id="rId13"/>
-    <p:sldId id="268" r:id="rId14"/>
-    <p:sldId id="274" r:id="rId15"/>
-    <p:sldId id="260" r:id="rId16"/>
-    <p:sldId id="256" r:id="rId17"/>
-    <p:sldId id="275" r:id="rId18"/>
-    <p:sldId id="278" r:id="rId19"/>
-    <p:sldId id="277" r:id="rId20"/>
-    <p:sldId id="276" r:id="rId21"/>
-    <p:sldId id="279" r:id="rId22"/>
-    <p:sldId id="280" r:id="rId23"/>
-    <p:sldId id="284" r:id="rId24"/>
-    <p:sldId id="285" r:id="rId25"/>
+    <p:sldId id="288" r:id="rId6"/>
+    <p:sldId id="258" r:id="rId7"/>
+    <p:sldId id="271" r:id="rId8"/>
+    <p:sldId id="267" r:id="rId9"/>
+    <p:sldId id="259" r:id="rId10"/>
+    <p:sldId id="265" r:id="rId11"/>
+    <p:sldId id="269" r:id="rId12"/>
+    <p:sldId id="273" r:id="rId13"/>
+    <p:sldId id="270" r:id="rId14"/>
+    <p:sldId id="268" r:id="rId15"/>
+    <p:sldId id="274" r:id="rId16"/>
+    <p:sldId id="260" r:id="rId17"/>
+    <p:sldId id="256" r:id="rId18"/>
+    <p:sldId id="275" r:id="rId19"/>
+    <p:sldId id="278" r:id="rId20"/>
+    <p:sldId id="277" r:id="rId21"/>
+    <p:sldId id="286" r:id="rId22"/>
+    <p:sldId id="276" r:id="rId23"/>
+    <p:sldId id="279" r:id="rId24"/>
+    <p:sldId id="287" r:id="rId25"/>
+    <p:sldId id="280" r:id="rId26"/>
+    <p:sldId id="284" r:id="rId27"/>
+    <p:sldId id="285" r:id="rId28"/>
   </p:sldIdLst>
   <p:sldSz cx="12192000" cy="6858000"/>
   <p:notesSz cx="6858000" cy="9144000"/>
@@ -220,7 +223,7 @@
           <a:p>
             <a:fld id="{99D2658E-4E87-481B-BA76-1023065E9EE7}" type="datetimeFigureOut">
               <a:rPr lang="ko-KR" altLang="en-US" smtClean="0"/>
-              <a:t>2019-11-26</a:t>
+              <a:t>2019. 11. 27.</a:t>
             </a:fld>
             <a:endParaRPr lang="ko-KR" altLang="en-US"/>
           </a:p>
@@ -739,7 +742,7 @@
           <a:p>
             <a:fld id="{3C6A7189-2C18-41E2-BCD3-F528A47077AA}" type="datetimeFigureOut">
               <a:rPr lang="ko-KR" altLang="en-US" smtClean="0"/>
-              <a:t>2019-11-26</a:t>
+              <a:t>2019. 11. 27.</a:t>
             </a:fld>
             <a:endParaRPr lang="ko-KR" altLang="en-US"/>
           </a:p>
@@ -907,7 +910,7 @@
           <a:p>
             <a:fld id="{3C6A7189-2C18-41E2-BCD3-F528A47077AA}" type="datetimeFigureOut">
               <a:rPr lang="ko-KR" altLang="en-US" smtClean="0"/>
-              <a:t>2019-11-26</a:t>
+              <a:t>2019. 11. 27.</a:t>
             </a:fld>
             <a:endParaRPr lang="ko-KR" altLang="en-US"/>
           </a:p>
@@ -1085,7 +1088,7 @@
           <a:p>
             <a:fld id="{3C6A7189-2C18-41E2-BCD3-F528A47077AA}" type="datetimeFigureOut">
               <a:rPr lang="ko-KR" altLang="en-US" smtClean="0"/>
-              <a:t>2019-11-26</a:t>
+              <a:t>2019. 11. 27.</a:t>
             </a:fld>
             <a:endParaRPr lang="ko-KR" altLang="en-US"/>
           </a:p>
@@ -1345,7 +1348,7 @@
           <a:p>
             <a:fld id="{3C6A7189-2C18-41E2-BCD3-F528A47077AA}" type="datetimeFigureOut">
               <a:rPr lang="ko-KR" altLang="en-US" smtClean="0"/>
-              <a:t>2019-11-26</a:t>
+              <a:t>2019. 11. 27.</a:t>
             </a:fld>
             <a:endParaRPr lang="ko-KR" altLang="en-US"/>
           </a:p>
@@ -1590,7 +1593,7 @@
           <a:p>
             <a:fld id="{3C6A7189-2C18-41E2-BCD3-F528A47077AA}" type="datetimeFigureOut">
               <a:rPr lang="ko-KR" altLang="en-US" smtClean="0"/>
-              <a:t>2019-11-26</a:t>
+              <a:t>2019. 11. 27.</a:t>
             </a:fld>
             <a:endParaRPr lang="ko-KR" altLang="en-US"/>
           </a:p>
@@ -1819,7 +1822,7 @@
           <a:p>
             <a:fld id="{3C6A7189-2C18-41E2-BCD3-F528A47077AA}" type="datetimeFigureOut">
               <a:rPr lang="ko-KR" altLang="en-US" smtClean="0"/>
-              <a:t>2019-11-26</a:t>
+              <a:t>2019. 11. 27.</a:t>
             </a:fld>
             <a:endParaRPr lang="ko-KR" altLang="en-US"/>
           </a:p>
@@ -2183,7 +2186,7 @@
           <a:p>
             <a:fld id="{3C6A7189-2C18-41E2-BCD3-F528A47077AA}" type="datetimeFigureOut">
               <a:rPr lang="ko-KR" altLang="en-US" smtClean="0"/>
-              <a:t>2019-11-26</a:t>
+              <a:t>2019. 11. 27.</a:t>
             </a:fld>
             <a:endParaRPr lang="ko-KR" altLang="en-US"/>
           </a:p>
@@ -2300,7 +2303,7 @@
           <a:p>
             <a:fld id="{3C6A7189-2C18-41E2-BCD3-F528A47077AA}" type="datetimeFigureOut">
               <a:rPr lang="ko-KR" altLang="en-US" smtClean="0"/>
-              <a:t>2019-11-26</a:t>
+              <a:t>2019. 11. 27.</a:t>
             </a:fld>
             <a:endParaRPr lang="ko-KR" altLang="en-US"/>
           </a:p>
@@ -2395,7 +2398,7 @@
           <a:p>
             <a:fld id="{3C6A7189-2C18-41E2-BCD3-F528A47077AA}" type="datetimeFigureOut">
               <a:rPr lang="ko-KR" altLang="en-US" smtClean="0"/>
-              <a:t>2019-11-26</a:t>
+              <a:t>2019. 11. 27.</a:t>
             </a:fld>
             <a:endParaRPr lang="ko-KR" altLang="en-US"/>
           </a:p>
@@ -2670,7 +2673,7 @@
           <a:p>
             <a:fld id="{3C6A7189-2C18-41E2-BCD3-F528A47077AA}" type="datetimeFigureOut">
               <a:rPr lang="ko-KR" altLang="en-US" smtClean="0"/>
-              <a:t>2019-11-26</a:t>
+              <a:t>2019. 11. 27.</a:t>
             </a:fld>
             <a:endParaRPr lang="ko-KR" altLang="en-US"/>
           </a:p>
@@ -2922,7 +2925,7 @@
           <a:p>
             <a:fld id="{3C6A7189-2C18-41E2-BCD3-F528A47077AA}" type="datetimeFigureOut">
               <a:rPr lang="ko-KR" altLang="en-US" smtClean="0"/>
-              <a:t>2019-11-26</a:t>
+              <a:t>2019. 11. 27.</a:t>
             </a:fld>
             <a:endParaRPr lang="ko-KR" altLang="en-US"/>
           </a:p>
@@ -3133,7 +3136,7 @@
           <a:p>
             <a:fld id="{3C6A7189-2C18-41E2-BCD3-F528A47077AA}" type="datetimeFigureOut">
               <a:rPr lang="ko-KR" altLang="en-US" smtClean="0"/>
-              <a:t>2019-11-26</a:t>
+              <a:t>2019. 11. 27.</a:t>
             </a:fld>
             <a:endParaRPr lang="ko-KR" altLang="en-US"/>
           </a:p>
@@ -4202,7 +4205,7 @@
             <a:pPr algn="ctr"/>
             <a:r>
               <a:rPr lang="ko-KR" altLang="en-US" sz="3200" b="1" dirty="0"/>
-              <a:t>스피커 등록</a:t>
+              <a:t>스피커 설정</a:t>
             </a:r>
           </a:p>
         </p:txBody>
@@ -4222,9 +4225,9 @@
             <a:avLst/>
           </a:prstGeom>
           <a:solidFill>
-            <a:schemeClr val="accent4">
-              <a:lumMod val="40000"/>
-              <a:lumOff val="60000"/>
+            <a:schemeClr val="accent1">
+              <a:lumMod val="20000"/>
+              <a:lumOff val="80000"/>
             </a:schemeClr>
           </a:solidFill>
           <a:ln>
@@ -4256,15 +4259,70 @@
             <a:pPr algn="ctr"/>
             <a:r>
               <a:rPr lang="ko-KR" altLang="en-US" sz="3200" b="1" dirty="0"/>
-              <a:t>스피커 변경</a:t>
-            </a:r>
+              <a:t>메인 모듈 설정</a:t>
+            </a:r>
+          </a:p>
+        </p:txBody>
+      </p:sp>
+      <p:sp>
+        <p:nvSpPr>
+          <p:cNvPr id="14" name="모서리가 둥근 직사각형 13"/>
+          <p:cNvSpPr/>
+          <p:nvPr/>
+        </p:nvSpPr>
+        <p:spPr>
+          <a:xfrm>
+            <a:off x="1409700" y="5509725"/>
+            <a:ext cx="2073728" cy="604156"/>
+          </a:xfrm>
+          <a:prstGeom prst="roundRect">
+            <a:avLst/>
+          </a:prstGeom>
+          <a:solidFill>
+            <a:schemeClr val="accent1">
+              <a:lumMod val="20000"/>
+              <a:lumOff val="80000"/>
+            </a:schemeClr>
+          </a:solidFill>
+          <a:ln>
+            <a:solidFill>
+              <a:schemeClr val="bg1"/>
+            </a:solidFill>
+          </a:ln>
+        </p:spPr>
+        <p:style>
+          <a:lnRef idx="2">
+            <a:schemeClr val="accent1">
+              <a:shade val="50000"/>
+            </a:schemeClr>
+          </a:lnRef>
+          <a:fillRef idx="1">
+            <a:schemeClr val="accent1"/>
+          </a:fillRef>
+          <a:effectRef idx="0">
+            <a:schemeClr val="accent1"/>
+          </a:effectRef>
+          <a:fontRef idx="minor">
+            <a:schemeClr val="lt1"/>
+          </a:fontRef>
+        </p:style>
+        <p:txBody>
+          <a:bodyPr rtlCol="0" anchor="ctr"/>
+          <a:lstStyle/>
+          <a:p>
+            <a:pPr algn="ctr"/>
+            <a:r>
+              <a:rPr lang="en-US" altLang="ko-KR" sz="2800" b="1" dirty="0"/>
+              <a:t>Logout</a:t>
+            </a:r>
+            <a:endParaRPr lang="ko-KR" altLang="en-US" sz="2800" b="1" dirty="0"/>
           </a:p>
         </p:txBody>
       </p:sp>
     </p:spTree>
     <p:extLst>
       <p:ext uri="{BB962C8B-B14F-4D97-AF65-F5344CB8AC3E}">
-        <p14:creationId xmlns:p14="http://schemas.microsoft.com/office/powerpoint/2010/main" val="1691057424"/>
+        <p14:creationId xmlns:p14="http://schemas.microsoft.com/office/powerpoint/2010/main" val="1837500047"/>
       </p:ext>
     </p:extLst>
   </p:cSld>
@@ -4464,10 +4522,9 @@
           <a:p>
             <a:pPr algn="ctr"/>
             <a:r>
-              <a:rPr lang="en-US" altLang="ko-KR" sz="3200" b="1"/>
-              <a:t>S/N</a:t>
-            </a:r>
-            <a:endParaRPr lang="ko-KR" altLang="en-US" sz="3200" b="1" dirty="0"/>
+              <a:rPr lang="ko-KR" altLang="en-US" sz="3200" b="1" dirty="0"/>
+              <a:t>스피커 등록</a:t>
+            </a:r>
           </a:p>
         </p:txBody>
       </p:sp>
@@ -4519,17 +4576,16 @@
           <a:p>
             <a:pPr algn="ctr"/>
             <a:r>
-              <a:rPr lang="ko-KR" altLang="en-US" sz="3200" b="1"/>
-              <a:t>등록</a:t>
-            </a:r>
-            <a:endParaRPr lang="ko-KR" altLang="en-US" sz="3200" b="1" dirty="0"/>
+              <a:rPr lang="ko-KR" altLang="en-US" sz="3200" b="1" dirty="0"/>
+              <a:t>스피커 변경</a:t>
+            </a:r>
           </a:p>
         </p:txBody>
       </p:sp>
     </p:spTree>
     <p:extLst>
       <p:ext uri="{BB962C8B-B14F-4D97-AF65-F5344CB8AC3E}">
-        <p14:creationId xmlns:p14="http://schemas.microsoft.com/office/powerpoint/2010/main" val="3386327984"/>
+        <p14:creationId xmlns:p14="http://schemas.microsoft.com/office/powerpoint/2010/main" val="1691057424"/>
       </p:ext>
     </p:extLst>
   </p:cSld>
@@ -4729,9 +4785,10 @@
           <a:p>
             <a:pPr algn="ctr"/>
             <a:r>
-              <a:rPr lang="ko-KR" altLang="en-US" sz="3200" b="1" dirty="0"/>
-              <a:t>스피커 설정</a:t>
-            </a:r>
+              <a:rPr lang="en-US" altLang="ko-KR" sz="3200" b="1"/>
+              <a:t>S/N</a:t>
+            </a:r>
+            <a:endParaRPr lang="ko-KR" altLang="en-US" sz="3200" b="1" dirty="0"/>
           </a:p>
         </p:txBody>
       </p:sp>
@@ -4750,9 +4807,9 @@
             <a:avLst/>
           </a:prstGeom>
           <a:solidFill>
-            <a:schemeClr val="accent1">
-              <a:lumMod val="20000"/>
-              <a:lumOff val="80000"/>
+            <a:schemeClr val="accent4">
+              <a:lumMod val="40000"/>
+              <a:lumOff val="60000"/>
             </a:schemeClr>
           </a:solidFill>
           <a:ln>
@@ -4783,71 +4840,17 @@
           <a:p>
             <a:pPr algn="ctr"/>
             <a:r>
-              <a:rPr lang="ko-KR" altLang="en-US" sz="3200" b="1" dirty="0"/>
-              <a:t>메인 모듈 설정</a:t>
-            </a:r>
-          </a:p>
-        </p:txBody>
-      </p:sp>
-      <p:sp>
-        <p:nvSpPr>
-          <p:cNvPr id="8" name="모서리가 둥근 직사각형 7"/>
-          <p:cNvSpPr/>
-          <p:nvPr/>
-        </p:nvSpPr>
-        <p:spPr>
-          <a:xfrm>
-            <a:off x="1409700" y="5509725"/>
-            <a:ext cx="2073728" cy="604156"/>
-          </a:xfrm>
-          <a:prstGeom prst="roundRect">
-            <a:avLst/>
-          </a:prstGeom>
-          <a:solidFill>
-            <a:schemeClr val="accent1">
-              <a:lumMod val="20000"/>
-              <a:lumOff val="80000"/>
-            </a:schemeClr>
-          </a:solidFill>
-          <a:ln>
-            <a:solidFill>
-              <a:schemeClr val="bg1"/>
-            </a:solidFill>
-          </a:ln>
-        </p:spPr>
-        <p:style>
-          <a:lnRef idx="2">
-            <a:schemeClr val="accent1">
-              <a:shade val="50000"/>
-            </a:schemeClr>
-          </a:lnRef>
-          <a:fillRef idx="1">
-            <a:schemeClr val="accent1"/>
-          </a:fillRef>
-          <a:effectRef idx="0">
-            <a:schemeClr val="accent1"/>
-          </a:effectRef>
-          <a:fontRef idx="minor">
-            <a:schemeClr val="lt1"/>
-          </a:fontRef>
-        </p:style>
-        <p:txBody>
-          <a:bodyPr rtlCol="0" anchor="ctr"/>
-          <a:lstStyle/>
-          <a:p>
-            <a:pPr algn="ctr"/>
-            <a:r>
-              <a:rPr lang="en-US" altLang="ko-KR" sz="2800" b="1" dirty="0"/>
-              <a:t>Logout</a:t>
-            </a:r>
-            <a:endParaRPr lang="ko-KR" altLang="en-US" sz="2800" b="1" dirty="0"/>
+              <a:rPr lang="ko-KR" altLang="en-US" sz="3200" b="1"/>
+              <a:t>등록</a:t>
+            </a:r>
+            <a:endParaRPr lang="ko-KR" altLang="en-US" sz="3200" b="1" dirty="0"/>
           </a:p>
         </p:txBody>
       </p:sp>
     </p:spTree>
     <p:extLst>
       <p:ext uri="{BB962C8B-B14F-4D97-AF65-F5344CB8AC3E}">
-        <p14:creationId xmlns:p14="http://schemas.microsoft.com/office/powerpoint/2010/main" val="94107352"/>
+        <p14:creationId xmlns:p14="http://schemas.microsoft.com/office/powerpoint/2010/main" val="3386327984"/>
       </p:ext>
     </p:extLst>
   </p:cSld>
@@ -5014,7 +5017,10 @@
             <a:avLst/>
           </a:prstGeom>
           <a:solidFill>
-            <a:srgbClr val="DEEBF7"/>
+            <a:schemeClr val="accent4">
+              <a:lumMod val="40000"/>
+              <a:lumOff val="60000"/>
+            </a:schemeClr>
           </a:solidFill>
           <a:ln>
             <a:solidFill>
@@ -5045,7 +5051,7 @@
             <a:pPr algn="ctr"/>
             <a:r>
               <a:rPr lang="ko-KR" altLang="en-US" sz="3200" b="1" dirty="0"/>
-              <a:t>메인 모듈 등록</a:t>
+              <a:t>스피커 설정</a:t>
             </a:r>
           </a:p>
         </p:txBody>
@@ -5099,15 +5105,70 @@
             <a:pPr algn="ctr"/>
             <a:r>
               <a:rPr lang="ko-KR" altLang="en-US" sz="3200" b="1" dirty="0"/>
-              <a:t>메인 모듈 변경</a:t>
-            </a:r>
+              <a:t>메인 모듈 설정</a:t>
+            </a:r>
+          </a:p>
+        </p:txBody>
+      </p:sp>
+      <p:sp>
+        <p:nvSpPr>
+          <p:cNvPr id="8" name="모서리가 둥근 직사각형 7"/>
+          <p:cNvSpPr/>
+          <p:nvPr/>
+        </p:nvSpPr>
+        <p:spPr>
+          <a:xfrm>
+            <a:off x="1409700" y="5509725"/>
+            <a:ext cx="2073728" cy="604156"/>
+          </a:xfrm>
+          <a:prstGeom prst="roundRect">
+            <a:avLst/>
+          </a:prstGeom>
+          <a:solidFill>
+            <a:schemeClr val="accent1">
+              <a:lumMod val="20000"/>
+              <a:lumOff val="80000"/>
+            </a:schemeClr>
+          </a:solidFill>
+          <a:ln>
+            <a:solidFill>
+              <a:schemeClr val="bg1"/>
+            </a:solidFill>
+          </a:ln>
+        </p:spPr>
+        <p:style>
+          <a:lnRef idx="2">
+            <a:schemeClr val="accent1">
+              <a:shade val="50000"/>
+            </a:schemeClr>
+          </a:lnRef>
+          <a:fillRef idx="1">
+            <a:schemeClr val="accent1"/>
+          </a:fillRef>
+          <a:effectRef idx="0">
+            <a:schemeClr val="accent1"/>
+          </a:effectRef>
+          <a:fontRef idx="minor">
+            <a:schemeClr val="lt1"/>
+          </a:fontRef>
+        </p:style>
+        <p:txBody>
+          <a:bodyPr rtlCol="0" anchor="ctr"/>
+          <a:lstStyle/>
+          <a:p>
+            <a:pPr algn="ctr"/>
+            <a:r>
+              <a:rPr lang="en-US" altLang="ko-KR" sz="2800" b="1" dirty="0"/>
+              <a:t>Logout</a:t>
+            </a:r>
+            <a:endParaRPr lang="ko-KR" altLang="en-US" sz="2800" b="1" dirty="0"/>
           </a:p>
         </p:txBody>
       </p:sp>
     </p:spTree>
     <p:extLst>
       <p:ext uri="{BB962C8B-B14F-4D97-AF65-F5344CB8AC3E}">
-        <p14:creationId xmlns:p14="http://schemas.microsoft.com/office/powerpoint/2010/main" val="2444826315"/>
+        <p14:creationId xmlns:p14="http://schemas.microsoft.com/office/powerpoint/2010/main" val="94107352"/>
       </p:ext>
     </p:extLst>
   </p:cSld>
@@ -5304,10 +5365,9 @@
           <a:p>
             <a:pPr algn="ctr"/>
             <a:r>
-              <a:rPr lang="en-US" altLang="ko-KR" sz="3200" b="1"/>
-              <a:t>S/N</a:t>
-            </a:r>
-            <a:endParaRPr lang="ko-KR" altLang="en-US" sz="3200" b="1" dirty="0"/>
+              <a:rPr lang="ko-KR" altLang="en-US" sz="3200" b="1" dirty="0"/>
+              <a:t>메인 모듈 등록</a:t>
+            </a:r>
           </a:p>
         </p:txBody>
       </p:sp>
@@ -5359,17 +5419,16 @@
           <a:p>
             <a:pPr algn="ctr"/>
             <a:r>
-              <a:rPr lang="ko-KR" altLang="en-US" sz="3200" b="1"/>
-              <a:t>등록</a:t>
-            </a:r>
-            <a:endParaRPr lang="ko-KR" altLang="en-US" sz="3200" b="1" dirty="0"/>
+              <a:rPr lang="ko-KR" altLang="en-US" sz="3200" b="1" dirty="0"/>
+              <a:t>메인 모듈 변경</a:t>
+            </a:r>
           </a:p>
         </p:txBody>
       </p:sp>
     </p:spTree>
     <p:extLst>
       <p:ext uri="{BB962C8B-B14F-4D97-AF65-F5344CB8AC3E}">
-        <p14:creationId xmlns:p14="http://schemas.microsoft.com/office/powerpoint/2010/main" val="168620688"/>
+        <p14:creationId xmlns:p14="http://schemas.microsoft.com/office/powerpoint/2010/main" val="2444826315"/>
       </p:ext>
     </p:extLst>
   </p:cSld>
@@ -5398,62 +5457,49 @@
       </p:grpSpPr>
       <p:sp>
         <p:nvSpPr>
-          <p:cNvPr id="4" name="직사각형 3"/>
-          <p:cNvSpPr/>
-          <p:nvPr/>
-        </p:nvSpPr>
-        <p:spPr>
-          <a:xfrm>
-            <a:off x="5404758" y="4676532"/>
-            <a:ext cx="2024742" cy="1773251"/>
-          </a:xfrm>
-          <a:prstGeom prst="rect">
-            <a:avLst/>
-          </a:prstGeom>
-          <a:solidFill>
-            <a:schemeClr val="bg1"/>
-          </a:solidFill>
-          <a:ln w="57150">
-            <a:solidFill>
-              <a:srgbClr val="FF0000"/>
-            </a:solidFill>
-          </a:ln>
-        </p:spPr>
-        <p:style>
-          <a:lnRef idx="2">
-            <a:schemeClr val="accent1">
-              <a:shade val="50000"/>
-            </a:schemeClr>
-          </a:lnRef>
-          <a:fillRef idx="1">
-            <a:schemeClr val="accent1"/>
-          </a:fillRef>
-          <a:effectRef idx="0">
-            <a:schemeClr val="accent1"/>
-          </a:effectRef>
-          <a:fontRef idx="minor">
-            <a:schemeClr val="lt1"/>
-          </a:fontRef>
-        </p:style>
-        <p:txBody>
-          <a:bodyPr rtlCol="0" anchor="ctr"/>
-          <a:lstStyle/>
-          <a:p>
-            <a:pPr algn="ctr"/>
-            <a:endParaRPr lang="ko-KR" altLang="en-US"/>
+          <p:cNvPr id="3" name="부제목 2"/>
+          <p:cNvSpPr>
+            <a:spLocks noGrp="1"/>
+          </p:cNvSpPr>
+          <p:nvPr>
+            <p:ph type="subTitle" idx="1"/>
+          </p:nvPr>
+        </p:nvSpPr>
+        <p:spPr>
+          <a:xfrm>
+            <a:off x="1409700" y="2197780"/>
+            <a:ext cx="9144000" cy="1655762"/>
+          </a:xfrm>
+        </p:spPr>
+        <p:txBody>
+          <a:bodyPr>
+            <a:normAutofit/>
+          </a:bodyPr>
+          <a:lstStyle/>
+          <a:p>
+            <a:endParaRPr lang="en-US" altLang="ko-KR" dirty="0"/>
+          </a:p>
+          <a:p>
+            <a:endParaRPr lang="en-US" altLang="ko-KR" dirty="0"/>
+          </a:p>
+          <a:p>
+            <a:endParaRPr lang="en-US" altLang="ko-KR" dirty="0"/>
+          </a:p>
+          <a:p>
+            <a:endParaRPr lang="ko-KR" altLang="en-US" dirty="0"/>
           </a:p>
         </p:txBody>
       </p:sp>
       <p:pic>
         <p:nvPicPr>
-          <p:cNvPr id="6" name="그림 5"/>
+          <p:cNvPr id="5" name="그림 4"/>
           <p:cNvPicPr>
             <a:picLocks noChangeAspect="1"/>
           </p:cNvPicPr>
           <p:nvPr/>
         </p:nvPicPr>
         <p:blipFill>
-          <a:blip r:embed="rId2">
+          <a:blip r:embed="rId2" cstate="print">
             <a:extLst>
               <a:ext uri="{28A0092B-C50C-407E-A947-70E740481C1C}">
                 <a14:useLocalDpi xmlns:a14="http://schemas.microsoft.com/office/drawing/2010/main" val="0"/>
@@ -5466,122 +5512,24 @@
         </p:blipFill>
         <p:spPr>
           <a:xfrm>
-            <a:off x="3922891" y="0"/>
-            <a:ext cx="4486323" cy="4486323"/>
+            <a:off x="9950262" y="463362"/>
+            <a:ext cx="940895" cy="940895"/>
           </a:xfrm>
           <a:prstGeom prst="rect">
             <a:avLst/>
           </a:prstGeom>
         </p:spPr>
       </p:pic>
-      <p:sp>
-        <p:nvSpPr>
-          <p:cNvPr id="2" name="제목 1"/>
-          <p:cNvSpPr>
-            <a:spLocks noGrp="1"/>
-          </p:cNvSpPr>
-          <p:nvPr>
-            <p:ph type="ctrTitle"/>
-          </p:nvPr>
-        </p:nvSpPr>
-        <p:spPr>
-          <a:xfrm>
-            <a:off x="1605645" y="3037108"/>
-            <a:ext cx="9144000" cy="914400"/>
-          </a:xfrm>
-        </p:spPr>
-        <p:txBody>
-          <a:bodyPr>
-            <a:normAutofit fontScale="90000"/>
-          </a:bodyPr>
-          <a:lstStyle/>
-          <a:p>
-            <a:r>
-              <a:rPr lang="ko-KR" altLang="en-US" b="1" dirty="0">
-                <a:solidFill>
-                  <a:schemeClr val="bg1"/>
-                </a:solidFill>
-              </a:rPr>
-              <a:t>너는 </a:t>
-            </a:r>
-            <a:br>
-              <a:rPr lang="en-US" altLang="ko-KR" b="1" dirty="0">
-                <a:solidFill>
-                  <a:schemeClr val="bg1"/>
-                </a:solidFill>
-              </a:rPr>
-            </a:br>
-            <a:r>
-              <a:rPr lang="ko-KR" altLang="en-US" b="1" dirty="0">
-                <a:solidFill>
-                  <a:schemeClr val="bg1"/>
-                </a:solidFill>
-              </a:rPr>
-              <a:t>나의 </a:t>
-            </a:r>
-            <a:br>
-              <a:rPr lang="en-US" altLang="ko-KR" b="1" dirty="0">
-                <a:solidFill>
-                  <a:schemeClr val="bg1"/>
-                </a:solidFill>
-              </a:rPr>
-            </a:br>
-            <a:r>
-              <a:rPr lang="ko-KR" altLang="en-US" b="1" dirty="0">
-                <a:solidFill>
-                  <a:schemeClr val="bg1"/>
-                </a:solidFill>
-              </a:rPr>
-              <a:t>친구</a:t>
-            </a:r>
-          </a:p>
-        </p:txBody>
-      </p:sp>
-      <p:sp>
-        <p:nvSpPr>
-          <p:cNvPr id="3" name="부제목 2"/>
-          <p:cNvSpPr>
-            <a:spLocks noGrp="1"/>
-          </p:cNvSpPr>
-          <p:nvPr>
-            <p:ph type="subTitle" idx="1"/>
-          </p:nvPr>
-        </p:nvSpPr>
-        <p:spPr>
-          <a:xfrm>
-            <a:off x="1409700" y="2197780"/>
-            <a:ext cx="9144000" cy="1655762"/>
-          </a:xfrm>
-        </p:spPr>
-        <p:txBody>
-          <a:bodyPr>
-            <a:normAutofit/>
-          </a:bodyPr>
-          <a:lstStyle/>
-          <a:p>
-            <a:endParaRPr lang="en-US" altLang="ko-KR" dirty="0"/>
-          </a:p>
-          <a:p>
-            <a:endParaRPr lang="en-US" altLang="ko-KR" dirty="0"/>
-          </a:p>
-          <a:p>
-            <a:endParaRPr lang="en-US" altLang="ko-KR" dirty="0"/>
-          </a:p>
-          <a:p>
-            <a:endParaRPr lang="ko-KR" altLang="en-US" dirty="0"/>
-          </a:p>
-        </p:txBody>
-      </p:sp>
       <p:pic>
         <p:nvPicPr>
-          <p:cNvPr id="5" name="그림 4"/>
+          <p:cNvPr id="7" name="그림 6"/>
           <p:cNvPicPr>
             <a:picLocks noChangeAspect="1"/>
           </p:cNvPicPr>
           <p:nvPr/>
         </p:nvPicPr>
         <p:blipFill>
-          <a:blip r:embed="rId3" cstate="print">
+          <a:blip r:embed="rId3">
             <a:extLst>
               <a:ext uri="{28A0092B-C50C-407E-A947-70E740481C1C}">
                 <a14:useLocalDpi xmlns:a14="http://schemas.microsoft.com/office/drawing/2010/main" val="0"/>
@@ -5594,8 +5542,8 @@
         </p:blipFill>
         <p:spPr>
           <a:xfrm>
-            <a:off x="9811412" y="5043319"/>
-            <a:ext cx="938233" cy="938233"/>
+            <a:off x="-81338" y="0"/>
+            <a:ext cx="4490052" cy="4490052"/>
           </a:xfrm>
           <a:prstGeom prst="rect">
             <a:avLst/>
@@ -5604,14 +5552,14 @@
       </p:pic>
       <p:pic>
         <p:nvPicPr>
-          <p:cNvPr id="7" name="그림 6"/>
+          <p:cNvPr id="10" name="그림 9"/>
           <p:cNvPicPr>
             <a:picLocks noChangeAspect="1"/>
           </p:cNvPicPr>
           <p:nvPr/>
         </p:nvPicPr>
         <p:blipFill>
-          <a:blip r:embed="rId4">
+          <a:blip r:embed="rId4" cstate="print">
             <a:extLst>
               <a:ext uri="{28A0092B-C50C-407E-A947-70E740481C1C}">
                 <a14:useLocalDpi xmlns:a14="http://schemas.microsoft.com/office/drawing/2010/main" val="0"/>
@@ -5624,108 +5572,125 @@
         </p:blipFill>
         <p:spPr>
           <a:xfrm>
-            <a:off x="-81338" y="0"/>
-            <a:ext cx="4490052" cy="4490052"/>
+            <a:off x="9950262" y="5275266"/>
+            <a:ext cx="1073074" cy="1073074"/>
           </a:xfrm>
           <a:prstGeom prst="rect">
             <a:avLst/>
           </a:prstGeom>
         </p:spPr>
       </p:pic>
-      <p:pic>
-        <p:nvPicPr>
-          <p:cNvPr id="8" name="그림 7"/>
-          <p:cNvPicPr>
-            <a:picLocks noChangeAspect="1"/>
-          </p:cNvPicPr>
-          <p:nvPr/>
-        </p:nvPicPr>
-        <p:blipFill>
-          <a:blip r:embed="rId4">
-            <a:extLst>
-              <a:ext uri="{28A0092B-C50C-407E-A947-70E740481C1C}">
-                <a14:useLocalDpi xmlns:a14="http://schemas.microsoft.com/office/drawing/2010/main" val="0"/>
-              </a:ext>
-            </a:extLst>
-          </a:blip>
-          <a:stretch>
-            <a:fillRect/>
-          </a:stretch>
-        </p:blipFill>
-        <p:spPr>
-          <a:xfrm>
-            <a:off x="7956049" y="0"/>
-            <a:ext cx="4490052" cy="4490052"/>
-          </a:xfrm>
-          <a:prstGeom prst="rect">
-            <a:avLst/>
-          </a:prstGeom>
-        </p:spPr>
-      </p:pic>
-      <p:pic>
-        <p:nvPicPr>
-          <p:cNvPr id="10" name="그림 9"/>
-          <p:cNvPicPr>
-            <a:picLocks noChangeAspect="1"/>
-          </p:cNvPicPr>
-          <p:nvPr/>
-        </p:nvPicPr>
-        <p:blipFill>
-          <a:blip r:embed="rId5" cstate="print">
-            <a:extLst>
-              <a:ext uri="{28A0092B-C50C-407E-A947-70E740481C1C}">
-                <a14:useLocalDpi xmlns:a14="http://schemas.microsoft.com/office/drawing/2010/main" val="0"/>
-              </a:ext>
-            </a:extLst>
-          </a:blip>
-          <a:stretch>
-            <a:fillRect/>
-          </a:stretch>
-        </p:blipFill>
-        <p:spPr>
-          <a:xfrm>
-            <a:off x="6534456" y="5620127"/>
-            <a:ext cx="794352" cy="794352"/>
-          </a:xfrm>
-          <a:prstGeom prst="rect">
-            <a:avLst/>
-          </a:prstGeom>
-        </p:spPr>
-      </p:pic>
-      <p:pic>
-        <p:nvPicPr>
-          <p:cNvPr id="11" name="그림 10"/>
-          <p:cNvPicPr>
-            <a:picLocks noChangeAspect="1"/>
-          </p:cNvPicPr>
-          <p:nvPr/>
-        </p:nvPicPr>
-        <p:blipFill>
-          <a:blip r:embed="rId6" cstate="print">
-            <a:extLst>
-              <a:ext uri="{28A0092B-C50C-407E-A947-70E740481C1C}">
-                <a14:useLocalDpi xmlns:a14="http://schemas.microsoft.com/office/drawing/2010/main" val="0"/>
-              </a:ext>
-            </a:extLst>
-          </a:blip>
-          <a:stretch>
-            <a:fillRect/>
-          </a:stretch>
-        </p:blipFill>
-        <p:spPr>
-          <a:xfrm>
-            <a:off x="5519058" y="4728064"/>
-            <a:ext cx="1371600" cy="1420271"/>
-          </a:xfrm>
-          <a:prstGeom prst="rect">
-            <a:avLst/>
-          </a:prstGeom>
-        </p:spPr>
-      </p:pic>
+      <p:sp>
+        <p:nvSpPr>
+          <p:cNvPr id="11" name="모서리가 둥근 직사각형 10"/>
+          <p:cNvSpPr/>
+          <p:nvPr/>
+        </p:nvSpPr>
+        <p:spPr>
+          <a:xfrm>
+            <a:off x="4528151" y="1152149"/>
+            <a:ext cx="4632177" cy="1045029"/>
+          </a:xfrm>
+          <a:prstGeom prst="roundRect">
+            <a:avLst/>
+          </a:prstGeom>
+          <a:solidFill>
+            <a:srgbClr val="DEEBF7"/>
+          </a:solidFill>
+          <a:ln>
+            <a:solidFill>
+              <a:schemeClr val="bg1"/>
+            </a:solidFill>
+          </a:ln>
+        </p:spPr>
+        <p:style>
+          <a:lnRef idx="2">
+            <a:schemeClr val="accent1">
+              <a:shade val="50000"/>
+            </a:schemeClr>
+          </a:lnRef>
+          <a:fillRef idx="1">
+            <a:schemeClr val="accent1"/>
+          </a:fillRef>
+          <a:effectRef idx="0">
+            <a:schemeClr val="accent1"/>
+          </a:effectRef>
+          <a:fontRef idx="minor">
+            <a:schemeClr val="lt1"/>
+          </a:fontRef>
+        </p:style>
+        <p:txBody>
+          <a:bodyPr rtlCol="0" anchor="ctr"/>
+          <a:lstStyle/>
+          <a:p>
+            <a:pPr algn="ctr"/>
+            <a:r>
+              <a:rPr lang="en-US" altLang="ko-KR" sz="3200" b="1"/>
+              <a:t>S/N</a:t>
+            </a:r>
+            <a:endParaRPr lang="ko-KR" altLang="en-US" sz="3200" b="1" dirty="0"/>
+          </a:p>
+        </p:txBody>
+      </p:sp>
+      <p:sp>
+        <p:nvSpPr>
+          <p:cNvPr id="13" name="모서리가 둥근 직사각형 12"/>
+          <p:cNvSpPr/>
+          <p:nvPr/>
+        </p:nvSpPr>
+        <p:spPr>
+          <a:xfrm>
+            <a:off x="4528151" y="2468186"/>
+            <a:ext cx="4632177" cy="1045029"/>
+          </a:xfrm>
+          <a:prstGeom prst="roundRect">
+            <a:avLst/>
+          </a:prstGeom>
+          <a:solidFill>
+            <a:schemeClr val="accent1">
+              <a:lumMod val="20000"/>
+              <a:lumOff val="80000"/>
+            </a:schemeClr>
+          </a:solidFill>
+          <a:ln>
+            <a:solidFill>
+              <a:schemeClr val="bg1"/>
+            </a:solidFill>
+          </a:ln>
+        </p:spPr>
+        <p:style>
+          <a:lnRef idx="2">
+            <a:schemeClr val="accent1">
+              <a:shade val="50000"/>
+            </a:schemeClr>
+          </a:lnRef>
+          <a:fillRef idx="1">
+            <a:schemeClr val="accent1"/>
+          </a:fillRef>
+          <a:effectRef idx="0">
+            <a:schemeClr val="accent1"/>
+          </a:effectRef>
+          <a:fontRef idx="minor">
+            <a:schemeClr val="lt1"/>
+          </a:fontRef>
+        </p:style>
+        <p:txBody>
+          <a:bodyPr rtlCol="0" anchor="ctr"/>
+          <a:lstStyle/>
+          <a:p>
+            <a:pPr algn="ctr"/>
+            <a:r>
+              <a:rPr lang="ko-KR" altLang="en-US" sz="3200" b="1"/>
+              <a:t>등록</a:t>
+            </a:r>
+            <a:endParaRPr lang="ko-KR" altLang="en-US" sz="3200" b="1" dirty="0"/>
+          </a:p>
+        </p:txBody>
+      </p:sp>
     </p:spTree>
     <p:extLst>
       <p:ext uri="{BB962C8B-B14F-4D97-AF65-F5344CB8AC3E}">
-        <p14:creationId xmlns:p14="http://schemas.microsoft.com/office/powerpoint/2010/main" val="1747194950"/>
+        <p14:creationId xmlns:p14="http://schemas.microsoft.com/office/powerpoint/2010/main" val="168620688"/>
       </p:ext>
     </p:extLst>
   </p:cSld>
@@ -5754,42 +5719,55 @@
       </p:grpSpPr>
       <p:sp>
         <p:nvSpPr>
-          <p:cNvPr id="3" name="부제목 2"/>
-          <p:cNvSpPr>
-            <a:spLocks noGrp="1"/>
-          </p:cNvSpPr>
-          <p:nvPr>
-            <p:ph type="subTitle" idx="1"/>
-          </p:nvPr>
-        </p:nvSpPr>
-        <p:spPr>
-          <a:xfrm>
-            <a:off x="1409700" y="2197780"/>
-            <a:ext cx="9144000" cy="1655762"/>
-          </a:xfrm>
-        </p:spPr>
-        <p:txBody>
-          <a:bodyPr>
-            <a:normAutofit/>
-          </a:bodyPr>
-          <a:lstStyle/>
-          <a:p>
-            <a:endParaRPr lang="en-US" altLang="ko-KR" dirty="0"/>
-          </a:p>
-          <a:p>
-            <a:endParaRPr lang="en-US" altLang="ko-KR" dirty="0"/>
-          </a:p>
-          <a:p>
-            <a:endParaRPr lang="en-US" altLang="ko-KR" dirty="0"/>
-          </a:p>
-          <a:p>
-            <a:endParaRPr lang="ko-KR" altLang="en-US" dirty="0"/>
+          <p:cNvPr id="4" name="직사각형 3"/>
+          <p:cNvSpPr/>
+          <p:nvPr/>
+        </p:nvSpPr>
+        <p:spPr>
+          <a:xfrm>
+            <a:off x="5404758" y="4676532"/>
+            <a:ext cx="2024742" cy="1773251"/>
+          </a:xfrm>
+          <a:prstGeom prst="rect">
+            <a:avLst/>
+          </a:prstGeom>
+          <a:solidFill>
+            <a:schemeClr val="bg1"/>
+          </a:solidFill>
+          <a:ln w="57150">
+            <a:solidFill>
+              <a:srgbClr val="FF0000"/>
+            </a:solidFill>
+          </a:ln>
+        </p:spPr>
+        <p:style>
+          <a:lnRef idx="2">
+            <a:schemeClr val="accent1">
+              <a:shade val="50000"/>
+            </a:schemeClr>
+          </a:lnRef>
+          <a:fillRef idx="1">
+            <a:schemeClr val="accent1"/>
+          </a:fillRef>
+          <a:effectRef idx="0">
+            <a:schemeClr val="accent1"/>
+          </a:effectRef>
+          <a:fontRef idx="minor">
+            <a:schemeClr val="lt1"/>
+          </a:fontRef>
+        </p:style>
+        <p:txBody>
+          <a:bodyPr rtlCol="0" anchor="ctr"/>
+          <a:lstStyle/>
+          <a:p>
+            <a:pPr algn="ctr"/>
+            <a:endParaRPr lang="ko-KR" altLang="en-US"/>
           </a:p>
         </p:txBody>
       </p:sp>
       <p:pic>
         <p:nvPicPr>
-          <p:cNvPr id="7" name="그림 6"/>
+          <p:cNvPr id="6" name="그림 5"/>
           <p:cNvPicPr>
             <a:picLocks noChangeAspect="1"/>
           </p:cNvPicPr>
@@ -5809,17 +5787,115 @@
         </p:blipFill>
         <p:spPr>
           <a:xfrm>
-            <a:off x="-81338" y="0"/>
-            <a:ext cx="4490052" cy="4490052"/>
+            <a:off x="3922891" y="0"/>
+            <a:ext cx="4486323" cy="4486323"/>
           </a:xfrm>
           <a:prstGeom prst="rect">
             <a:avLst/>
           </a:prstGeom>
         </p:spPr>
       </p:pic>
+      <p:sp>
+        <p:nvSpPr>
+          <p:cNvPr id="2" name="제목 1"/>
+          <p:cNvSpPr>
+            <a:spLocks noGrp="1"/>
+          </p:cNvSpPr>
+          <p:nvPr>
+            <p:ph type="ctrTitle"/>
+          </p:nvPr>
+        </p:nvSpPr>
+        <p:spPr>
+          <a:xfrm>
+            <a:off x="1605645" y="3037108"/>
+            <a:ext cx="9144000" cy="914400"/>
+          </a:xfrm>
+        </p:spPr>
+        <p:txBody>
+          <a:bodyPr>
+            <a:normAutofit fontScale="90000"/>
+          </a:bodyPr>
+          <a:lstStyle/>
+          <a:p>
+            <a:r>
+              <a:rPr lang="ko-KR" altLang="en-US" b="1" dirty="0">
+                <a:solidFill>
+                  <a:schemeClr val="bg1"/>
+                </a:solidFill>
+              </a:rPr>
+              <a:t>너는 </a:t>
+            </a:r>
+            <a:br>
+              <a:rPr lang="en-US" altLang="ko-KR" b="1" dirty="0">
+                <a:solidFill>
+                  <a:schemeClr val="bg1"/>
+                </a:solidFill>
+              </a:rPr>
+            </a:br>
+            <a:r>
+              <a:rPr lang="ko-KR" altLang="en-US" b="1" dirty="0">
+                <a:solidFill>
+                  <a:schemeClr val="bg1"/>
+                </a:solidFill>
+              </a:rPr>
+              <a:t>나의 </a:t>
+            </a:r>
+            <a:br>
+              <a:rPr lang="en-US" altLang="ko-KR" b="1" dirty="0">
+                <a:solidFill>
+                  <a:schemeClr val="bg1"/>
+                </a:solidFill>
+              </a:rPr>
+            </a:br>
+            <a:r>
+              <a:rPr lang="ko-KR" altLang="en-US" b="1" dirty="0">
+                <a:solidFill>
+                  <a:schemeClr val="bg1"/>
+                </a:solidFill>
+              </a:rPr>
+              <a:t>친구</a:t>
+            </a:r>
+          </a:p>
+        </p:txBody>
+      </p:sp>
+      <p:sp>
+        <p:nvSpPr>
+          <p:cNvPr id="3" name="부제목 2"/>
+          <p:cNvSpPr>
+            <a:spLocks noGrp="1"/>
+          </p:cNvSpPr>
+          <p:nvPr>
+            <p:ph type="subTitle" idx="1"/>
+          </p:nvPr>
+        </p:nvSpPr>
+        <p:spPr>
+          <a:xfrm>
+            <a:off x="1409700" y="2197780"/>
+            <a:ext cx="9144000" cy="1655762"/>
+          </a:xfrm>
+        </p:spPr>
+        <p:txBody>
+          <a:bodyPr>
+            <a:normAutofit/>
+          </a:bodyPr>
+          <a:lstStyle/>
+          <a:p>
+            <a:endParaRPr lang="en-US" altLang="ko-KR" dirty="0"/>
+          </a:p>
+          <a:p>
+            <a:endParaRPr lang="en-US" altLang="ko-KR" dirty="0"/>
+          </a:p>
+          <a:p>
+            <a:endParaRPr lang="en-US" altLang="ko-KR" dirty="0"/>
+          </a:p>
+          <a:p>
+            <a:endParaRPr lang="ko-KR" altLang="en-US" dirty="0"/>
+          </a:p>
+        </p:txBody>
+      </p:sp>
       <p:pic>
         <p:nvPicPr>
-          <p:cNvPr id="10" name="그림 9"/>
+          <p:cNvPr id="5" name="그림 4"/>
           <p:cNvPicPr>
             <a:picLocks noChangeAspect="1"/>
           </p:cNvPicPr>
@@ -5839,8 +5915,8 @@
         </p:blipFill>
         <p:spPr>
           <a:xfrm>
-            <a:off x="5519058" y="4728064"/>
-            <a:ext cx="1371600" cy="1420271"/>
+            <a:off x="9811412" y="5043319"/>
+            <a:ext cx="938233" cy="938233"/>
           </a:xfrm>
           <a:prstGeom prst="rect">
             <a:avLst/>
@@ -5849,14 +5925,14 @@
       </p:pic>
       <p:pic>
         <p:nvPicPr>
-          <p:cNvPr id="11" name="그림 10"/>
+          <p:cNvPr id="7" name="그림 6"/>
           <p:cNvPicPr>
             <a:picLocks noChangeAspect="1"/>
           </p:cNvPicPr>
           <p:nvPr/>
         </p:nvPicPr>
         <p:blipFill>
-          <a:blip r:embed="rId4" cstate="print">
+          <a:blip r:embed="rId4">
             <a:extLst>
               <a:ext uri="{28A0092B-C50C-407E-A947-70E740481C1C}">
                 <a14:useLocalDpi xmlns:a14="http://schemas.microsoft.com/office/drawing/2010/main" val="0"/>
@@ -5869,8 +5945,8 @@
         </p:blipFill>
         <p:spPr>
           <a:xfrm>
-            <a:off x="9950262" y="5275266"/>
-            <a:ext cx="1073074" cy="1073074"/>
+            <a:off x="-81338" y="0"/>
+            <a:ext cx="4490052" cy="4490052"/>
           </a:xfrm>
           <a:prstGeom prst="rect">
             <a:avLst/>
@@ -5879,7 +5955,37 @@
       </p:pic>
       <p:pic>
         <p:nvPicPr>
-          <p:cNvPr id="2" name="그림 1"/>
+          <p:cNvPr id="8" name="그림 7"/>
+          <p:cNvPicPr>
+            <a:picLocks noChangeAspect="1"/>
+          </p:cNvPicPr>
+          <p:nvPr/>
+        </p:nvPicPr>
+        <p:blipFill>
+          <a:blip r:embed="rId4">
+            <a:extLst>
+              <a:ext uri="{28A0092B-C50C-407E-A947-70E740481C1C}">
+                <a14:useLocalDpi xmlns:a14="http://schemas.microsoft.com/office/drawing/2010/main" val="0"/>
+              </a:ext>
+            </a:extLst>
+          </a:blip>
+          <a:stretch>
+            <a:fillRect/>
+          </a:stretch>
+        </p:blipFill>
+        <p:spPr>
+          <a:xfrm>
+            <a:off x="7956049" y="0"/>
+            <a:ext cx="4490052" cy="4490052"/>
+          </a:xfrm>
+          <a:prstGeom prst="rect">
+            <a:avLst/>
+          </a:prstGeom>
+        </p:spPr>
+      </p:pic>
+      <p:pic>
+        <p:nvPicPr>
+          <p:cNvPr id="10" name="그림 9"/>
           <p:cNvPicPr>
             <a:picLocks noChangeAspect="1"/>
           </p:cNvPicPr>
@@ -5899,79 +6005,24 @@
         </p:blipFill>
         <p:spPr>
           <a:xfrm>
-            <a:off x="5690217" y="2824261"/>
-            <a:ext cx="1029281" cy="1029281"/>
+            <a:off x="6534456" y="5620127"/>
+            <a:ext cx="794352" cy="794352"/>
           </a:xfrm>
           <a:prstGeom prst="rect">
             <a:avLst/>
           </a:prstGeom>
         </p:spPr>
       </p:pic>
-      <p:sp>
-        <p:nvSpPr>
-          <p:cNvPr id="8" name="모서리가 둥근 직사각형 7"/>
-          <p:cNvSpPr/>
-          <p:nvPr/>
-        </p:nvSpPr>
-        <p:spPr>
-          <a:xfrm>
-            <a:off x="3948476" y="1602084"/>
-            <a:ext cx="4512762" cy="1045029"/>
-          </a:xfrm>
-          <a:prstGeom prst="roundRect">
-            <a:avLst/>
-          </a:prstGeom>
-          <a:solidFill>
-            <a:schemeClr val="accent1">
-              <a:lumMod val="20000"/>
-              <a:lumOff val="80000"/>
-            </a:schemeClr>
-          </a:solidFill>
-          <a:ln>
-            <a:solidFill>
-              <a:schemeClr val="bg1"/>
-            </a:solidFill>
-          </a:ln>
-        </p:spPr>
-        <p:style>
-          <a:lnRef idx="2">
-            <a:schemeClr val="accent1">
-              <a:shade val="50000"/>
-            </a:schemeClr>
-          </a:lnRef>
-          <a:fillRef idx="1">
-            <a:schemeClr val="accent1"/>
-          </a:fillRef>
-          <a:effectRef idx="0">
-            <a:schemeClr val="accent1"/>
-          </a:effectRef>
-          <a:fontRef idx="minor">
-            <a:schemeClr val="lt1"/>
-          </a:fontRef>
-        </p:style>
-        <p:txBody>
-          <a:bodyPr rtlCol="0" anchor="ctr"/>
-          <a:lstStyle/>
-          <a:p>
-            <a:pPr algn="ctr"/>
-            <a:r>
-              <a:rPr lang="ko-KR" altLang="en-US" sz="2800" b="1"/>
-              <a:t>잠시만 기다려 주십시오</a:t>
-            </a:r>
-            <a:endParaRPr lang="ko-KR" altLang="en-US" sz="2800" b="1" dirty="0"/>
-          </a:p>
-        </p:txBody>
-      </p:sp>
       <p:pic>
         <p:nvPicPr>
-          <p:cNvPr id="9" name="그림 8"/>
+          <p:cNvPr id="11" name="그림 10"/>
           <p:cNvPicPr>
             <a:picLocks noChangeAspect="1"/>
           </p:cNvPicPr>
           <p:nvPr/>
         </p:nvPicPr>
         <p:blipFill>
-          <a:blip r:embed="rId2">
+          <a:blip r:embed="rId6" cstate="print">
             <a:extLst>
               <a:ext uri="{28A0092B-C50C-407E-A947-70E740481C1C}">
                 <a14:useLocalDpi xmlns:a14="http://schemas.microsoft.com/office/drawing/2010/main" val="0"/>
@@ -5984,8 +6035,8 @@
         </p:blipFill>
         <p:spPr>
           <a:xfrm>
-            <a:off x="7956049" y="0"/>
-            <a:ext cx="4490052" cy="4490052"/>
+            <a:off x="5519058" y="4728064"/>
+            <a:ext cx="1371600" cy="1420271"/>
           </a:xfrm>
           <a:prstGeom prst="rect">
             <a:avLst/>
@@ -5995,7 +6046,7 @@
     </p:spTree>
     <p:extLst>
       <p:ext uri="{BB962C8B-B14F-4D97-AF65-F5344CB8AC3E}">
-        <p14:creationId xmlns:p14="http://schemas.microsoft.com/office/powerpoint/2010/main" val="323661170"/>
+        <p14:creationId xmlns:p14="http://schemas.microsoft.com/office/powerpoint/2010/main" val="1747194950"/>
       </p:ext>
     </p:extLst>
   </p:cSld>
@@ -6024,61 +6075,42 @@
       </p:grpSpPr>
       <p:sp>
         <p:nvSpPr>
-          <p:cNvPr id="17" name="직사각형 16"/>
-          <p:cNvSpPr/>
-          <p:nvPr/>
-        </p:nvSpPr>
-        <p:spPr>
-          <a:xfrm>
-            <a:off x="9005777" y="0"/>
-            <a:ext cx="3186223" cy="6858000"/>
-          </a:xfrm>
-          <a:prstGeom prst="rect">
-            <a:avLst/>
-          </a:prstGeom>
-          <a:solidFill>
-            <a:schemeClr val="bg1">
-              <a:lumMod val="95000"/>
-            </a:schemeClr>
-          </a:solidFill>
-          <a:ln>
-            <a:solidFill>
-              <a:schemeClr val="tx1"/>
-            </a:solidFill>
-          </a:ln>
-        </p:spPr>
-        <p:style>
-          <a:lnRef idx="2">
-            <a:schemeClr val="accent1">
-              <a:shade val="50000"/>
-            </a:schemeClr>
-          </a:lnRef>
-          <a:fillRef idx="1">
-            <a:schemeClr val="accent1"/>
-          </a:fillRef>
-          <a:effectRef idx="0">
-            <a:schemeClr val="accent1"/>
-          </a:effectRef>
-          <a:fontRef idx="minor">
-            <a:schemeClr val="lt1"/>
-          </a:fontRef>
-        </p:style>
-        <p:txBody>
-          <a:bodyPr rtlCol="0" anchor="ctr"/>
-          <a:lstStyle/>
-          <a:p>
-            <a:pPr algn="ctr"/>
-            <a:endParaRPr lang="ko-KR" altLang="en-US" sz="3200" b="1">
-              <a:solidFill>
-                <a:schemeClr val="tx1"/>
-              </a:solidFill>
-            </a:endParaRPr>
+          <p:cNvPr id="3" name="부제목 2"/>
+          <p:cNvSpPr>
+            <a:spLocks noGrp="1"/>
+          </p:cNvSpPr>
+          <p:nvPr>
+            <p:ph type="subTitle" idx="1"/>
+          </p:nvPr>
+        </p:nvSpPr>
+        <p:spPr>
+          <a:xfrm>
+            <a:off x="1409700" y="2197780"/>
+            <a:ext cx="9144000" cy="1655762"/>
+          </a:xfrm>
+        </p:spPr>
+        <p:txBody>
+          <a:bodyPr>
+            <a:normAutofit/>
+          </a:bodyPr>
+          <a:lstStyle/>
+          <a:p>
+            <a:endParaRPr lang="en-US" altLang="ko-KR" dirty="0"/>
+          </a:p>
+          <a:p>
+            <a:endParaRPr lang="en-US" altLang="ko-KR" dirty="0"/>
+          </a:p>
+          <a:p>
+            <a:endParaRPr lang="en-US" altLang="ko-KR" dirty="0"/>
+          </a:p>
+          <a:p>
+            <a:endParaRPr lang="ko-KR" altLang="en-US" dirty="0"/>
           </a:p>
         </p:txBody>
       </p:sp>
       <p:pic>
         <p:nvPicPr>
-          <p:cNvPr id="4" name="그림 3"/>
+          <p:cNvPr id="7" name="그림 6"/>
           <p:cNvPicPr>
             <a:picLocks noChangeAspect="1"/>
           </p:cNvPicPr>
@@ -6098,55 +6130,17 @@
         </p:blipFill>
         <p:spPr>
           <a:xfrm>
-            <a:off x="3766003" y="411123"/>
-            <a:ext cx="4876190" cy="4876190"/>
-          </a:xfrm>
-          <a:prstGeom prst="rect">
-            <a:avLst/>
-          </a:prstGeom>
-          <a:effectLst>
-            <a:softEdge rad="63500"/>
-          </a:effectLst>
+            <a:off x="-81338" y="0"/>
+            <a:ext cx="4490052" cy="4490052"/>
+          </a:xfrm>
+          <a:prstGeom prst="rect">
+            <a:avLst/>
+          </a:prstGeom>
         </p:spPr>
       </p:pic>
-      <p:sp>
-        <p:nvSpPr>
-          <p:cNvPr id="3" name="부제목 2"/>
-          <p:cNvSpPr>
-            <a:spLocks noGrp="1"/>
-          </p:cNvSpPr>
-          <p:nvPr>
-            <p:ph type="subTitle" idx="1"/>
-          </p:nvPr>
-        </p:nvSpPr>
-        <p:spPr>
-          <a:xfrm>
-            <a:off x="1409700" y="2197780"/>
-            <a:ext cx="9144000" cy="1655762"/>
-          </a:xfrm>
-        </p:spPr>
-        <p:txBody>
-          <a:bodyPr>
-            <a:normAutofit/>
-          </a:bodyPr>
-          <a:lstStyle/>
-          <a:p>
-            <a:endParaRPr lang="en-US" altLang="ko-KR" dirty="0"/>
-          </a:p>
-          <a:p>
-            <a:endParaRPr lang="en-US" altLang="ko-KR" dirty="0"/>
-          </a:p>
-          <a:p>
-            <a:endParaRPr lang="en-US" altLang="ko-KR" dirty="0"/>
-          </a:p>
-          <a:p>
-            <a:endParaRPr lang="ko-KR" altLang="en-US" dirty="0"/>
-          </a:p>
-        </p:txBody>
-      </p:sp>
       <p:pic>
         <p:nvPicPr>
-          <p:cNvPr id="5" name="그림 4"/>
+          <p:cNvPr id="10" name="그림 9"/>
           <p:cNvPicPr>
             <a:picLocks noChangeAspect="1"/>
           </p:cNvPicPr>
@@ -6166,8 +6160,8 @@
         </p:blipFill>
         <p:spPr>
           <a:xfrm>
-            <a:off x="10833916" y="5497889"/>
-            <a:ext cx="944221" cy="944221"/>
+            <a:off x="5519058" y="4728064"/>
+            <a:ext cx="1371600" cy="1420271"/>
           </a:xfrm>
           <a:prstGeom prst="rect">
             <a:avLst/>
@@ -6176,7 +6170,7 @@
       </p:pic>
       <p:pic>
         <p:nvPicPr>
-          <p:cNvPr id="6" name="그림 5"/>
+          <p:cNvPr id="11" name="그림 10"/>
           <p:cNvPicPr>
             <a:picLocks noChangeAspect="1"/>
           </p:cNvPicPr>
@@ -6196,8 +6190,8 @@
         </p:blipFill>
         <p:spPr>
           <a:xfrm>
-            <a:off x="5572631" y="5515911"/>
-            <a:ext cx="966491" cy="966491"/>
+            <a:off x="9950262" y="5275266"/>
+            <a:ext cx="1073074" cy="1073074"/>
           </a:xfrm>
           <a:prstGeom prst="rect">
             <a:avLst/>
@@ -6206,7 +6200,7 @@
       </p:pic>
       <p:pic>
         <p:nvPicPr>
-          <p:cNvPr id="12" name="그림 11"/>
+          <p:cNvPr id="2" name="그림 1"/>
           <p:cNvPicPr>
             <a:picLocks noChangeAspect="1"/>
           </p:cNvPicPr>
@@ -6226,24 +6220,79 @@
         </p:blipFill>
         <p:spPr>
           <a:xfrm>
-            <a:off x="3294651" y="5538181"/>
-            <a:ext cx="944221" cy="944221"/>
+            <a:off x="5690217" y="2824261"/>
+            <a:ext cx="1029281" cy="1029281"/>
           </a:xfrm>
           <a:prstGeom prst="rect">
             <a:avLst/>
           </a:prstGeom>
         </p:spPr>
       </p:pic>
+      <p:sp>
+        <p:nvSpPr>
+          <p:cNvPr id="8" name="모서리가 둥근 직사각형 7"/>
+          <p:cNvSpPr/>
+          <p:nvPr/>
+        </p:nvSpPr>
+        <p:spPr>
+          <a:xfrm>
+            <a:off x="3948476" y="1602084"/>
+            <a:ext cx="4512762" cy="1045029"/>
+          </a:xfrm>
+          <a:prstGeom prst="roundRect">
+            <a:avLst/>
+          </a:prstGeom>
+          <a:solidFill>
+            <a:schemeClr val="accent1">
+              <a:lumMod val="20000"/>
+              <a:lumOff val="80000"/>
+            </a:schemeClr>
+          </a:solidFill>
+          <a:ln>
+            <a:solidFill>
+              <a:schemeClr val="bg1"/>
+            </a:solidFill>
+          </a:ln>
+        </p:spPr>
+        <p:style>
+          <a:lnRef idx="2">
+            <a:schemeClr val="accent1">
+              <a:shade val="50000"/>
+            </a:schemeClr>
+          </a:lnRef>
+          <a:fillRef idx="1">
+            <a:schemeClr val="accent1"/>
+          </a:fillRef>
+          <a:effectRef idx="0">
+            <a:schemeClr val="accent1"/>
+          </a:effectRef>
+          <a:fontRef idx="minor">
+            <a:schemeClr val="lt1"/>
+          </a:fontRef>
+        </p:style>
+        <p:txBody>
+          <a:bodyPr rtlCol="0" anchor="ctr"/>
+          <a:lstStyle/>
+          <a:p>
+            <a:pPr algn="ctr"/>
+            <a:r>
+              <a:rPr lang="ko-KR" altLang="en-US" sz="2800" b="1"/>
+              <a:t>잠시만 기다려 주십시오</a:t>
+            </a:r>
+            <a:endParaRPr lang="ko-KR" altLang="en-US" sz="2800" b="1" dirty="0"/>
+          </a:p>
+        </p:txBody>
+      </p:sp>
       <p:pic>
         <p:nvPicPr>
-          <p:cNvPr id="13" name="그림 12"/>
+          <p:cNvPr id="9" name="그림 8"/>
           <p:cNvPicPr>
             <a:picLocks noChangeAspect="1"/>
           </p:cNvPicPr>
           <p:nvPr/>
         </p:nvPicPr>
         <p:blipFill>
-          <a:blip r:embed="rId6" cstate="print">
+          <a:blip r:embed="rId2">
             <a:extLst>
               <a:ext uri="{28A0092B-C50C-407E-A947-70E740481C1C}">
                 <a14:useLocalDpi xmlns:a14="http://schemas.microsoft.com/office/drawing/2010/main" val="0"/>
@@ -6256,649 +6305,18 @@
         </p:blipFill>
         <p:spPr>
           <a:xfrm>
-            <a:off x="6663806" y="5497889"/>
-            <a:ext cx="984513" cy="984513"/>
+            <a:off x="7956049" y="0"/>
+            <a:ext cx="4490052" cy="4490052"/>
           </a:xfrm>
           <a:prstGeom prst="rect">
             <a:avLst/>
           </a:prstGeom>
         </p:spPr>
       </p:pic>
-      <p:pic>
-        <p:nvPicPr>
-          <p:cNvPr id="14" name="그림 13"/>
-          <p:cNvPicPr>
-            <a:picLocks noChangeAspect="1"/>
-          </p:cNvPicPr>
-          <p:nvPr/>
-        </p:nvPicPr>
-        <p:blipFill>
-          <a:blip r:embed="rId7" cstate="print">
-            <a:extLst>
-              <a:ext uri="{28A0092B-C50C-407E-A947-70E740481C1C}">
-                <a14:useLocalDpi xmlns:a14="http://schemas.microsoft.com/office/drawing/2010/main" val="0"/>
-              </a:ext>
-            </a:extLst>
-          </a:blip>
-          <a:stretch>
-            <a:fillRect/>
-          </a:stretch>
-        </p:blipFill>
-        <p:spPr>
-          <a:xfrm>
-            <a:off x="2261299" y="5538181"/>
-            <a:ext cx="944221" cy="944221"/>
-          </a:xfrm>
-          <a:prstGeom prst="rect">
-            <a:avLst/>
-          </a:prstGeom>
-        </p:spPr>
-      </p:pic>
-      <p:pic>
-        <p:nvPicPr>
-          <p:cNvPr id="15" name="그림 14"/>
-          <p:cNvPicPr>
-            <a:picLocks noChangeAspect="1"/>
-          </p:cNvPicPr>
-          <p:nvPr/>
-        </p:nvPicPr>
-        <p:blipFill>
-          <a:blip r:embed="rId8" cstate="print">
-            <a:extLst>
-              <a:ext uri="{28A0092B-C50C-407E-A947-70E740481C1C}">
-                <a14:useLocalDpi xmlns:a14="http://schemas.microsoft.com/office/drawing/2010/main" val="0"/>
-              </a:ext>
-            </a:extLst>
-          </a:blip>
-          <a:stretch>
-            <a:fillRect/>
-          </a:stretch>
-        </p:blipFill>
-        <p:spPr>
-          <a:xfrm>
-            <a:off x="4433641" y="5538181"/>
-            <a:ext cx="944221" cy="944221"/>
-          </a:xfrm>
-          <a:prstGeom prst="rect">
-            <a:avLst/>
-          </a:prstGeom>
-        </p:spPr>
-      </p:pic>
-      <p:pic>
-        <p:nvPicPr>
-          <p:cNvPr id="16" name="그림 15"/>
-          <p:cNvPicPr>
-            <a:picLocks noChangeAspect="1"/>
-          </p:cNvPicPr>
-          <p:nvPr/>
-        </p:nvPicPr>
-        <p:blipFill>
-          <a:blip r:embed="rId9" cstate="print">
-            <a:extLst>
-              <a:ext uri="{28A0092B-C50C-407E-A947-70E740481C1C}">
-                <a14:useLocalDpi xmlns:a14="http://schemas.microsoft.com/office/drawing/2010/main" val="0"/>
-              </a:ext>
-            </a:extLst>
-          </a:blip>
-          <a:stretch>
-            <a:fillRect/>
-          </a:stretch>
-        </p:blipFill>
-        <p:spPr>
-          <a:xfrm>
-            <a:off x="7823375" y="5512998"/>
-            <a:ext cx="941810" cy="941810"/>
-          </a:xfrm>
-          <a:prstGeom prst="rect">
-            <a:avLst/>
-          </a:prstGeom>
-        </p:spPr>
-      </p:pic>
-      <p:sp>
-        <p:nvSpPr>
-          <p:cNvPr id="18" name="직사각형 17"/>
-          <p:cNvSpPr/>
-          <p:nvPr/>
-        </p:nvSpPr>
-        <p:spPr>
-          <a:xfrm>
-            <a:off x="324096" y="299675"/>
-            <a:ext cx="2881424" cy="669851"/>
-          </a:xfrm>
-          <a:prstGeom prst="rect">
-            <a:avLst/>
-          </a:prstGeom>
-          <a:solidFill>
-            <a:schemeClr val="bg1"/>
-          </a:solidFill>
-          <a:ln>
-            <a:solidFill>
-              <a:schemeClr val="tx1"/>
-            </a:solidFill>
-          </a:ln>
-        </p:spPr>
-        <p:style>
-          <a:lnRef idx="2">
-            <a:schemeClr val="accent1">
-              <a:shade val="50000"/>
-            </a:schemeClr>
-          </a:lnRef>
-          <a:fillRef idx="1">
-            <a:schemeClr val="accent1"/>
-          </a:fillRef>
-          <a:effectRef idx="0">
-            <a:schemeClr val="accent1"/>
-          </a:effectRef>
-          <a:fontRef idx="minor">
-            <a:schemeClr val="lt1"/>
-          </a:fontRef>
-        </p:style>
-        <p:txBody>
-          <a:bodyPr rtlCol="0" anchor="ctr"/>
-          <a:lstStyle/>
-          <a:p>
-            <a:pPr algn="ctr"/>
-            <a:r>
-              <a:rPr lang="ko-KR" altLang="en-US" b="1">
-                <a:solidFill>
-                  <a:schemeClr val="tx1"/>
-                </a:solidFill>
-              </a:rPr>
-              <a:t>대본 리스트</a:t>
-            </a:r>
-          </a:p>
-        </p:txBody>
-      </p:sp>
-      <p:pic>
-        <p:nvPicPr>
-          <p:cNvPr id="2" name="그림 1"/>
-          <p:cNvPicPr>
-            <a:picLocks noChangeAspect="1"/>
-          </p:cNvPicPr>
-          <p:nvPr/>
-        </p:nvPicPr>
-        <p:blipFill>
-          <a:blip r:embed="rId10" cstate="print">
-            <a:extLst>
-              <a:ext uri="{28A0092B-C50C-407E-A947-70E740481C1C}">
-                <a14:useLocalDpi xmlns:a14="http://schemas.microsoft.com/office/drawing/2010/main" val="0"/>
-              </a:ext>
-            </a:extLst>
-          </a:blip>
-          <a:stretch>
-            <a:fillRect/>
-          </a:stretch>
-        </p:blipFill>
-        <p:spPr>
-          <a:xfrm>
-            <a:off x="192344" y="5512998"/>
-            <a:ext cx="969404" cy="969404"/>
-          </a:xfrm>
-          <a:prstGeom prst="rect">
-            <a:avLst/>
-          </a:prstGeom>
-        </p:spPr>
-      </p:pic>
-      <p:pic>
-        <p:nvPicPr>
-          <p:cNvPr id="7" name="그림 6"/>
-          <p:cNvPicPr>
-            <a:picLocks noChangeAspect="1"/>
-          </p:cNvPicPr>
-          <p:nvPr/>
-        </p:nvPicPr>
-        <p:blipFill>
-          <a:blip r:embed="rId11" cstate="print">
-            <a:extLst>
-              <a:ext uri="{28A0092B-C50C-407E-A947-70E740481C1C}">
-                <a14:useLocalDpi xmlns:a14="http://schemas.microsoft.com/office/drawing/2010/main" val="0"/>
-              </a:ext>
-            </a:extLst>
-          </a:blip>
-          <a:stretch>
-            <a:fillRect/>
-          </a:stretch>
-        </p:blipFill>
-        <p:spPr>
-          <a:xfrm>
-            <a:off x="1239690" y="5538181"/>
-            <a:ext cx="945618" cy="945618"/>
-          </a:xfrm>
-          <a:prstGeom prst="rect">
-            <a:avLst/>
-          </a:prstGeom>
-        </p:spPr>
-      </p:pic>
-      <p:sp>
-        <p:nvSpPr>
-          <p:cNvPr id="8" name="직사각형 7"/>
-          <p:cNvSpPr/>
-          <p:nvPr/>
-        </p:nvSpPr>
-        <p:spPr>
-          <a:xfrm>
-            <a:off x="0" y="5287313"/>
-            <a:ext cx="9005777" cy="191386"/>
-          </a:xfrm>
-          <a:prstGeom prst="rect">
-            <a:avLst/>
-          </a:prstGeom>
-          <a:solidFill>
-            <a:schemeClr val="tx1"/>
-          </a:solidFill>
-          <a:ln>
-            <a:solidFill>
-              <a:schemeClr val="bg1"/>
-            </a:solidFill>
-          </a:ln>
-        </p:spPr>
-        <p:style>
-          <a:lnRef idx="2">
-            <a:schemeClr val="accent1">
-              <a:shade val="50000"/>
-            </a:schemeClr>
-          </a:lnRef>
-          <a:fillRef idx="1">
-            <a:schemeClr val="accent1"/>
-          </a:fillRef>
-          <a:effectRef idx="0">
-            <a:schemeClr val="accent1"/>
-          </a:effectRef>
-          <a:fontRef idx="minor">
-            <a:schemeClr val="lt1"/>
-          </a:fontRef>
-        </p:style>
-        <p:txBody>
-          <a:bodyPr rtlCol="0" anchor="ctr"/>
-          <a:lstStyle/>
-          <a:p>
-            <a:pPr algn="ctr"/>
-            <a:endParaRPr lang="ko-KR" altLang="en-US"/>
-          </a:p>
-        </p:txBody>
-      </p:sp>
-      <p:sp>
-        <p:nvSpPr>
-          <p:cNvPr id="9" name="아래쪽 화살표 8"/>
-          <p:cNvSpPr/>
-          <p:nvPr/>
-        </p:nvSpPr>
-        <p:spPr>
-          <a:xfrm>
-            <a:off x="754912" y="4774019"/>
-            <a:ext cx="268631" cy="476082"/>
-          </a:xfrm>
-          <a:prstGeom prst="downArrow">
-            <a:avLst/>
-          </a:prstGeom>
-        </p:spPr>
-        <p:style>
-          <a:lnRef idx="2">
-            <a:schemeClr val="accent1">
-              <a:shade val="50000"/>
-            </a:schemeClr>
-          </a:lnRef>
-          <a:fillRef idx="1">
-            <a:schemeClr val="accent1"/>
-          </a:fillRef>
-          <a:effectRef idx="0">
-            <a:schemeClr val="accent1"/>
-          </a:effectRef>
-          <a:fontRef idx="minor">
-            <a:schemeClr val="lt1"/>
-          </a:fontRef>
-        </p:style>
-        <p:txBody>
-          <a:bodyPr rtlCol="0" anchor="ctr"/>
-          <a:lstStyle/>
-          <a:p>
-            <a:pPr algn="ctr"/>
-            <a:endParaRPr lang="ko-KR" altLang="en-US"/>
-          </a:p>
-        </p:txBody>
-      </p:sp>
-      <p:sp>
-        <p:nvSpPr>
-          <p:cNvPr id="19" name="직사각형 18"/>
-          <p:cNvSpPr/>
-          <p:nvPr/>
-        </p:nvSpPr>
-        <p:spPr>
-          <a:xfrm>
-            <a:off x="324096" y="4263661"/>
-            <a:ext cx="1861212" cy="431165"/>
-          </a:xfrm>
-          <a:prstGeom prst="rect">
-            <a:avLst/>
-          </a:prstGeom>
-          <a:solidFill>
-            <a:schemeClr val="bg1"/>
-          </a:solidFill>
-          <a:ln>
-            <a:solidFill>
-              <a:schemeClr val="tx1"/>
-            </a:solidFill>
-          </a:ln>
-        </p:spPr>
-        <p:style>
-          <a:lnRef idx="2">
-            <a:schemeClr val="accent1">
-              <a:shade val="50000"/>
-            </a:schemeClr>
-          </a:lnRef>
-          <a:fillRef idx="1">
-            <a:schemeClr val="accent1"/>
-          </a:fillRef>
-          <a:effectRef idx="0">
-            <a:schemeClr val="accent1"/>
-          </a:effectRef>
-          <a:fontRef idx="minor">
-            <a:schemeClr val="lt1"/>
-          </a:fontRef>
-        </p:style>
-        <p:txBody>
-          <a:bodyPr rtlCol="0" anchor="ctr"/>
-          <a:lstStyle/>
-          <a:p>
-            <a:pPr algn="ctr"/>
-            <a:r>
-              <a:rPr lang="ko-KR" altLang="en-US" b="1">
-                <a:solidFill>
-                  <a:schemeClr val="tx1"/>
-                </a:solidFill>
-              </a:rPr>
-              <a:t>재생 바</a:t>
-            </a:r>
-          </a:p>
-        </p:txBody>
-      </p:sp>
-      <p:sp>
-        <p:nvSpPr>
-          <p:cNvPr id="20" name="직사각형 19"/>
-          <p:cNvSpPr/>
-          <p:nvPr/>
-        </p:nvSpPr>
-        <p:spPr>
-          <a:xfrm>
-            <a:off x="9202676" y="273285"/>
-            <a:ext cx="2881424" cy="669851"/>
-          </a:xfrm>
-          <a:prstGeom prst="rect">
-            <a:avLst/>
-          </a:prstGeom>
-          <a:solidFill>
-            <a:schemeClr val="bg1"/>
-          </a:solidFill>
-          <a:ln>
-            <a:solidFill>
-              <a:schemeClr val="tx1"/>
-            </a:solidFill>
-          </a:ln>
-        </p:spPr>
-        <p:style>
-          <a:lnRef idx="2">
-            <a:schemeClr val="accent1">
-              <a:shade val="50000"/>
-            </a:schemeClr>
-          </a:lnRef>
-          <a:fillRef idx="1">
-            <a:schemeClr val="accent1"/>
-          </a:fillRef>
-          <a:effectRef idx="0">
-            <a:schemeClr val="accent1"/>
-          </a:effectRef>
-          <a:fontRef idx="minor">
-            <a:schemeClr val="lt1"/>
-          </a:fontRef>
-        </p:style>
-        <p:txBody>
-          <a:bodyPr rtlCol="0" anchor="ctr"/>
-          <a:lstStyle/>
-          <a:p>
-            <a:pPr algn="ctr"/>
-            <a:r>
-              <a:rPr lang="ko-KR" altLang="en-US" b="1">
-                <a:solidFill>
-                  <a:schemeClr val="tx1"/>
-                </a:solidFill>
-              </a:rPr>
-              <a:t>플레이 리스트</a:t>
-            </a:r>
-          </a:p>
-        </p:txBody>
-      </p:sp>
-      <p:sp>
-        <p:nvSpPr>
-          <p:cNvPr id="21" name="모서리가 둥근 직사각형 20"/>
-          <p:cNvSpPr/>
-          <p:nvPr/>
-        </p:nvSpPr>
-        <p:spPr>
-          <a:xfrm>
-            <a:off x="78685" y="1084232"/>
-            <a:ext cx="4632177" cy="765316"/>
-          </a:xfrm>
-          <a:prstGeom prst="roundRect">
-            <a:avLst/>
-          </a:prstGeom>
-          <a:solidFill>
-            <a:schemeClr val="bg1">
-              <a:lumMod val="85000"/>
-            </a:schemeClr>
-          </a:solidFill>
-          <a:ln>
-            <a:solidFill>
-              <a:schemeClr val="tx1"/>
-            </a:solidFill>
-          </a:ln>
-        </p:spPr>
-        <p:style>
-          <a:lnRef idx="2">
-            <a:schemeClr val="accent1">
-              <a:shade val="50000"/>
-            </a:schemeClr>
-          </a:lnRef>
-          <a:fillRef idx="1">
-            <a:schemeClr val="accent1"/>
-          </a:fillRef>
-          <a:effectRef idx="0">
-            <a:schemeClr val="accent1"/>
-          </a:effectRef>
-          <a:fontRef idx="minor">
-            <a:schemeClr val="lt1"/>
-          </a:fontRef>
-        </p:style>
-        <p:txBody>
-          <a:bodyPr rtlCol="0" anchor="ctr"/>
-          <a:lstStyle/>
-          <a:p>
-            <a:pPr algn="ctr"/>
-            <a:r>
-              <a:rPr lang="ko-KR" altLang="en-US" sz="3200" b="1"/>
-              <a:t>재생 목록 없는 대본</a:t>
-            </a:r>
-            <a:endParaRPr lang="ko-KR" altLang="en-US" sz="3200" b="1" dirty="0"/>
-          </a:p>
-        </p:txBody>
-      </p:sp>
-      <p:sp>
-        <p:nvSpPr>
-          <p:cNvPr id="23" name="모서리가 둥근 직사각형 22"/>
-          <p:cNvSpPr/>
-          <p:nvPr/>
-        </p:nvSpPr>
-        <p:spPr>
-          <a:xfrm>
-            <a:off x="78685" y="1857588"/>
-            <a:ext cx="4632177" cy="765316"/>
-          </a:xfrm>
-          <a:prstGeom prst="roundRect">
-            <a:avLst/>
-          </a:prstGeom>
-          <a:solidFill>
-            <a:schemeClr val="bg1"/>
-          </a:solidFill>
-          <a:ln>
-            <a:solidFill>
-              <a:schemeClr val="tx1"/>
-            </a:solidFill>
-          </a:ln>
-        </p:spPr>
-        <p:style>
-          <a:lnRef idx="2">
-            <a:schemeClr val="accent1">
-              <a:shade val="50000"/>
-            </a:schemeClr>
-          </a:lnRef>
-          <a:fillRef idx="1">
-            <a:schemeClr val="accent1"/>
-          </a:fillRef>
-          <a:effectRef idx="0">
-            <a:schemeClr val="accent1"/>
-          </a:effectRef>
-          <a:fontRef idx="minor">
-            <a:schemeClr val="lt1"/>
-          </a:fontRef>
-        </p:style>
-        <p:txBody>
-          <a:bodyPr rtlCol="0" anchor="ctr"/>
-          <a:lstStyle/>
-          <a:p>
-            <a:pPr algn="ctr"/>
-            <a:r>
-              <a:rPr lang="ko-KR" altLang="en-US" sz="3200" b="1">
-                <a:solidFill>
-                  <a:schemeClr val="tx1"/>
-                </a:solidFill>
-              </a:rPr>
-              <a:t>재생 목록 있는 대본</a:t>
-            </a:r>
-            <a:endParaRPr lang="ko-KR" altLang="en-US" sz="3200" b="1" dirty="0">
-              <a:solidFill>
-                <a:schemeClr val="tx1"/>
-              </a:solidFill>
-            </a:endParaRPr>
-          </a:p>
-        </p:txBody>
-      </p:sp>
-      <p:sp>
-        <p:nvSpPr>
-          <p:cNvPr id="24" name="모서리가 둥근 직사각형 23"/>
-          <p:cNvSpPr/>
-          <p:nvPr/>
-        </p:nvSpPr>
-        <p:spPr>
-          <a:xfrm>
-            <a:off x="78685" y="2631785"/>
-            <a:ext cx="4632177" cy="765316"/>
-          </a:xfrm>
-          <a:prstGeom prst="roundRect">
-            <a:avLst/>
-          </a:prstGeom>
-          <a:solidFill>
-            <a:schemeClr val="bg1">
-              <a:lumMod val="85000"/>
-            </a:schemeClr>
-          </a:solidFill>
-          <a:ln>
-            <a:solidFill>
-              <a:schemeClr val="tx1"/>
-            </a:solidFill>
-          </a:ln>
-        </p:spPr>
-        <p:style>
-          <a:lnRef idx="2">
-            <a:schemeClr val="accent1">
-              <a:shade val="50000"/>
-            </a:schemeClr>
-          </a:lnRef>
-          <a:fillRef idx="1">
-            <a:schemeClr val="accent1"/>
-          </a:fillRef>
-          <a:effectRef idx="0">
-            <a:schemeClr val="accent1"/>
-          </a:effectRef>
-          <a:fontRef idx="minor">
-            <a:schemeClr val="lt1"/>
-          </a:fontRef>
-        </p:style>
-        <p:txBody>
-          <a:bodyPr rtlCol="0" anchor="ctr"/>
-          <a:lstStyle/>
-          <a:p>
-            <a:pPr algn="ctr"/>
-            <a:r>
-              <a:rPr lang="ko-KR" altLang="en-US" sz="3200" b="1"/>
-              <a:t>재생 목록 없는 대본</a:t>
-            </a:r>
-            <a:endParaRPr lang="ko-KR" altLang="en-US" sz="3200" b="1" dirty="0"/>
-          </a:p>
-        </p:txBody>
-      </p:sp>
-      <p:sp>
-        <p:nvSpPr>
-          <p:cNvPr id="25" name="모서리가 둥근 직사각형 24"/>
-          <p:cNvSpPr/>
-          <p:nvPr/>
-        </p:nvSpPr>
-        <p:spPr>
-          <a:xfrm>
-            <a:off x="78684" y="3416615"/>
-            <a:ext cx="4632177" cy="765316"/>
-          </a:xfrm>
-          <a:prstGeom prst="roundRect">
-            <a:avLst/>
-          </a:prstGeom>
-          <a:solidFill>
-            <a:schemeClr val="bg1"/>
-          </a:solidFill>
-          <a:ln>
-            <a:solidFill>
-              <a:schemeClr val="tx1"/>
-            </a:solidFill>
-          </a:ln>
-        </p:spPr>
-        <p:style>
-          <a:lnRef idx="2">
-            <a:schemeClr val="accent1">
-              <a:shade val="50000"/>
-            </a:schemeClr>
-          </a:lnRef>
-          <a:fillRef idx="1">
-            <a:schemeClr val="accent1"/>
-          </a:fillRef>
-          <a:effectRef idx="0">
-            <a:schemeClr val="accent1"/>
-          </a:effectRef>
-          <a:fontRef idx="minor">
-            <a:schemeClr val="lt1"/>
-          </a:fontRef>
-        </p:style>
-        <p:txBody>
-          <a:bodyPr rtlCol="0" anchor="ctr"/>
-          <a:lstStyle/>
-          <a:p>
-            <a:pPr algn="ctr"/>
-            <a:r>
-              <a:rPr lang="ko-KR" altLang="en-US" sz="3200" b="1">
-                <a:solidFill>
-                  <a:schemeClr val="tx1"/>
-                </a:solidFill>
-              </a:rPr>
-              <a:t>재생 목록 있는 대본</a:t>
-            </a:r>
-            <a:endParaRPr lang="ko-KR" altLang="en-US" sz="3200" b="1" dirty="0">
-              <a:solidFill>
-                <a:schemeClr val="tx1"/>
-              </a:solidFill>
-            </a:endParaRPr>
-          </a:p>
-        </p:txBody>
-      </p:sp>
     </p:spTree>
     <p:extLst>
       <p:ext uri="{BB962C8B-B14F-4D97-AF65-F5344CB8AC3E}">
-        <p14:creationId xmlns:p14="http://schemas.microsoft.com/office/powerpoint/2010/main" val="3519313322"/>
+        <p14:creationId xmlns:p14="http://schemas.microsoft.com/office/powerpoint/2010/main" val="323661170"/>
       </p:ext>
     </p:extLst>
   </p:cSld>
@@ -7422,6 +6840,101 @@
       </p:sp>
       <p:sp>
         <p:nvSpPr>
+          <p:cNvPr id="9" name="아래쪽 화살표 8"/>
+          <p:cNvSpPr/>
+          <p:nvPr/>
+        </p:nvSpPr>
+        <p:spPr>
+          <a:xfrm>
+            <a:off x="754912" y="4774019"/>
+            <a:ext cx="268631" cy="476082"/>
+          </a:xfrm>
+          <a:prstGeom prst="downArrow">
+            <a:avLst/>
+          </a:prstGeom>
+        </p:spPr>
+        <p:style>
+          <a:lnRef idx="2">
+            <a:schemeClr val="accent1">
+              <a:shade val="50000"/>
+            </a:schemeClr>
+          </a:lnRef>
+          <a:fillRef idx="1">
+            <a:schemeClr val="accent1"/>
+          </a:fillRef>
+          <a:effectRef idx="0">
+            <a:schemeClr val="accent1"/>
+          </a:effectRef>
+          <a:fontRef idx="minor">
+            <a:schemeClr val="lt1"/>
+          </a:fontRef>
+        </p:style>
+        <p:txBody>
+          <a:bodyPr rtlCol="0" anchor="ctr"/>
+          <a:lstStyle/>
+          <a:p>
+            <a:pPr algn="ctr"/>
+            <a:endParaRPr lang="ko-KR" altLang="en-US"/>
+          </a:p>
+        </p:txBody>
+      </p:sp>
+      <p:sp>
+        <p:nvSpPr>
+          <p:cNvPr id="19" name="직사각형 18"/>
+          <p:cNvSpPr/>
+          <p:nvPr/>
+        </p:nvSpPr>
+        <p:spPr>
+          <a:xfrm>
+            <a:off x="324096" y="4263661"/>
+            <a:ext cx="1861212" cy="431165"/>
+          </a:xfrm>
+          <a:prstGeom prst="rect">
+            <a:avLst/>
+          </a:prstGeom>
+          <a:solidFill>
+            <a:schemeClr val="bg1"/>
+          </a:solidFill>
+          <a:ln>
+            <a:solidFill>
+              <a:schemeClr val="tx1"/>
+            </a:solidFill>
+          </a:ln>
+        </p:spPr>
+        <p:style>
+          <a:lnRef idx="2">
+            <a:schemeClr val="accent1">
+              <a:shade val="50000"/>
+            </a:schemeClr>
+          </a:lnRef>
+          <a:fillRef idx="1">
+            <a:schemeClr val="accent1"/>
+          </a:fillRef>
+          <a:effectRef idx="0">
+            <a:schemeClr val="accent1"/>
+          </a:effectRef>
+          <a:fontRef idx="minor">
+            <a:schemeClr val="lt1"/>
+          </a:fontRef>
+        </p:style>
+        <p:txBody>
+          <a:bodyPr rtlCol="0" anchor="ctr"/>
+          <a:lstStyle/>
+          <a:p>
+            <a:pPr algn="ctr"/>
+            <a:r>
+              <a:rPr lang="ko-KR" altLang="en-US" b="1">
+                <a:solidFill>
+                  <a:schemeClr val="tx1"/>
+                </a:solidFill>
+              </a:rPr>
+              <a:t>재생 바</a:t>
+            </a:r>
+          </a:p>
+        </p:txBody>
+      </p:sp>
+      <p:sp>
+        <p:nvSpPr>
           <p:cNvPr id="20" name="직사각형 19"/>
           <p:cNvSpPr/>
           <p:nvPr/>
@@ -7703,40 +7216,10 @@
           </a:p>
         </p:txBody>
       </p:sp>
-      <p:pic>
-        <p:nvPicPr>
-          <p:cNvPr id="26" name="그림 25"/>
-          <p:cNvPicPr>
-            <a:picLocks noChangeAspect="1"/>
-          </p:cNvPicPr>
-          <p:nvPr/>
-        </p:nvPicPr>
-        <p:blipFill>
-          <a:blip r:embed="rId12" cstate="print">
-            <a:extLst>
-              <a:ext uri="{28A0092B-C50C-407E-A947-70E740481C1C}">
-                <a14:useLocalDpi xmlns:a14="http://schemas.microsoft.com/office/drawing/2010/main" val="0"/>
-              </a:ext>
-            </a:extLst>
-          </a:blip>
-          <a:stretch>
-            <a:fillRect/>
-          </a:stretch>
-        </p:blipFill>
-        <p:spPr>
-          <a:xfrm>
-            <a:off x="4238872" y="1269026"/>
-            <a:ext cx="794352" cy="794352"/>
-          </a:xfrm>
-          <a:prstGeom prst="rect">
-            <a:avLst/>
-          </a:prstGeom>
-        </p:spPr>
-      </p:pic>
     </p:spTree>
     <p:extLst>
       <p:ext uri="{BB962C8B-B14F-4D97-AF65-F5344CB8AC3E}">
-        <p14:creationId xmlns:p14="http://schemas.microsoft.com/office/powerpoint/2010/main" val="369609774"/>
+        <p14:creationId xmlns:p14="http://schemas.microsoft.com/office/powerpoint/2010/main" val="3519313322"/>
       </p:ext>
     </p:extLst>
   </p:cSld>
@@ -8571,95 +8054,10 @@
           </a:prstGeom>
         </p:spPr>
       </p:pic>
-      <p:pic>
-        <p:nvPicPr>
-          <p:cNvPr id="27" name="그림 26"/>
-          <p:cNvPicPr>
-            <a:picLocks noChangeAspect="1"/>
-          </p:cNvPicPr>
-          <p:nvPr/>
-        </p:nvPicPr>
-        <p:blipFill>
-          <a:blip r:embed="rId13" cstate="print">
-            <a:extLst>
-              <a:ext uri="{28A0092B-C50C-407E-A947-70E740481C1C}">
-                <a14:useLocalDpi xmlns:a14="http://schemas.microsoft.com/office/drawing/2010/main" val="0"/>
-              </a:ext>
-            </a:extLst>
-          </a:blip>
-          <a:stretch>
-            <a:fillRect/>
-          </a:stretch>
-        </p:blipFill>
-        <p:spPr>
-          <a:xfrm>
-            <a:off x="5690217" y="2824261"/>
-            <a:ext cx="1029281" cy="1029281"/>
-          </a:xfrm>
-          <a:prstGeom prst="rect">
-            <a:avLst/>
-          </a:prstGeom>
-        </p:spPr>
-      </p:pic>
-      <p:sp>
-        <p:nvSpPr>
-          <p:cNvPr id="28" name="모서리가 둥근 직사각형 27"/>
-          <p:cNvSpPr/>
-          <p:nvPr/>
-        </p:nvSpPr>
-        <p:spPr>
-          <a:xfrm>
-            <a:off x="3948476" y="1602084"/>
-            <a:ext cx="4512762" cy="1045029"/>
-          </a:xfrm>
-          <a:prstGeom prst="roundRect">
-            <a:avLst/>
-          </a:prstGeom>
-          <a:solidFill>
-            <a:schemeClr val="accent1">
-              <a:lumMod val="20000"/>
-              <a:lumOff val="80000"/>
-            </a:schemeClr>
-          </a:solidFill>
-          <a:ln>
-            <a:solidFill>
-              <a:schemeClr val="bg1"/>
-            </a:solidFill>
-          </a:ln>
-        </p:spPr>
-        <p:style>
-          <a:lnRef idx="2">
-            <a:schemeClr val="accent1">
-              <a:shade val="50000"/>
-            </a:schemeClr>
-          </a:lnRef>
-          <a:fillRef idx="1">
-            <a:schemeClr val="accent1"/>
-          </a:fillRef>
-          <a:effectRef idx="0">
-            <a:schemeClr val="accent1"/>
-          </a:effectRef>
-          <a:fontRef idx="minor">
-            <a:schemeClr val="lt1"/>
-          </a:fontRef>
-        </p:style>
-        <p:txBody>
-          <a:bodyPr rtlCol="0" anchor="ctr"/>
-          <a:lstStyle/>
-          <a:p>
-            <a:pPr algn="ctr"/>
-            <a:r>
-              <a:rPr lang="ko-KR" altLang="en-US" sz="2800" b="1"/>
-              <a:t>잠시만 기다려 주십시오</a:t>
-            </a:r>
-            <a:endParaRPr lang="ko-KR" altLang="en-US" sz="2800" b="1" dirty="0"/>
-          </a:p>
-        </p:txBody>
-      </p:sp>
     </p:spTree>
     <p:extLst>
       <p:ext uri="{BB962C8B-B14F-4D97-AF65-F5344CB8AC3E}">
-        <p14:creationId xmlns:p14="http://schemas.microsoft.com/office/powerpoint/2010/main" val="437521344"/>
+        <p14:creationId xmlns:p14="http://schemas.microsoft.com/office/powerpoint/2010/main" val="369609774"/>
       </p:ext>
     </p:extLst>
   </p:cSld>
@@ -8752,7 +8150,7 @@
         </p:spPr>
         <p:txBody>
           <a:bodyPr>
-            <a:normAutofit fontScale="55000" lnSpcReduction="20000"/>
+            <a:normAutofit/>
           </a:bodyPr>
           <a:lstStyle/>
           <a:p>
@@ -8760,123 +8158,123 @@
               <a:buNone/>
             </a:pPr>
             <a:r>
-              <a:rPr lang="en-US" altLang="ko-KR" b="1" dirty="0"/>
+              <a:rPr lang="en-US" altLang="ko-KR" sz="1800" b="1" dirty="0"/>
               <a:t>1. </a:t>
             </a:r>
             <a:r>
-              <a:rPr lang="ko-KR" altLang="en-US" b="1" dirty="0"/>
+              <a:rPr lang="ko-KR" altLang="en-US" sz="1800" b="1" dirty="0"/>
               <a:t>회원가입</a:t>
             </a:r>
-            <a:endParaRPr lang="ko-KR" altLang="en-US" dirty="0"/>
+            <a:endParaRPr lang="ko-KR" altLang="en-US" sz="1800" dirty="0"/>
           </a:p>
           <a:p>
             <a:pPr marL="0" indent="0" fontAlgn="base">
               <a:buNone/>
             </a:pPr>
             <a:r>
-              <a:rPr lang="ko-KR" altLang="en-US" dirty="0"/>
+              <a:rPr lang="ko-KR" altLang="en-US" sz="1800" dirty="0"/>
               <a:t>	</a:t>
             </a:r>
             <a:r>
-              <a:rPr lang="en-US" altLang="ko-KR" dirty="0"/>
+              <a:rPr lang="en-US" altLang="ko-KR" sz="1800" dirty="0"/>
               <a:t>- </a:t>
             </a:r>
             <a:r>
-              <a:rPr lang="ko-KR" altLang="en-US" dirty="0"/>
+              <a:rPr lang="ko-KR" altLang="en-US" sz="1800" dirty="0"/>
               <a:t>회원가입이 </a:t>
             </a:r>
             <a:r>
-              <a:rPr lang="en-US" altLang="ko-KR" dirty="0"/>
+              <a:rPr lang="en-US" altLang="ko-KR" sz="1800" dirty="0"/>
               <a:t>3</a:t>
             </a:r>
             <a:r>
-              <a:rPr lang="ko-KR" altLang="en-US" dirty="0"/>
+              <a:rPr lang="ko-KR" altLang="en-US" sz="1800" dirty="0"/>
               <a:t>초 내로 진행이 되는가 </a:t>
             </a:r>
             <a:r>
-              <a:rPr lang="en-US" altLang="ko-KR" dirty="0"/>
+              <a:rPr lang="en-US" altLang="ko-KR" sz="1800" dirty="0"/>
               <a:t>?</a:t>
             </a:r>
-            <a:endParaRPr lang="ko-KR" altLang="en-US" dirty="0"/>
+            <a:endParaRPr lang="ko-KR" altLang="en-US" sz="1800" dirty="0"/>
           </a:p>
           <a:p>
             <a:pPr marL="0" indent="0" fontAlgn="base">
               <a:buNone/>
             </a:pPr>
             <a:r>
-              <a:rPr lang="ko-KR" altLang="en-US" dirty="0"/>
+              <a:rPr lang="ko-KR" altLang="en-US" sz="1800" dirty="0"/>
               <a:t>	</a:t>
             </a:r>
             <a:r>
-              <a:rPr lang="en-US" altLang="ko-KR" dirty="0"/>
+              <a:rPr lang="en-US" altLang="ko-KR" sz="1800" dirty="0"/>
               <a:t>- S/N</a:t>
             </a:r>
             <a:r>
-              <a:rPr lang="ko-KR" altLang="en-US" dirty="0"/>
+              <a:rPr lang="ko-KR" altLang="en-US" sz="1800" dirty="0"/>
               <a:t>이 없을 시 </a:t>
             </a:r>
             <a:r>
-              <a:rPr lang="ko-KR" altLang="en-US" dirty="0" err="1"/>
+              <a:rPr lang="ko-KR" altLang="en-US" sz="1800" dirty="0" err="1"/>
               <a:t>알림창이</a:t>
             </a:r>
             <a:r>
-              <a:rPr lang="ko-KR" altLang="en-US" dirty="0"/>
+              <a:rPr lang="ko-KR" altLang="en-US" sz="1800" dirty="0"/>
               <a:t> 나오며 가입이 거부되는가</a:t>
             </a:r>
             <a:r>
-              <a:rPr lang="en-US" altLang="ko-KR" dirty="0"/>
+              <a:rPr lang="en-US" altLang="ko-KR" sz="1800" dirty="0"/>
               <a:t>?</a:t>
             </a:r>
-            <a:endParaRPr lang="ko-KR" altLang="en-US" dirty="0"/>
+            <a:endParaRPr lang="ko-KR" altLang="en-US" sz="1800" dirty="0"/>
           </a:p>
           <a:p>
             <a:pPr marL="0" indent="0" fontAlgn="base">
               <a:buNone/>
             </a:pPr>
             <a:r>
-              <a:rPr lang="ko-KR" altLang="en-US" dirty="0"/>
+              <a:rPr lang="ko-KR" altLang="en-US" sz="1800" dirty="0"/>
               <a:t>	</a:t>
             </a:r>
             <a:r>
-              <a:rPr lang="en-US" altLang="ko-KR" dirty="0"/>
+              <a:rPr lang="en-US" altLang="ko-KR" sz="1800" dirty="0"/>
               <a:t>- </a:t>
             </a:r>
             <a:r>
-              <a:rPr lang="ko-KR" altLang="en-US" dirty="0"/>
+              <a:rPr lang="ko-KR" altLang="en-US" sz="1800" dirty="0"/>
               <a:t>중복된 </a:t>
             </a:r>
             <a:r>
-              <a:rPr lang="en-US" altLang="ko-KR" dirty="0"/>
+              <a:rPr lang="en-US" altLang="ko-KR" sz="1800" dirty="0"/>
               <a:t>ID</a:t>
             </a:r>
             <a:r>
-              <a:rPr lang="ko-KR" altLang="en-US" dirty="0"/>
+              <a:rPr lang="ko-KR" altLang="en-US" sz="1800" dirty="0"/>
               <a:t>인 경우 입력한 </a:t>
             </a:r>
             <a:r>
-              <a:rPr lang="en-US" altLang="ko-KR" dirty="0"/>
+              <a:rPr lang="en-US" altLang="ko-KR" sz="1800" dirty="0"/>
               <a:t>ID</a:t>
             </a:r>
             <a:r>
-              <a:rPr lang="ko-KR" altLang="en-US" dirty="0"/>
+              <a:rPr lang="ko-KR" altLang="en-US" sz="1800" dirty="0"/>
               <a:t>가 존재하고 다시 입력하라는 알림 창이 나오는가</a:t>
             </a:r>
             <a:r>
-              <a:rPr lang="en-US" altLang="ko-KR" dirty="0"/>
+              <a:rPr lang="en-US" altLang="ko-KR" sz="1800" dirty="0"/>
               <a:t>?</a:t>
             </a:r>
-            <a:endParaRPr lang="ko-KR" altLang="en-US" dirty="0"/>
+            <a:endParaRPr lang="ko-KR" altLang="en-US" sz="1800" dirty="0"/>
           </a:p>
           <a:p>
             <a:pPr marL="0" indent="0" fontAlgn="base">
               <a:buNone/>
             </a:pPr>
             <a:r>
-              <a:rPr lang="en-US" altLang="ko-KR" b="1" dirty="0"/>
+              <a:rPr lang="en-US" altLang="ko-KR" sz="1800" b="1" dirty="0"/>
               <a:t>2. </a:t>
             </a:r>
             <a:r>
-              <a:rPr lang="ko-KR" altLang="en-US" b="1" dirty="0"/>
+              <a:rPr lang="ko-KR" altLang="en-US" sz="1800" b="1" dirty="0"/>
               <a:t>로그인</a:t>
             </a:r>
           </a:p>
@@ -8885,79 +8283,87 @@
               <a:buNone/>
             </a:pPr>
             <a:r>
-              <a:rPr lang="ko-KR" altLang="en-US" dirty="0"/>
+              <a:rPr lang="ko-KR" altLang="en-US" sz="1800" dirty="0"/>
               <a:t>	</a:t>
             </a:r>
             <a:r>
-              <a:rPr lang="en-US" altLang="ko-KR" dirty="0"/>
+              <a:rPr lang="en-US" altLang="ko-KR" sz="1800" dirty="0"/>
               <a:t>- </a:t>
             </a:r>
             <a:r>
-              <a:rPr lang="ko-KR" altLang="en-US" dirty="0"/>
+              <a:rPr lang="ko-KR" altLang="en-US" sz="1800" dirty="0"/>
               <a:t>로그인이 </a:t>
             </a:r>
             <a:r>
-              <a:rPr lang="en-US" altLang="ko-KR" dirty="0"/>
+              <a:rPr lang="en-US" altLang="ko-KR" sz="1800" dirty="0"/>
               <a:t>3</a:t>
             </a:r>
             <a:r>
-              <a:rPr lang="ko-KR" altLang="en-US" dirty="0"/>
+              <a:rPr lang="ko-KR" altLang="en-US" sz="1800" dirty="0"/>
               <a:t>초 내로 진행이 되는가 </a:t>
             </a:r>
             <a:r>
-              <a:rPr lang="en-US" altLang="ko-KR" dirty="0"/>
+              <a:rPr lang="en-US" altLang="ko-KR" sz="1800" dirty="0"/>
               <a:t>? </a:t>
             </a:r>
-            <a:endParaRPr lang="ko-KR" altLang="en-US" dirty="0"/>
+            <a:endParaRPr lang="ko-KR" altLang="en-US" sz="1800" dirty="0"/>
           </a:p>
           <a:p>
             <a:pPr marL="0" indent="0" fontAlgn="base">
               <a:buNone/>
             </a:pPr>
             <a:r>
-              <a:rPr lang="ko-KR" altLang="en-US" dirty="0"/>
+              <a:rPr lang="ko-KR" altLang="en-US" sz="1800" dirty="0"/>
               <a:t>	</a:t>
             </a:r>
             <a:r>
-              <a:rPr lang="en-US" altLang="ko-KR" dirty="0"/>
+              <a:rPr lang="en-US" altLang="ko-KR" sz="1800" dirty="0"/>
               <a:t>- </a:t>
             </a:r>
             <a:r>
-              <a:rPr lang="ko-KR" altLang="en-US" dirty="0"/>
+              <a:rPr lang="ko-KR" altLang="en-US" sz="1800" dirty="0"/>
               <a:t>유효하지 않은 </a:t>
             </a:r>
             <a:r>
-              <a:rPr lang="en-US" altLang="ko-KR" dirty="0"/>
+              <a:rPr lang="en-US" altLang="ko-KR" sz="1800" dirty="0"/>
               <a:t>ID</a:t>
             </a:r>
             <a:r>
-              <a:rPr lang="ko-KR" altLang="en-US" dirty="0"/>
+              <a:rPr lang="ko-KR" altLang="en-US" sz="1800" dirty="0"/>
               <a:t>를 입력한 경우 </a:t>
             </a:r>
             <a:r>
-              <a:rPr lang="en-US" altLang="ko-KR" dirty="0"/>
+              <a:rPr lang="en-US" altLang="ko-KR" sz="1800" dirty="0"/>
               <a:t>ID</a:t>
             </a:r>
             <a:r>
-              <a:rPr lang="ko-KR" altLang="en-US" dirty="0"/>
-              <a:t>가 유효하지 않다는 알림 창이 뜨며 로그인이 	거부되는가 </a:t>
-            </a:r>
-            <a:r>
-              <a:rPr lang="en-US" altLang="ko-KR" dirty="0"/>
+              <a:rPr lang="ko-KR" altLang="en-US" sz="1800" dirty="0"/>
+              <a:t>가 유효하지 않다는 알림 창이 뜨며 </a:t>
+            </a:r>
+            <a:r>
+              <a:rPr lang="ko-KR" altLang="en-US" sz="1800" dirty="0" err="1"/>
+              <a:t>로그인이</a:t>
+            </a:r>
+            <a:r>
+              <a:rPr lang="ko-KR" altLang="en-US" sz="1800" dirty="0"/>
+              <a:t> 거부되는가 </a:t>
+            </a:r>
+            <a:r>
+              <a:rPr lang="en-US" altLang="ko-KR" sz="1800" dirty="0"/>
               <a:t>?</a:t>
             </a:r>
-            <a:endParaRPr lang="ko-KR" altLang="en-US" dirty="0"/>
+            <a:endParaRPr lang="ko-KR" altLang="en-US" sz="1800" dirty="0"/>
           </a:p>
           <a:p>
             <a:pPr marL="0" indent="0" fontAlgn="base">
               <a:buNone/>
             </a:pPr>
             <a:r>
-              <a:rPr lang="en-US" altLang="ko-KR" b="1" dirty="0"/>
+              <a:rPr lang="en-US" altLang="ko-KR" sz="1800" b="1" dirty="0"/>
               <a:t>3. </a:t>
             </a:r>
             <a:r>
-              <a:rPr lang="ko-KR" altLang="en-US" b="1" dirty="0"/>
+              <a:rPr lang="ko-KR" altLang="en-US" sz="1800" b="1" dirty="0"/>
               <a:t>스피커 등록</a:t>
             </a:r>
           </a:p>
@@ -8966,75 +8372,75 @@
               <a:buNone/>
             </a:pPr>
             <a:r>
-              <a:rPr lang="ko-KR" altLang="en-US" dirty="0"/>
+              <a:rPr lang="ko-KR" altLang="en-US" sz="1800" dirty="0"/>
               <a:t>	</a:t>
             </a:r>
             <a:r>
-              <a:rPr lang="en-US" altLang="ko-KR" dirty="0"/>
+              <a:rPr lang="en-US" altLang="ko-KR" sz="1800" dirty="0"/>
               <a:t>- </a:t>
             </a:r>
             <a:r>
-              <a:rPr lang="ko-KR" altLang="en-US" dirty="0"/>
+              <a:rPr lang="ko-KR" altLang="en-US" sz="1800" dirty="0"/>
               <a:t>스피커의 등록이 </a:t>
             </a:r>
             <a:r>
-              <a:rPr lang="en-US" altLang="ko-KR" dirty="0"/>
+              <a:rPr lang="en-US" altLang="ko-KR" sz="1800" dirty="0"/>
               <a:t>3</a:t>
             </a:r>
             <a:r>
-              <a:rPr lang="ko-KR" altLang="en-US" dirty="0"/>
+              <a:rPr lang="ko-KR" altLang="en-US" sz="1800" dirty="0"/>
               <a:t>초 내로 진행이 되는가</a:t>
             </a:r>
             <a:r>
-              <a:rPr lang="en-US" altLang="ko-KR" dirty="0"/>
+              <a:rPr lang="en-US" altLang="ko-KR" sz="1800" dirty="0"/>
               <a:t>?</a:t>
             </a:r>
-            <a:endParaRPr lang="ko-KR" altLang="en-US" dirty="0"/>
+            <a:endParaRPr lang="ko-KR" altLang="en-US" sz="1800" dirty="0"/>
           </a:p>
           <a:p>
             <a:pPr marL="0" indent="0" fontAlgn="base">
               <a:buNone/>
             </a:pPr>
             <a:r>
-              <a:rPr lang="ko-KR" altLang="en-US" dirty="0"/>
+              <a:rPr lang="ko-KR" altLang="en-US" sz="1800" dirty="0"/>
               <a:t>	</a:t>
             </a:r>
             <a:r>
-              <a:rPr lang="en-US" altLang="ko-KR" dirty="0"/>
+              <a:rPr lang="en-US" altLang="ko-KR" sz="1800" dirty="0"/>
               <a:t>- </a:t>
             </a:r>
             <a:r>
-              <a:rPr lang="ko-KR" altLang="en-US" dirty="0"/>
+              <a:rPr lang="ko-KR" altLang="en-US" sz="1800" dirty="0"/>
               <a:t>스피커의 </a:t>
             </a:r>
             <a:r>
-              <a:rPr lang="en-US" altLang="ko-KR" dirty="0"/>
+              <a:rPr lang="en-US" altLang="ko-KR" sz="1800" dirty="0"/>
               <a:t>S/N</a:t>
             </a:r>
             <a:r>
-              <a:rPr lang="ko-KR" altLang="en-US" dirty="0"/>
+              <a:rPr lang="ko-KR" altLang="en-US" sz="1800" dirty="0"/>
               <a:t>이 유효하지 않을 경우 알림 창이 나타나는가</a:t>
             </a:r>
             <a:r>
-              <a:rPr lang="en-US" altLang="ko-KR" dirty="0"/>
+              <a:rPr lang="en-US" altLang="ko-KR" sz="1800" dirty="0"/>
               <a:t>?</a:t>
             </a:r>
-            <a:endParaRPr lang="ko-KR" altLang="en-US" dirty="0"/>
+            <a:endParaRPr lang="ko-KR" altLang="en-US" sz="1800" dirty="0"/>
           </a:p>
           <a:p>
             <a:pPr marL="0" indent="0" fontAlgn="base">
               <a:buNone/>
             </a:pPr>
             <a:r>
-              <a:rPr lang="en-US" altLang="ko-KR" b="1" dirty="0"/>
+              <a:rPr lang="en-US" altLang="ko-KR" sz="1800" b="1" dirty="0"/>
               <a:t>4. </a:t>
             </a:r>
             <a:r>
-              <a:rPr lang="ko-KR" altLang="en-US" b="1" dirty="0" err="1"/>
+              <a:rPr lang="ko-KR" altLang="en-US" sz="1800" b="1" dirty="0" err="1"/>
               <a:t>메인모듈</a:t>
             </a:r>
             <a:r>
-              <a:rPr lang="ko-KR" altLang="en-US" b="1" dirty="0"/>
+              <a:rPr lang="ko-KR" altLang="en-US" sz="1800" b="1" dirty="0"/>
               <a:t> 설정</a:t>
             </a:r>
           </a:p>
@@ -9043,67 +8449,67 @@
               <a:buNone/>
             </a:pPr>
             <a:r>
-              <a:rPr lang="ko-KR" altLang="en-US" dirty="0"/>
+              <a:rPr lang="ko-KR" altLang="en-US" sz="1800" dirty="0"/>
               <a:t>	</a:t>
             </a:r>
             <a:r>
-              <a:rPr lang="en-US" altLang="ko-KR" dirty="0"/>
+              <a:rPr lang="en-US" altLang="ko-KR" sz="1800" dirty="0"/>
               <a:t>- </a:t>
             </a:r>
             <a:r>
-              <a:rPr lang="ko-KR" altLang="en-US" dirty="0" err="1"/>
+              <a:rPr lang="ko-KR" altLang="en-US" sz="1800" dirty="0" err="1"/>
               <a:t>메인모듈</a:t>
             </a:r>
             <a:r>
-              <a:rPr lang="ko-KR" altLang="en-US" dirty="0"/>
+              <a:rPr lang="ko-KR" altLang="en-US" sz="1800" dirty="0"/>
               <a:t> 설정이 </a:t>
             </a:r>
             <a:r>
-              <a:rPr lang="en-US" altLang="ko-KR" dirty="0"/>
+              <a:rPr lang="en-US" altLang="ko-KR" sz="1800" dirty="0"/>
               <a:t>3</a:t>
             </a:r>
             <a:r>
-              <a:rPr lang="ko-KR" altLang="en-US" dirty="0"/>
+              <a:rPr lang="ko-KR" altLang="en-US" sz="1800" dirty="0"/>
               <a:t>초 내로 진행이 되는가</a:t>
             </a:r>
             <a:r>
-              <a:rPr lang="en-US" altLang="ko-KR" dirty="0"/>
+              <a:rPr lang="en-US" altLang="ko-KR" sz="1800" dirty="0"/>
               <a:t>?</a:t>
             </a:r>
-            <a:endParaRPr lang="ko-KR" altLang="en-US" dirty="0"/>
+            <a:endParaRPr lang="ko-KR" altLang="en-US" sz="1800" dirty="0"/>
           </a:p>
           <a:p>
             <a:pPr marL="0" indent="0" fontAlgn="base">
               <a:buNone/>
             </a:pPr>
             <a:r>
-              <a:rPr lang="ko-KR" altLang="en-US" dirty="0"/>
+              <a:rPr lang="ko-KR" altLang="en-US" sz="1800" dirty="0"/>
               <a:t>	</a:t>
             </a:r>
             <a:r>
-              <a:rPr lang="en-US" altLang="ko-KR" dirty="0"/>
+              <a:rPr lang="en-US" altLang="ko-KR" sz="1800" dirty="0"/>
               <a:t>- S/N</a:t>
             </a:r>
             <a:r>
-              <a:rPr lang="ko-KR" altLang="en-US" dirty="0"/>
+              <a:rPr lang="ko-KR" altLang="en-US" sz="1800" dirty="0"/>
               <a:t>이 유효하지 않을 경우 알림 창을 띄우는가</a:t>
             </a:r>
             <a:r>
-              <a:rPr lang="en-US" altLang="ko-KR" dirty="0"/>
+              <a:rPr lang="en-US" altLang="ko-KR" sz="1800" dirty="0"/>
               <a:t>?</a:t>
             </a:r>
-            <a:endParaRPr lang="ko-KR" altLang="en-US" dirty="0"/>
+            <a:endParaRPr lang="ko-KR" altLang="en-US" sz="1800" dirty="0"/>
           </a:p>
           <a:p>
             <a:pPr marL="0" indent="0" fontAlgn="base">
               <a:buNone/>
             </a:pPr>
             <a:r>
-              <a:rPr lang="en-US" altLang="ko-KR" b="1" dirty="0"/>
+              <a:rPr lang="en-US" altLang="ko-KR" sz="1800" b="1" dirty="0"/>
               <a:t>5. </a:t>
             </a:r>
             <a:r>
-              <a:rPr lang="ko-KR" altLang="en-US" b="1" dirty="0"/>
+              <a:rPr lang="ko-KR" altLang="en-US" sz="1800" b="1" dirty="0"/>
               <a:t>메인 모듈 웹 클라이언트 이동</a:t>
             </a:r>
           </a:p>
@@ -9112,77 +8518,77 @@
               <a:buNone/>
             </a:pPr>
             <a:r>
-              <a:rPr lang="ko-KR" altLang="en-US" dirty="0"/>
+              <a:rPr lang="ko-KR" altLang="en-US" sz="1800" dirty="0"/>
               <a:t>	</a:t>
             </a:r>
             <a:r>
-              <a:rPr lang="en-US" altLang="ko-KR" dirty="0"/>
+              <a:rPr lang="en-US" altLang="ko-KR" sz="1800" dirty="0"/>
               <a:t>- </a:t>
             </a:r>
             <a:r>
-              <a:rPr lang="ko-KR" altLang="en-US" dirty="0"/>
+              <a:rPr lang="ko-KR" altLang="en-US" sz="1800" dirty="0"/>
               <a:t>메인 모듈 웹 클라이언트 이동이 </a:t>
             </a:r>
             <a:r>
-              <a:rPr lang="en-US" altLang="ko-KR" dirty="0"/>
+              <a:rPr lang="en-US" altLang="ko-KR" sz="1800" dirty="0"/>
               <a:t>3</a:t>
             </a:r>
             <a:r>
-              <a:rPr lang="ko-KR" altLang="en-US" dirty="0"/>
+              <a:rPr lang="ko-KR" altLang="en-US" sz="1800" dirty="0"/>
               <a:t>초 내로 진행이 되는가</a:t>
             </a:r>
             <a:r>
-              <a:rPr lang="en-US" altLang="ko-KR" dirty="0"/>
+              <a:rPr lang="en-US" altLang="ko-KR" sz="1800" dirty="0"/>
               <a:t>?</a:t>
             </a:r>
-            <a:endParaRPr lang="ko-KR" altLang="en-US" dirty="0"/>
+            <a:endParaRPr lang="ko-KR" altLang="en-US" sz="1800" dirty="0"/>
           </a:p>
           <a:p>
             <a:pPr marL="0" indent="0" fontAlgn="base">
               <a:buNone/>
             </a:pPr>
             <a:r>
-              <a:rPr lang="ko-KR" altLang="en-US" dirty="0"/>
+              <a:rPr lang="ko-KR" altLang="en-US" sz="1800" dirty="0"/>
               <a:t>	</a:t>
             </a:r>
             <a:r>
-              <a:rPr lang="en-US" altLang="ko-KR" dirty="0"/>
+              <a:rPr lang="en-US" altLang="ko-KR" sz="1800" dirty="0"/>
               <a:t>- </a:t>
             </a:r>
             <a:r>
-              <a:rPr lang="ko-KR" altLang="en-US" dirty="0"/>
+              <a:rPr lang="ko-KR" altLang="en-US" sz="1800" dirty="0"/>
               <a:t>메인 모듈이 연결이 안 된 경우 알림 창이 나타나는 가</a:t>
             </a:r>
             <a:r>
-              <a:rPr lang="en-US" altLang="ko-KR" dirty="0"/>
+              <a:rPr lang="en-US" altLang="ko-KR" sz="1800" dirty="0"/>
               <a:t>?</a:t>
             </a:r>
-            <a:endParaRPr lang="ko-KR" altLang="en-US" dirty="0"/>
+            <a:endParaRPr lang="ko-KR" altLang="en-US" sz="1800" dirty="0"/>
           </a:p>
           <a:p>
             <a:pPr marL="0" indent="0" fontAlgn="base">
               <a:buNone/>
             </a:pPr>
             <a:r>
-              <a:rPr lang="ko-KR" altLang="en-US" dirty="0"/>
+              <a:rPr lang="ko-KR" altLang="en-US" sz="1800" dirty="0"/>
               <a:t>	</a:t>
             </a:r>
             <a:r>
-              <a:rPr lang="en-US" altLang="ko-KR" dirty="0"/>
+              <a:rPr lang="en-US" altLang="ko-KR" sz="1800" dirty="0"/>
               <a:t> </a:t>
             </a:r>
             <a:r>
-              <a:rPr lang="ko-KR" altLang="en-US" dirty="0"/>
+              <a:rPr lang="ko-KR" altLang="en-US" sz="1800" dirty="0"/>
               <a:t>스피커 모듈이 연결이 안 된 경우   나타나는 가</a:t>
             </a:r>
             <a:r>
-              <a:rPr lang="en-US" altLang="ko-KR" dirty="0"/>
+              <a:rPr lang="en-US" altLang="ko-KR" sz="1800" dirty="0"/>
               <a:t>?</a:t>
             </a:r>
-            <a:endParaRPr lang="ko-KR" altLang="en-US" dirty="0"/>
-          </a:p>
-          <a:p>
-            <a:endParaRPr lang="ko-KR" altLang="en-US" dirty="0"/>
+            <a:endParaRPr lang="ko-KR" altLang="en-US" sz="1800" dirty="0"/>
+          </a:p>
+          <a:p>
+            <a:endParaRPr lang="ko-KR" altLang="en-US" sz="1800" dirty="0"/>
           </a:p>
         </p:txBody>
       </p:sp>
@@ -9781,7 +9187,9 @@
             <a:avLst/>
           </a:prstGeom>
           <a:solidFill>
-            <a:schemeClr val="bg1"/>
+            <a:schemeClr val="bg1">
+              <a:lumMod val="85000"/>
+            </a:schemeClr>
           </a:solidFill>
           <a:ln>
             <a:solidFill>
@@ -9811,18 +9219,10 @@
           <a:p>
             <a:pPr algn="ctr"/>
             <a:r>
-              <a:rPr lang="ko-KR" altLang="en-US" sz="3200" b="1">
-                <a:solidFill>
-                  <a:schemeClr val="tx1"/>
-                </a:solidFill>
-              </a:rPr>
-              <a:t>재생 목록 있는 대본</a:t>
-            </a:r>
-            <a:endParaRPr lang="ko-KR" altLang="en-US" sz="3200" b="1" dirty="0">
-              <a:solidFill>
-                <a:schemeClr val="tx1"/>
-              </a:solidFill>
-            </a:endParaRPr>
+              <a:rPr lang="ko-KR" altLang="en-US" sz="3200" b="1"/>
+              <a:t>재생 목록 없는 대본</a:t>
+            </a:r>
+            <a:endParaRPr lang="ko-KR" altLang="en-US" sz="3200" b="1" dirty="0"/>
           </a:p>
         </p:txBody>
       </p:sp>
@@ -10000,24 +9400,84 @@
           </a:p>
         </p:txBody>
       </p:sp>
-      <p:sp>
-        <p:nvSpPr>
-          <p:cNvPr id="27" name="모서리가 둥근 직사각형 26"/>
+      <p:pic>
+        <p:nvPicPr>
+          <p:cNvPr id="26" name="그림 25"/>
+          <p:cNvPicPr>
+            <a:picLocks noChangeAspect="1"/>
+          </p:cNvPicPr>
+          <p:nvPr/>
+        </p:nvPicPr>
+        <p:blipFill>
+          <a:blip r:embed="rId12" cstate="print">
+            <a:extLst>
+              <a:ext uri="{28A0092B-C50C-407E-A947-70E740481C1C}">
+                <a14:useLocalDpi xmlns:a14="http://schemas.microsoft.com/office/drawing/2010/main" val="0"/>
+              </a:ext>
+            </a:extLst>
+          </a:blip>
+          <a:stretch>
+            <a:fillRect/>
+          </a:stretch>
+        </p:blipFill>
+        <p:spPr>
+          <a:xfrm>
+            <a:off x="4238872" y="1269026"/>
+            <a:ext cx="794352" cy="794352"/>
+          </a:xfrm>
+          <a:prstGeom prst="rect">
+            <a:avLst/>
+          </a:prstGeom>
+        </p:spPr>
+      </p:pic>
+      <p:pic>
+        <p:nvPicPr>
+          <p:cNvPr id="27" name="그림 26"/>
+          <p:cNvPicPr>
+            <a:picLocks noChangeAspect="1"/>
+          </p:cNvPicPr>
+          <p:nvPr/>
+        </p:nvPicPr>
+        <p:blipFill>
+          <a:blip r:embed="rId13" cstate="print">
+            <a:extLst>
+              <a:ext uri="{28A0092B-C50C-407E-A947-70E740481C1C}">
+                <a14:useLocalDpi xmlns:a14="http://schemas.microsoft.com/office/drawing/2010/main" val="0"/>
+              </a:ext>
+            </a:extLst>
+          </a:blip>
+          <a:stretch>
+            <a:fillRect/>
+          </a:stretch>
+        </p:blipFill>
+        <p:spPr>
+          <a:xfrm>
+            <a:off x="5690217" y="2824261"/>
+            <a:ext cx="1029281" cy="1029281"/>
+          </a:xfrm>
+          <a:prstGeom prst="rect">
+            <a:avLst/>
+          </a:prstGeom>
+        </p:spPr>
+      </p:pic>
+      <p:sp>
+        <p:nvSpPr>
+          <p:cNvPr id="28" name="모서리가 둥근 직사각형 27"/>
           <p:cNvSpPr/>
           <p:nvPr/>
         </p:nvSpPr>
         <p:spPr>
           <a:xfrm>
-            <a:off x="-11738" y="4826859"/>
-            <a:ext cx="1677254" cy="460454"/>
+            <a:off x="3948476" y="1602084"/>
+            <a:ext cx="4512762" cy="1045029"/>
           </a:xfrm>
           <a:prstGeom prst="roundRect">
             <a:avLst/>
           </a:prstGeom>
           <a:solidFill>
-            <a:schemeClr val="accent4">
-              <a:lumMod val="40000"/>
-              <a:lumOff val="60000"/>
+            <a:schemeClr val="accent1">
+              <a:lumMod val="20000"/>
+              <a:lumOff val="80000"/>
             </a:schemeClr>
           </a:solidFill>
           <a:ln>
@@ -10048,25 +9508,17 @@
           <a:p>
             <a:pPr algn="ctr"/>
             <a:r>
-              <a:rPr lang="en-US" altLang="ko-KR" sz="2800" b="1">
-                <a:solidFill>
-                  <a:schemeClr val="bg1"/>
-                </a:solidFill>
-              </a:rPr>
-              <a:t>play</a:t>
-            </a:r>
-            <a:endParaRPr lang="ko-KR" altLang="en-US" sz="2800" b="1" dirty="0">
-              <a:solidFill>
-                <a:schemeClr val="bg1"/>
-              </a:solidFill>
-            </a:endParaRPr>
+              <a:rPr lang="ko-KR" altLang="en-US" sz="2800" b="1"/>
+              <a:t>잠시만 기다려 주십시오</a:t>
+            </a:r>
+            <a:endParaRPr lang="ko-KR" altLang="en-US" sz="2800" b="1" dirty="0"/>
           </a:p>
         </p:txBody>
       </p:sp>
     </p:spTree>
     <p:extLst>
       <p:ext uri="{BB962C8B-B14F-4D97-AF65-F5344CB8AC3E}">
-        <p14:creationId xmlns:p14="http://schemas.microsoft.com/office/powerpoint/2010/main" val="1135952223"/>
+        <p14:creationId xmlns:p14="http://schemas.microsoft.com/office/powerpoint/2010/main" val="437521344"/>
       </p:ext>
     </p:extLst>
   </p:cSld>
@@ -10093,60 +9545,6 @@
           <a:chExt cx="0" cy="0"/>
         </a:xfrm>
       </p:grpSpPr>
-      <p:sp>
-        <p:nvSpPr>
-          <p:cNvPr id="17" name="직사각형 16"/>
-          <p:cNvSpPr/>
-          <p:nvPr/>
-        </p:nvSpPr>
-        <p:spPr>
-          <a:xfrm>
-            <a:off x="9005777" y="0"/>
-            <a:ext cx="3186223" cy="6858000"/>
-          </a:xfrm>
-          <a:prstGeom prst="rect">
-            <a:avLst/>
-          </a:prstGeom>
-          <a:solidFill>
-            <a:schemeClr val="bg1">
-              <a:lumMod val="95000"/>
-            </a:schemeClr>
-          </a:solidFill>
-          <a:ln>
-            <a:solidFill>
-              <a:schemeClr val="tx1"/>
-            </a:solidFill>
-          </a:ln>
-        </p:spPr>
-        <p:style>
-          <a:lnRef idx="2">
-            <a:schemeClr val="accent1">
-              <a:shade val="50000"/>
-            </a:schemeClr>
-          </a:lnRef>
-          <a:fillRef idx="1">
-            <a:schemeClr val="accent1"/>
-          </a:fillRef>
-          <a:effectRef idx="0">
-            <a:schemeClr val="accent1"/>
-          </a:effectRef>
-          <a:fontRef idx="minor">
-            <a:schemeClr val="lt1"/>
-          </a:fontRef>
-        </p:style>
-        <p:txBody>
-          <a:bodyPr rtlCol="0" anchor="ctr"/>
-          <a:lstStyle/>
-          <a:p>
-            <a:pPr algn="ctr"/>
-            <a:endParaRPr lang="ko-KR" altLang="en-US" sz="3200" b="1">
-              <a:solidFill>
-                <a:schemeClr val="tx1"/>
-              </a:solidFill>
-            </a:endParaRPr>
-          </a:p>
-        </p:txBody>
-      </p:sp>
       <p:pic>
         <p:nvPicPr>
           <p:cNvPr id="4" name="그림 3"/>
@@ -10182,6 +9580,60 @@
       </p:pic>
       <p:sp>
         <p:nvSpPr>
+          <p:cNvPr id="17" name="직사각형 16"/>
+          <p:cNvSpPr/>
+          <p:nvPr/>
+        </p:nvSpPr>
+        <p:spPr>
+          <a:xfrm>
+            <a:off x="9005777" y="0"/>
+            <a:ext cx="3186223" cy="6858000"/>
+          </a:xfrm>
+          <a:prstGeom prst="rect">
+            <a:avLst/>
+          </a:prstGeom>
+          <a:solidFill>
+            <a:schemeClr val="bg1">
+              <a:lumMod val="95000"/>
+            </a:schemeClr>
+          </a:solidFill>
+          <a:ln>
+            <a:solidFill>
+              <a:schemeClr val="tx1"/>
+            </a:solidFill>
+          </a:ln>
+        </p:spPr>
+        <p:style>
+          <a:lnRef idx="2">
+            <a:schemeClr val="accent1">
+              <a:shade val="50000"/>
+            </a:schemeClr>
+          </a:lnRef>
+          <a:fillRef idx="1">
+            <a:schemeClr val="accent1"/>
+          </a:fillRef>
+          <a:effectRef idx="0">
+            <a:schemeClr val="accent1"/>
+          </a:effectRef>
+          <a:fontRef idx="minor">
+            <a:schemeClr val="lt1"/>
+          </a:fontRef>
+        </p:style>
+        <p:txBody>
+          <a:bodyPr rtlCol="0" anchor="ctr"/>
+          <a:lstStyle/>
+          <a:p>
+            <a:pPr algn="ctr"/>
+            <a:endParaRPr lang="ko-KR" altLang="en-US" sz="3200" b="1">
+              <a:solidFill>
+                <a:schemeClr val="tx1"/>
+              </a:solidFill>
+            </a:endParaRPr>
+          </a:p>
+        </p:txBody>
+      </p:sp>
+      <p:sp>
+        <p:nvSpPr>
           <p:cNvPr id="3" name="부제목 2"/>
           <p:cNvSpPr>
             <a:spLocks noGrp="1"/>
@@ -10425,61 +9877,6 @@
           </a:prstGeom>
         </p:spPr>
       </p:pic>
-      <p:sp>
-        <p:nvSpPr>
-          <p:cNvPr id="18" name="직사각형 17"/>
-          <p:cNvSpPr/>
-          <p:nvPr/>
-        </p:nvSpPr>
-        <p:spPr>
-          <a:xfrm>
-            <a:off x="324096" y="299675"/>
-            <a:ext cx="2881424" cy="669851"/>
-          </a:xfrm>
-          <a:prstGeom prst="rect">
-            <a:avLst/>
-          </a:prstGeom>
-          <a:solidFill>
-            <a:schemeClr val="bg1"/>
-          </a:solidFill>
-          <a:ln>
-            <a:solidFill>
-              <a:schemeClr val="tx1"/>
-            </a:solidFill>
-          </a:ln>
-        </p:spPr>
-        <p:style>
-          <a:lnRef idx="2">
-            <a:schemeClr val="accent1">
-              <a:shade val="50000"/>
-            </a:schemeClr>
-          </a:lnRef>
-          <a:fillRef idx="1">
-            <a:schemeClr val="accent1"/>
-          </a:fillRef>
-          <a:effectRef idx="0">
-            <a:schemeClr val="accent1"/>
-          </a:effectRef>
-          <a:fontRef idx="minor">
-            <a:schemeClr val="lt1"/>
-          </a:fontRef>
-        </p:style>
-        <p:txBody>
-          <a:bodyPr rtlCol="0" anchor="ctr"/>
-          <a:lstStyle/>
-          <a:p>
-            <a:pPr algn="ctr"/>
-            <a:r>
-              <a:rPr lang="ko-KR" altLang="en-US" b="1">
-                <a:solidFill>
-                  <a:schemeClr val="tx1"/>
-                </a:solidFill>
-              </a:rPr>
-              <a:t>대본 리스트</a:t>
-            </a:r>
-          </a:p>
-        </p:txBody>
-      </p:sp>
       <p:pic>
         <p:nvPicPr>
           <p:cNvPr id="2" name="그림 1"/>
@@ -10645,24 +10042,27 @@
       </p:sp>
       <p:sp>
         <p:nvSpPr>
-          <p:cNvPr id="21" name="모서리가 둥근 직사각형 20"/>
+          <p:cNvPr id="28" name="모서리가 둥근 직사각형 27"/>
           <p:cNvSpPr/>
           <p:nvPr/>
         </p:nvSpPr>
         <p:spPr>
           <a:xfrm>
-            <a:off x="78685" y="1084232"/>
-            <a:ext cx="4632177" cy="765316"/>
+            <a:off x="2733409" y="1172560"/>
+            <a:ext cx="2413742" cy="559057"/>
           </a:xfrm>
           <a:prstGeom prst="roundRect">
             <a:avLst/>
           </a:prstGeom>
           <a:solidFill>
-            <a:schemeClr val="bg1"/>
+            <a:schemeClr val="accent1">
+              <a:lumMod val="20000"/>
+              <a:lumOff val="80000"/>
+            </a:schemeClr>
           </a:solidFill>
           <a:ln>
             <a:solidFill>
-              <a:schemeClr val="tx1"/>
+              <a:schemeClr val="bg1"/>
             </a:solidFill>
           </a:ln>
         </p:spPr>
@@ -10688,90 +10088,22 @@
           <a:p>
             <a:pPr algn="ctr"/>
             <a:r>
-              <a:rPr lang="ko-KR" altLang="en-US" sz="3200" b="1">
-                <a:solidFill>
-                  <a:schemeClr val="tx1"/>
-                </a:solidFill>
-              </a:rPr>
-              <a:t>재생 목록 있는 대본</a:t>
-            </a:r>
-            <a:endParaRPr lang="ko-KR" altLang="en-US" sz="3200" b="1" dirty="0">
-              <a:solidFill>
-                <a:schemeClr val="tx1"/>
-              </a:solidFill>
-            </a:endParaRPr>
-          </a:p>
-        </p:txBody>
-      </p:sp>
-      <p:sp>
-        <p:nvSpPr>
-          <p:cNvPr id="23" name="모서리가 둥근 직사각형 22"/>
+              <a:rPr lang="ko-KR" altLang="en-US" sz="2800" b="1"/>
+              <a:t>스피커 선택</a:t>
+            </a:r>
+            <a:endParaRPr lang="ko-KR" altLang="en-US" sz="2800" b="1" dirty="0"/>
+          </a:p>
+        </p:txBody>
+      </p:sp>
+      <p:sp>
+        <p:nvSpPr>
+          <p:cNvPr id="29" name="모서리가 둥근 직사각형 28"/>
           <p:cNvSpPr/>
           <p:nvPr/>
         </p:nvSpPr>
         <p:spPr>
           <a:xfrm>
-            <a:off x="78685" y="1857588"/>
-            <a:ext cx="4632177" cy="765316"/>
-          </a:xfrm>
-          <a:prstGeom prst="roundRect">
-            <a:avLst/>
-          </a:prstGeom>
-          <a:solidFill>
-            <a:schemeClr val="bg1"/>
-          </a:solidFill>
-          <a:ln>
-            <a:solidFill>
-              <a:schemeClr val="tx1"/>
-            </a:solidFill>
-          </a:ln>
-        </p:spPr>
-        <p:style>
-          <a:lnRef idx="2">
-            <a:schemeClr val="accent1">
-              <a:shade val="50000"/>
-            </a:schemeClr>
-          </a:lnRef>
-          <a:fillRef idx="1">
-            <a:schemeClr val="accent1"/>
-          </a:fillRef>
-          <a:effectRef idx="0">
-            <a:schemeClr val="accent1"/>
-          </a:effectRef>
-          <a:fontRef idx="minor">
-            <a:schemeClr val="lt1"/>
-          </a:fontRef>
-        </p:style>
-        <p:txBody>
-          <a:bodyPr rtlCol="0" anchor="ctr"/>
-          <a:lstStyle/>
-          <a:p>
-            <a:pPr algn="ctr"/>
-            <a:r>
-              <a:rPr lang="ko-KR" altLang="en-US" sz="3200" b="1">
-                <a:solidFill>
-                  <a:schemeClr val="tx1"/>
-                </a:solidFill>
-              </a:rPr>
-              <a:t>재생 목록 있는 대본</a:t>
-            </a:r>
-            <a:endParaRPr lang="ko-KR" altLang="en-US" sz="3200" b="1" dirty="0">
-              <a:solidFill>
-                <a:schemeClr val="tx1"/>
-              </a:solidFill>
-            </a:endParaRPr>
-          </a:p>
-        </p:txBody>
-      </p:sp>
-      <p:sp>
-        <p:nvSpPr>
-          <p:cNvPr id="24" name="모서리가 둥근 직사각형 23"/>
-          <p:cNvSpPr/>
-          <p:nvPr/>
-        </p:nvSpPr>
-        <p:spPr>
-          <a:xfrm>
-            <a:off x="78685" y="2631785"/>
+            <a:off x="436726" y="266549"/>
             <a:ext cx="4632177" cy="765316"/>
           </a:xfrm>
           <a:prstGeom prst="roundRect">
@@ -10819,24 +10151,27 @@
       </p:sp>
       <p:sp>
         <p:nvSpPr>
-          <p:cNvPr id="25" name="모서리가 둥근 직사각형 24"/>
+          <p:cNvPr id="30" name="모서리가 둥근 직사각형 29"/>
           <p:cNvSpPr/>
           <p:nvPr/>
         </p:nvSpPr>
         <p:spPr>
           <a:xfrm>
-            <a:off x="78684" y="3416615"/>
-            <a:ext cx="4632177" cy="765316"/>
+            <a:off x="2733409" y="1862210"/>
+            <a:ext cx="2413742" cy="559057"/>
           </a:xfrm>
           <a:prstGeom prst="roundRect">
             <a:avLst/>
           </a:prstGeom>
           <a:solidFill>
-            <a:schemeClr val="bg1"/>
+            <a:schemeClr val="accent1">
+              <a:lumMod val="20000"/>
+              <a:lumOff val="80000"/>
+            </a:schemeClr>
           </a:solidFill>
           <a:ln>
             <a:solidFill>
-              <a:schemeClr val="tx1"/>
+              <a:schemeClr val="bg1"/>
             </a:solidFill>
           </a:ln>
         </p:spPr>
@@ -10862,18 +10197,356 @@
           <a:p>
             <a:pPr algn="ctr"/>
             <a:r>
-              <a:rPr lang="ko-KR" altLang="en-US" sz="3200" b="1">
-                <a:solidFill>
-                  <a:schemeClr val="tx1"/>
-                </a:solidFill>
-              </a:rPr>
-              <a:t>재생 목록 있는 대본</a:t>
-            </a:r>
-            <a:endParaRPr lang="ko-KR" altLang="en-US" sz="3200" b="1" dirty="0">
-              <a:solidFill>
-                <a:schemeClr val="tx1"/>
-              </a:solidFill>
-            </a:endParaRPr>
+              <a:rPr lang="ko-KR" altLang="en-US" sz="2800" b="1"/>
+              <a:t>스피커 선택</a:t>
+            </a:r>
+            <a:endParaRPr lang="ko-KR" altLang="en-US" sz="2800" b="1" dirty="0"/>
+          </a:p>
+        </p:txBody>
+      </p:sp>
+      <p:sp>
+        <p:nvSpPr>
+          <p:cNvPr id="31" name="모서리가 둥근 직사각형 30"/>
+          <p:cNvSpPr/>
+          <p:nvPr/>
+        </p:nvSpPr>
+        <p:spPr>
+          <a:xfrm>
+            <a:off x="2733409" y="2551860"/>
+            <a:ext cx="2413742" cy="559057"/>
+          </a:xfrm>
+          <a:prstGeom prst="roundRect">
+            <a:avLst/>
+          </a:prstGeom>
+          <a:solidFill>
+            <a:schemeClr val="accent1">
+              <a:lumMod val="20000"/>
+              <a:lumOff val="80000"/>
+            </a:schemeClr>
+          </a:solidFill>
+          <a:ln>
+            <a:solidFill>
+              <a:schemeClr val="bg1"/>
+            </a:solidFill>
+          </a:ln>
+        </p:spPr>
+        <p:style>
+          <a:lnRef idx="2">
+            <a:schemeClr val="accent1">
+              <a:shade val="50000"/>
+            </a:schemeClr>
+          </a:lnRef>
+          <a:fillRef idx="1">
+            <a:schemeClr val="accent1"/>
+          </a:fillRef>
+          <a:effectRef idx="0">
+            <a:schemeClr val="accent1"/>
+          </a:effectRef>
+          <a:fontRef idx="minor">
+            <a:schemeClr val="lt1"/>
+          </a:fontRef>
+        </p:style>
+        <p:txBody>
+          <a:bodyPr rtlCol="0" anchor="ctr"/>
+          <a:lstStyle/>
+          <a:p>
+            <a:pPr algn="ctr"/>
+            <a:r>
+              <a:rPr lang="ko-KR" altLang="en-US" sz="2800" b="1"/>
+              <a:t>스피커 선택</a:t>
+            </a:r>
+            <a:endParaRPr lang="ko-KR" altLang="en-US" sz="2800" b="1" dirty="0"/>
+          </a:p>
+        </p:txBody>
+      </p:sp>
+      <p:sp>
+        <p:nvSpPr>
+          <p:cNvPr id="32" name="모서리가 둥근 직사각형 31"/>
+          <p:cNvSpPr/>
+          <p:nvPr/>
+        </p:nvSpPr>
+        <p:spPr>
+          <a:xfrm>
+            <a:off x="2733409" y="3238745"/>
+            <a:ext cx="2413742" cy="559057"/>
+          </a:xfrm>
+          <a:prstGeom prst="roundRect">
+            <a:avLst/>
+          </a:prstGeom>
+          <a:solidFill>
+            <a:schemeClr val="accent1">
+              <a:lumMod val="20000"/>
+              <a:lumOff val="80000"/>
+            </a:schemeClr>
+          </a:solidFill>
+          <a:ln>
+            <a:solidFill>
+              <a:schemeClr val="bg1"/>
+            </a:solidFill>
+          </a:ln>
+        </p:spPr>
+        <p:style>
+          <a:lnRef idx="2">
+            <a:schemeClr val="accent1">
+              <a:shade val="50000"/>
+            </a:schemeClr>
+          </a:lnRef>
+          <a:fillRef idx="1">
+            <a:schemeClr val="accent1"/>
+          </a:fillRef>
+          <a:effectRef idx="0">
+            <a:schemeClr val="accent1"/>
+          </a:effectRef>
+          <a:fontRef idx="minor">
+            <a:schemeClr val="lt1"/>
+          </a:fontRef>
+        </p:style>
+        <p:txBody>
+          <a:bodyPr rtlCol="0" anchor="ctr"/>
+          <a:lstStyle/>
+          <a:p>
+            <a:pPr algn="ctr"/>
+            <a:r>
+              <a:rPr lang="ko-KR" altLang="en-US" sz="2800" b="1"/>
+              <a:t>스피커 선택</a:t>
+            </a:r>
+            <a:endParaRPr lang="ko-KR" altLang="en-US" sz="2800" b="1" dirty="0"/>
+          </a:p>
+        </p:txBody>
+      </p:sp>
+      <p:sp>
+        <p:nvSpPr>
+          <p:cNvPr id="34" name="모서리가 둥근 직사각형 33"/>
+          <p:cNvSpPr/>
+          <p:nvPr/>
+        </p:nvSpPr>
+        <p:spPr>
+          <a:xfrm>
+            <a:off x="436726" y="1172560"/>
+            <a:ext cx="1679254" cy="559057"/>
+          </a:xfrm>
+          <a:prstGeom prst="roundRect">
+            <a:avLst/>
+          </a:prstGeom>
+          <a:solidFill>
+            <a:schemeClr val="accent1">
+              <a:lumMod val="20000"/>
+              <a:lumOff val="80000"/>
+            </a:schemeClr>
+          </a:solidFill>
+          <a:ln>
+            <a:solidFill>
+              <a:schemeClr val="bg1"/>
+            </a:solidFill>
+          </a:ln>
+        </p:spPr>
+        <p:style>
+          <a:lnRef idx="2">
+            <a:schemeClr val="accent1">
+              <a:shade val="50000"/>
+            </a:schemeClr>
+          </a:lnRef>
+          <a:fillRef idx="1">
+            <a:schemeClr val="accent1"/>
+          </a:fillRef>
+          <a:effectRef idx="0">
+            <a:schemeClr val="accent1"/>
+          </a:effectRef>
+          <a:fontRef idx="minor">
+            <a:schemeClr val="lt1"/>
+          </a:fontRef>
+        </p:style>
+        <p:txBody>
+          <a:bodyPr rtlCol="0" anchor="ctr"/>
+          <a:lstStyle/>
+          <a:p>
+            <a:pPr algn="ctr"/>
+            <a:r>
+              <a:rPr lang="ko-KR" altLang="en-US" sz="2800" b="1"/>
+              <a:t>배역 </a:t>
+            </a:r>
+            <a:r>
+              <a:rPr lang="en-US" altLang="ko-KR" sz="2800" b="1"/>
+              <a:t>1</a:t>
+            </a:r>
+            <a:endParaRPr lang="ko-KR" altLang="en-US" sz="2800" b="1" dirty="0"/>
+          </a:p>
+        </p:txBody>
+      </p:sp>
+      <p:sp>
+        <p:nvSpPr>
+          <p:cNvPr id="35" name="모서리가 둥근 직사각형 34"/>
+          <p:cNvSpPr/>
+          <p:nvPr/>
+        </p:nvSpPr>
+        <p:spPr>
+          <a:xfrm>
+            <a:off x="436827" y="1858769"/>
+            <a:ext cx="1679254" cy="559057"/>
+          </a:xfrm>
+          <a:prstGeom prst="roundRect">
+            <a:avLst/>
+          </a:prstGeom>
+          <a:solidFill>
+            <a:schemeClr val="accent1">
+              <a:lumMod val="20000"/>
+              <a:lumOff val="80000"/>
+            </a:schemeClr>
+          </a:solidFill>
+          <a:ln>
+            <a:solidFill>
+              <a:schemeClr val="bg1"/>
+            </a:solidFill>
+          </a:ln>
+        </p:spPr>
+        <p:style>
+          <a:lnRef idx="2">
+            <a:schemeClr val="accent1">
+              <a:shade val="50000"/>
+            </a:schemeClr>
+          </a:lnRef>
+          <a:fillRef idx="1">
+            <a:schemeClr val="accent1"/>
+          </a:fillRef>
+          <a:effectRef idx="0">
+            <a:schemeClr val="accent1"/>
+          </a:effectRef>
+          <a:fontRef idx="minor">
+            <a:schemeClr val="lt1"/>
+          </a:fontRef>
+        </p:style>
+        <p:txBody>
+          <a:bodyPr rtlCol="0" anchor="ctr"/>
+          <a:lstStyle/>
+          <a:p>
+            <a:pPr algn="ctr"/>
+            <a:r>
+              <a:rPr lang="ko-KR" altLang="en-US" sz="2800" b="1"/>
+              <a:t>배역 </a:t>
+            </a:r>
+            <a:r>
+              <a:rPr lang="en-US" altLang="ko-KR" sz="2800" b="1"/>
+              <a:t>2</a:t>
+            </a:r>
+            <a:endParaRPr lang="ko-KR" altLang="en-US" sz="2800" b="1" dirty="0"/>
+          </a:p>
+        </p:txBody>
+      </p:sp>
+      <p:sp>
+        <p:nvSpPr>
+          <p:cNvPr id="36" name="모서리가 둥근 직사각형 35"/>
+          <p:cNvSpPr/>
+          <p:nvPr/>
+        </p:nvSpPr>
+        <p:spPr>
+          <a:xfrm>
+            <a:off x="436726" y="2551860"/>
+            <a:ext cx="1679254" cy="559057"/>
+          </a:xfrm>
+          <a:prstGeom prst="roundRect">
+            <a:avLst/>
+          </a:prstGeom>
+          <a:solidFill>
+            <a:schemeClr val="accent1">
+              <a:lumMod val="20000"/>
+              <a:lumOff val="80000"/>
+            </a:schemeClr>
+          </a:solidFill>
+          <a:ln>
+            <a:solidFill>
+              <a:schemeClr val="bg1"/>
+            </a:solidFill>
+          </a:ln>
+        </p:spPr>
+        <p:style>
+          <a:lnRef idx="2">
+            <a:schemeClr val="accent1">
+              <a:shade val="50000"/>
+            </a:schemeClr>
+          </a:lnRef>
+          <a:fillRef idx="1">
+            <a:schemeClr val="accent1"/>
+          </a:fillRef>
+          <a:effectRef idx="0">
+            <a:schemeClr val="accent1"/>
+          </a:effectRef>
+          <a:fontRef idx="minor">
+            <a:schemeClr val="lt1"/>
+          </a:fontRef>
+        </p:style>
+        <p:txBody>
+          <a:bodyPr rtlCol="0" anchor="ctr"/>
+          <a:lstStyle/>
+          <a:p>
+            <a:pPr algn="ctr"/>
+            <a:r>
+              <a:rPr lang="ko-KR" altLang="en-US" sz="2800" b="1"/>
+              <a:t>배역 </a:t>
+            </a:r>
+            <a:r>
+              <a:rPr lang="en-US" altLang="ko-KR" sz="2800" b="1"/>
+              <a:t>3</a:t>
+            </a:r>
+            <a:endParaRPr lang="ko-KR" altLang="en-US" sz="2800" b="1" dirty="0"/>
+          </a:p>
+        </p:txBody>
+      </p:sp>
+      <p:sp>
+        <p:nvSpPr>
+          <p:cNvPr id="37" name="모서리가 둥근 직사각형 36"/>
+          <p:cNvSpPr/>
+          <p:nvPr/>
+        </p:nvSpPr>
+        <p:spPr>
+          <a:xfrm>
+            <a:off x="436726" y="3238745"/>
+            <a:ext cx="1679254" cy="559057"/>
+          </a:xfrm>
+          <a:prstGeom prst="roundRect">
+            <a:avLst/>
+          </a:prstGeom>
+          <a:solidFill>
+            <a:schemeClr val="accent1">
+              <a:lumMod val="20000"/>
+              <a:lumOff val="80000"/>
+            </a:schemeClr>
+          </a:solidFill>
+          <a:ln>
+            <a:solidFill>
+              <a:schemeClr val="bg1"/>
+            </a:solidFill>
+          </a:ln>
+        </p:spPr>
+        <p:style>
+          <a:lnRef idx="2">
+            <a:schemeClr val="accent1">
+              <a:shade val="50000"/>
+            </a:schemeClr>
+          </a:lnRef>
+          <a:fillRef idx="1">
+            <a:schemeClr val="accent1"/>
+          </a:fillRef>
+          <a:effectRef idx="0">
+            <a:schemeClr val="accent1"/>
+          </a:effectRef>
+          <a:fontRef idx="minor">
+            <a:schemeClr val="lt1"/>
+          </a:fontRef>
+        </p:style>
+        <p:txBody>
+          <a:bodyPr rtlCol="0" anchor="ctr"/>
+          <a:lstStyle/>
+          <a:p>
+            <a:pPr algn="ctr"/>
+            <a:r>
+              <a:rPr lang="ko-KR" altLang="en-US" sz="2800" b="1"/>
+              <a:t>배역 </a:t>
+            </a:r>
+            <a:r>
+              <a:rPr lang="en-US" altLang="ko-KR" sz="2800" b="1"/>
+              <a:t>4</a:t>
+            </a:r>
+            <a:endParaRPr lang="ko-KR" altLang="en-US" sz="2800" b="1" dirty="0"/>
           </a:p>
         </p:txBody>
       </p:sp>
@@ -10899,7 +10572,126 @@
         </p:blipFill>
         <p:spPr>
           <a:xfrm>
-            <a:off x="4255511" y="2005063"/>
+            <a:off x="4617726" y="1478749"/>
+            <a:ext cx="794352" cy="794352"/>
+          </a:xfrm>
+          <a:prstGeom prst="rect">
+            <a:avLst/>
+          </a:prstGeom>
+        </p:spPr>
+      </p:pic>
+      <p:pic>
+        <p:nvPicPr>
+          <p:cNvPr id="38" name="그림 37"/>
+          <p:cNvPicPr>
+            <a:picLocks noChangeAspect="1"/>
+          </p:cNvPicPr>
+          <p:nvPr/>
+        </p:nvPicPr>
+        <p:blipFill>
+          <a:blip r:embed="rId13" cstate="print">
+            <a:extLst>
+              <a:ext uri="{28A0092B-C50C-407E-A947-70E740481C1C}">
+                <a14:useLocalDpi xmlns:a14="http://schemas.microsoft.com/office/drawing/2010/main" val="0"/>
+              </a:ext>
+            </a:extLst>
+          </a:blip>
+          <a:stretch>
+            <a:fillRect/>
+          </a:stretch>
+        </p:blipFill>
+        <p:spPr>
+          <a:xfrm>
+            <a:off x="2115980" y="4089280"/>
+            <a:ext cx="875487" cy="906554"/>
+          </a:xfrm>
+          <a:prstGeom prst="rect">
+            <a:avLst/>
+          </a:prstGeom>
+        </p:spPr>
+      </p:pic>
+      <p:sp>
+        <p:nvSpPr>
+          <p:cNvPr id="39" name="모서리가 둥근 직사각형 38"/>
+          <p:cNvSpPr/>
+          <p:nvPr/>
+        </p:nvSpPr>
+        <p:spPr>
+          <a:xfrm>
+            <a:off x="3205520" y="4123296"/>
+            <a:ext cx="4632177" cy="652402"/>
+          </a:xfrm>
+          <a:prstGeom prst="roundRect">
+            <a:avLst/>
+          </a:prstGeom>
+          <a:solidFill>
+            <a:schemeClr val="accent4">
+              <a:lumMod val="40000"/>
+              <a:lumOff val="60000"/>
+            </a:schemeClr>
+          </a:solidFill>
+          <a:ln>
+            <a:solidFill>
+              <a:schemeClr val="bg1"/>
+            </a:solidFill>
+          </a:ln>
+        </p:spPr>
+        <p:style>
+          <a:lnRef idx="2">
+            <a:schemeClr val="accent1">
+              <a:shade val="50000"/>
+            </a:schemeClr>
+          </a:lnRef>
+          <a:fillRef idx="1">
+            <a:schemeClr val="accent1"/>
+          </a:fillRef>
+          <a:effectRef idx="0">
+            <a:schemeClr val="accent1"/>
+          </a:effectRef>
+          <a:fontRef idx="minor">
+            <a:schemeClr val="lt1"/>
+          </a:fontRef>
+        </p:style>
+        <p:txBody>
+          <a:bodyPr rtlCol="0" anchor="ctr"/>
+          <a:lstStyle/>
+          <a:p>
+            <a:pPr algn="ctr"/>
+            <a:r>
+              <a:rPr lang="en-US" altLang="ko-KR" sz="2400" b="1"/>
+              <a:t>Default </a:t>
+            </a:r>
+            <a:r>
+              <a:rPr lang="ko-KR" altLang="en-US" sz="2400" b="1"/>
+              <a:t>시 자체설정 후  재생</a:t>
+            </a:r>
+            <a:endParaRPr lang="ko-KR" altLang="en-US" sz="2400" b="1" dirty="0"/>
+          </a:p>
+        </p:txBody>
+      </p:sp>
+      <p:pic>
+        <p:nvPicPr>
+          <p:cNvPr id="40" name="그림 39"/>
+          <p:cNvPicPr>
+            <a:picLocks noChangeAspect="1"/>
+          </p:cNvPicPr>
+          <p:nvPr/>
+        </p:nvPicPr>
+        <p:blipFill>
+          <a:blip r:embed="rId12" cstate="print">
+            <a:extLst>
+              <a:ext uri="{28A0092B-C50C-407E-A947-70E740481C1C}">
+                <a14:useLocalDpi xmlns:a14="http://schemas.microsoft.com/office/drawing/2010/main" val="0"/>
+              </a:ext>
+            </a:extLst>
+          </a:blip>
+          <a:stretch>
+            <a:fillRect/>
+          </a:stretch>
+        </p:blipFill>
+        <p:spPr>
+          <a:xfrm>
+            <a:off x="2789859" y="4433479"/>
             <a:ext cx="794352" cy="794352"/>
           </a:xfrm>
           <a:prstGeom prst="rect">
@@ -10910,7 +10702,7 @@
     </p:spTree>
     <p:extLst>
       <p:ext uri="{BB962C8B-B14F-4D97-AF65-F5344CB8AC3E}">
-        <p14:creationId xmlns:p14="http://schemas.microsoft.com/office/powerpoint/2010/main" val="2636303275"/>
+        <p14:creationId xmlns:p14="http://schemas.microsoft.com/office/powerpoint/2010/main" val="2609138221"/>
       </p:ext>
     </p:extLst>
   </p:cSld>
@@ -11723,7 +11515,7 @@
       </p:sp>
       <p:sp>
         <p:nvSpPr>
-          <p:cNvPr id="22" name="모서리가 둥근 직사각형 21"/>
+          <p:cNvPr id="27" name="모서리가 둥근 직사각형 26"/>
           <p:cNvSpPr/>
           <p:nvPr/>
         </p:nvSpPr>
@@ -11787,7 +11579,7 @@
     </p:spTree>
     <p:extLst>
       <p:ext uri="{BB962C8B-B14F-4D97-AF65-F5344CB8AC3E}">
-        <p14:creationId xmlns:p14="http://schemas.microsoft.com/office/powerpoint/2010/main" val="1057512466"/>
+        <p14:creationId xmlns:p14="http://schemas.microsoft.com/office/powerpoint/2010/main" val="1135952223"/>
       </p:ext>
     </p:extLst>
   </p:cSld>
@@ -11816,6 +11608,2656 @@
       </p:grpSpPr>
       <p:sp>
         <p:nvSpPr>
+          <p:cNvPr id="17" name="직사각형 16"/>
+          <p:cNvSpPr/>
+          <p:nvPr/>
+        </p:nvSpPr>
+        <p:spPr>
+          <a:xfrm>
+            <a:off x="9005777" y="0"/>
+            <a:ext cx="3186223" cy="6858000"/>
+          </a:xfrm>
+          <a:prstGeom prst="rect">
+            <a:avLst/>
+          </a:prstGeom>
+          <a:solidFill>
+            <a:schemeClr val="bg1">
+              <a:lumMod val="95000"/>
+            </a:schemeClr>
+          </a:solidFill>
+          <a:ln>
+            <a:solidFill>
+              <a:schemeClr val="tx1"/>
+            </a:solidFill>
+          </a:ln>
+        </p:spPr>
+        <p:style>
+          <a:lnRef idx="2">
+            <a:schemeClr val="accent1">
+              <a:shade val="50000"/>
+            </a:schemeClr>
+          </a:lnRef>
+          <a:fillRef idx="1">
+            <a:schemeClr val="accent1"/>
+          </a:fillRef>
+          <a:effectRef idx="0">
+            <a:schemeClr val="accent1"/>
+          </a:effectRef>
+          <a:fontRef idx="minor">
+            <a:schemeClr val="lt1"/>
+          </a:fontRef>
+        </p:style>
+        <p:txBody>
+          <a:bodyPr rtlCol="0" anchor="ctr"/>
+          <a:lstStyle/>
+          <a:p>
+            <a:pPr algn="ctr"/>
+            <a:endParaRPr lang="ko-KR" altLang="en-US" sz="3200" b="1">
+              <a:solidFill>
+                <a:schemeClr val="tx1"/>
+              </a:solidFill>
+            </a:endParaRPr>
+          </a:p>
+        </p:txBody>
+      </p:sp>
+      <p:pic>
+        <p:nvPicPr>
+          <p:cNvPr id="4" name="그림 3"/>
+          <p:cNvPicPr>
+            <a:picLocks noChangeAspect="1"/>
+          </p:cNvPicPr>
+          <p:nvPr/>
+        </p:nvPicPr>
+        <p:blipFill>
+          <a:blip r:embed="rId2">
+            <a:extLst>
+              <a:ext uri="{28A0092B-C50C-407E-A947-70E740481C1C}">
+                <a14:useLocalDpi xmlns:a14="http://schemas.microsoft.com/office/drawing/2010/main" val="0"/>
+              </a:ext>
+            </a:extLst>
+          </a:blip>
+          <a:stretch>
+            <a:fillRect/>
+          </a:stretch>
+        </p:blipFill>
+        <p:spPr>
+          <a:xfrm>
+            <a:off x="3766003" y="411123"/>
+            <a:ext cx="4876190" cy="4876190"/>
+          </a:xfrm>
+          <a:prstGeom prst="rect">
+            <a:avLst/>
+          </a:prstGeom>
+          <a:effectLst>
+            <a:softEdge rad="63500"/>
+          </a:effectLst>
+        </p:spPr>
+      </p:pic>
+      <p:sp>
+        <p:nvSpPr>
+          <p:cNvPr id="3" name="부제목 2"/>
+          <p:cNvSpPr>
+            <a:spLocks noGrp="1"/>
+          </p:cNvSpPr>
+          <p:nvPr>
+            <p:ph type="subTitle" idx="1"/>
+          </p:nvPr>
+        </p:nvSpPr>
+        <p:spPr>
+          <a:xfrm>
+            <a:off x="1409700" y="2197780"/>
+            <a:ext cx="9144000" cy="1655762"/>
+          </a:xfrm>
+        </p:spPr>
+        <p:txBody>
+          <a:bodyPr>
+            <a:normAutofit/>
+          </a:bodyPr>
+          <a:lstStyle/>
+          <a:p>
+            <a:endParaRPr lang="en-US" altLang="ko-KR" dirty="0"/>
+          </a:p>
+          <a:p>
+            <a:endParaRPr lang="en-US" altLang="ko-KR" dirty="0"/>
+          </a:p>
+          <a:p>
+            <a:endParaRPr lang="en-US" altLang="ko-KR" dirty="0"/>
+          </a:p>
+          <a:p>
+            <a:endParaRPr lang="ko-KR" altLang="en-US" dirty="0"/>
+          </a:p>
+        </p:txBody>
+      </p:sp>
+      <p:pic>
+        <p:nvPicPr>
+          <p:cNvPr id="5" name="그림 4"/>
+          <p:cNvPicPr>
+            <a:picLocks noChangeAspect="1"/>
+          </p:cNvPicPr>
+          <p:nvPr/>
+        </p:nvPicPr>
+        <p:blipFill>
+          <a:blip r:embed="rId3" cstate="print">
+            <a:extLst>
+              <a:ext uri="{28A0092B-C50C-407E-A947-70E740481C1C}">
+                <a14:useLocalDpi xmlns:a14="http://schemas.microsoft.com/office/drawing/2010/main" val="0"/>
+              </a:ext>
+            </a:extLst>
+          </a:blip>
+          <a:stretch>
+            <a:fillRect/>
+          </a:stretch>
+        </p:blipFill>
+        <p:spPr>
+          <a:xfrm>
+            <a:off x="10833916" y="5497889"/>
+            <a:ext cx="944221" cy="944221"/>
+          </a:xfrm>
+          <a:prstGeom prst="rect">
+            <a:avLst/>
+          </a:prstGeom>
+        </p:spPr>
+      </p:pic>
+      <p:pic>
+        <p:nvPicPr>
+          <p:cNvPr id="6" name="그림 5"/>
+          <p:cNvPicPr>
+            <a:picLocks noChangeAspect="1"/>
+          </p:cNvPicPr>
+          <p:nvPr/>
+        </p:nvPicPr>
+        <p:blipFill>
+          <a:blip r:embed="rId4" cstate="print">
+            <a:extLst>
+              <a:ext uri="{28A0092B-C50C-407E-A947-70E740481C1C}">
+                <a14:useLocalDpi xmlns:a14="http://schemas.microsoft.com/office/drawing/2010/main" val="0"/>
+              </a:ext>
+            </a:extLst>
+          </a:blip>
+          <a:stretch>
+            <a:fillRect/>
+          </a:stretch>
+        </p:blipFill>
+        <p:spPr>
+          <a:xfrm>
+            <a:off x="5572631" y="5515911"/>
+            <a:ext cx="966491" cy="966491"/>
+          </a:xfrm>
+          <a:prstGeom prst="rect">
+            <a:avLst/>
+          </a:prstGeom>
+        </p:spPr>
+      </p:pic>
+      <p:pic>
+        <p:nvPicPr>
+          <p:cNvPr id="12" name="그림 11"/>
+          <p:cNvPicPr>
+            <a:picLocks noChangeAspect="1"/>
+          </p:cNvPicPr>
+          <p:nvPr/>
+        </p:nvPicPr>
+        <p:blipFill>
+          <a:blip r:embed="rId5" cstate="print">
+            <a:extLst>
+              <a:ext uri="{28A0092B-C50C-407E-A947-70E740481C1C}">
+                <a14:useLocalDpi xmlns:a14="http://schemas.microsoft.com/office/drawing/2010/main" val="0"/>
+              </a:ext>
+            </a:extLst>
+          </a:blip>
+          <a:stretch>
+            <a:fillRect/>
+          </a:stretch>
+        </p:blipFill>
+        <p:spPr>
+          <a:xfrm>
+            <a:off x="3294651" y="5538181"/>
+            <a:ext cx="944221" cy="944221"/>
+          </a:xfrm>
+          <a:prstGeom prst="rect">
+            <a:avLst/>
+          </a:prstGeom>
+        </p:spPr>
+      </p:pic>
+      <p:pic>
+        <p:nvPicPr>
+          <p:cNvPr id="13" name="그림 12"/>
+          <p:cNvPicPr>
+            <a:picLocks noChangeAspect="1"/>
+          </p:cNvPicPr>
+          <p:nvPr/>
+        </p:nvPicPr>
+        <p:blipFill>
+          <a:blip r:embed="rId6" cstate="print">
+            <a:extLst>
+              <a:ext uri="{28A0092B-C50C-407E-A947-70E740481C1C}">
+                <a14:useLocalDpi xmlns:a14="http://schemas.microsoft.com/office/drawing/2010/main" val="0"/>
+              </a:ext>
+            </a:extLst>
+          </a:blip>
+          <a:stretch>
+            <a:fillRect/>
+          </a:stretch>
+        </p:blipFill>
+        <p:spPr>
+          <a:xfrm>
+            <a:off x="6663806" y="5497889"/>
+            <a:ext cx="984513" cy="984513"/>
+          </a:xfrm>
+          <a:prstGeom prst="rect">
+            <a:avLst/>
+          </a:prstGeom>
+        </p:spPr>
+      </p:pic>
+      <p:pic>
+        <p:nvPicPr>
+          <p:cNvPr id="14" name="그림 13"/>
+          <p:cNvPicPr>
+            <a:picLocks noChangeAspect="1"/>
+          </p:cNvPicPr>
+          <p:nvPr/>
+        </p:nvPicPr>
+        <p:blipFill>
+          <a:blip r:embed="rId7" cstate="print">
+            <a:extLst>
+              <a:ext uri="{28A0092B-C50C-407E-A947-70E740481C1C}">
+                <a14:useLocalDpi xmlns:a14="http://schemas.microsoft.com/office/drawing/2010/main" val="0"/>
+              </a:ext>
+            </a:extLst>
+          </a:blip>
+          <a:stretch>
+            <a:fillRect/>
+          </a:stretch>
+        </p:blipFill>
+        <p:spPr>
+          <a:xfrm>
+            <a:off x="2261299" y="5538181"/>
+            <a:ext cx="944221" cy="944221"/>
+          </a:xfrm>
+          <a:prstGeom prst="rect">
+            <a:avLst/>
+          </a:prstGeom>
+        </p:spPr>
+      </p:pic>
+      <p:pic>
+        <p:nvPicPr>
+          <p:cNvPr id="15" name="그림 14"/>
+          <p:cNvPicPr>
+            <a:picLocks noChangeAspect="1"/>
+          </p:cNvPicPr>
+          <p:nvPr/>
+        </p:nvPicPr>
+        <p:blipFill>
+          <a:blip r:embed="rId8" cstate="print">
+            <a:extLst>
+              <a:ext uri="{28A0092B-C50C-407E-A947-70E740481C1C}">
+                <a14:useLocalDpi xmlns:a14="http://schemas.microsoft.com/office/drawing/2010/main" val="0"/>
+              </a:ext>
+            </a:extLst>
+          </a:blip>
+          <a:stretch>
+            <a:fillRect/>
+          </a:stretch>
+        </p:blipFill>
+        <p:spPr>
+          <a:xfrm>
+            <a:off x="4433641" y="5538181"/>
+            <a:ext cx="944221" cy="944221"/>
+          </a:xfrm>
+          <a:prstGeom prst="rect">
+            <a:avLst/>
+          </a:prstGeom>
+        </p:spPr>
+      </p:pic>
+      <p:pic>
+        <p:nvPicPr>
+          <p:cNvPr id="16" name="그림 15"/>
+          <p:cNvPicPr>
+            <a:picLocks noChangeAspect="1"/>
+          </p:cNvPicPr>
+          <p:nvPr/>
+        </p:nvPicPr>
+        <p:blipFill>
+          <a:blip r:embed="rId9" cstate="print">
+            <a:extLst>
+              <a:ext uri="{28A0092B-C50C-407E-A947-70E740481C1C}">
+                <a14:useLocalDpi xmlns:a14="http://schemas.microsoft.com/office/drawing/2010/main" val="0"/>
+              </a:ext>
+            </a:extLst>
+          </a:blip>
+          <a:stretch>
+            <a:fillRect/>
+          </a:stretch>
+        </p:blipFill>
+        <p:spPr>
+          <a:xfrm>
+            <a:off x="7823375" y="5512998"/>
+            <a:ext cx="941810" cy="941810"/>
+          </a:xfrm>
+          <a:prstGeom prst="rect">
+            <a:avLst/>
+          </a:prstGeom>
+        </p:spPr>
+      </p:pic>
+      <p:sp>
+        <p:nvSpPr>
+          <p:cNvPr id="18" name="직사각형 17"/>
+          <p:cNvSpPr/>
+          <p:nvPr/>
+        </p:nvSpPr>
+        <p:spPr>
+          <a:xfrm>
+            <a:off x="324096" y="299675"/>
+            <a:ext cx="2881424" cy="669851"/>
+          </a:xfrm>
+          <a:prstGeom prst="rect">
+            <a:avLst/>
+          </a:prstGeom>
+          <a:solidFill>
+            <a:schemeClr val="bg1"/>
+          </a:solidFill>
+          <a:ln>
+            <a:solidFill>
+              <a:schemeClr val="tx1"/>
+            </a:solidFill>
+          </a:ln>
+        </p:spPr>
+        <p:style>
+          <a:lnRef idx="2">
+            <a:schemeClr val="accent1">
+              <a:shade val="50000"/>
+            </a:schemeClr>
+          </a:lnRef>
+          <a:fillRef idx="1">
+            <a:schemeClr val="accent1"/>
+          </a:fillRef>
+          <a:effectRef idx="0">
+            <a:schemeClr val="accent1"/>
+          </a:effectRef>
+          <a:fontRef idx="minor">
+            <a:schemeClr val="lt1"/>
+          </a:fontRef>
+        </p:style>
+        <p:txBody>
+          <a:bodyPr rtlCol="0" anchor="ctr"/>
+          <a:lstStyle/>
+          <a:p>
+            <a:pPr algn="ctr"/>
+            <a:r>
+              <a:rPr lang="ko-KR" altLang="en-US" b="1">
+                <a:solidFill>
+                  <a:schemeClr val="tx1"/>
+                </a:solidFill>
+              </a:rPr>
+              <a:t>대본 리스트</a:t>
+            </a:r>
+          </a:p>
+        </p:txBody>
+      </p:sp>
+      <p:pic>
+        <p:nvPicPr>
+          <p:cNvPr id="2" name="그림 1"/>
+          <p:cNvPicPr>
+            <a:picLocks noChangeAspect="1"/>
+          </p:cNvPicPr>
+          <p:nvPr/>
+        </p:nvPicPr>
+        <p:blipFill>
+          <a:blip r:embed="rId10" cstate="print">
+            <a:extLst>
+              <a:ext uri="{28A0092B-C50C-407E-A947-70E740481C1C}">
+                <a14:useLocalDpi xmlns:a14="http://schemas.microsoft.com/office/drawing/2010/main" val="0"/>
+              </a:ext>
+            </a:extLst>
+          </a:blip>
+          <a:stretch>
+            <a:fillRect/>
+          </a:stretch>
+        </p:blipFill>
+        <p:spPr>
+          <a:xfrm>
+            <a:off x="192344" y="5512998"/>
+            <a:ext cx="969404" cy="969404"/>
+          </a:xfrm>
+          <a:prstGeom prst="rect">
+            <a:avLst/>
+          </a:prstGeom>
+        </p:spPr>
+      </p:pic>
+      <p:pic>
+        <p:nvPicPr>
+          <p:cNvPr id="7" name="그림 6"/>
+          <p:cNvPicPr>
+            <a:picLocks noChangeAspect="1"/>
+          </p:cNvPicPr>
+          <p:nvPr/>
+        </p:nvPicPr>
+        <p:blipFill>
+          <a:blip r:embed="rId11" cstate="print">
+            <a:extLst>
+              <a:ext uri="{28A0092B-C50C-407E-A947-70E740481C1C}">
+                <a14:useLocalDpi xmlns:a14="http://schemas.microsoft.com/office/drawing/2010/main" val="0"/>
+              </a:ext>
+            </a:extLst>
+          </a:blip>
+          <a:stretch>
+            <a:fillRect/>
+          </a:stretch>
+        </p:blipFill>
+        <p:spPr>
+          <a:xfrm>
+            <a:off x="1239690" y="5538181"/>
+            <a:ext cx="945618" cy="945618"/>
+          </a:xfrm>
+          <a:prstGeom prst="rect">
+            <a:avLst/>
+          </a:prstGeom>
+        </p:spPr>
+      </p:pic>
+      <p:sp>
+        <p:nvSpPr>
+          <p:cNvPr id="8" name="직사각형 7"/>
+          <p:cNvSpPr/>
+          <p:nvPr/>
+        </p:nvSpPr>
+        <p:spPr>
+          <a:xfrm>
+            <a:off x="0" y="5287313"/>
+            <a:ext cx="9005777" cy="191386"/>
+          </a:xfrm>
+          <a:prstGeom prst="rect">
+            <a:avLst/>
+          </a:prstGeom>
+          <a:solidFill>
+            <a:schemeClr val="tx1"/>
+          </a:solidFill>
+          <a:ln>
+            <a:solidFill>
+              <a:schemeClr val="bg1"/>
+            </a:solidFill>
+          </a:ln>
+        </p:spPr>
+        <p:style>
+          <a:lnRef idx="2">
+            <a:schemeClr val="accent1">
+              <a:shade val="50000"/>
+            </a:schemeClr>
+          </a:lnRef>
+          <a:fillRef idx="1">
+            <a:schemeClr val="accent1"/>
+          </a:fillRef>
+          <a:effectRef idx="0">
+            <a:schemeClr val="accent1"/>
+          </a:effectRef>
+          <a:fontRef idx="minor">
+            <a:schemeClr val="lt1"/>
+          </a:fontRef>
+        </p:style>
+        <p:txBody>
+          <a:bodyPr rtlCol="0" anchor="ctr"/>
+          <a:lstStyle/>
+          <a:p>
+            <a:pPr algn="ctr"/>
+            <a:endParaRPr lang="ko-KR" altLang="en-US"/>
+          </a:p>
+        </p:txBody>
+      </p:sp>
+      <p:sp>
+        <p:nvSpPr>
+          <p:cNvPr id="20" name="직사각형 19"/>
+          <p:cNvSpPr/>
+          <p:nvPr/>
+        </p:nvSpPr>
+        <p:spPr>
+          <a:xfrm>
+            <a:off x="9202676" y="273285"/>
+            <a:ext cx="2881424" cy="669851"/>
+          </a:xfrm>
+          <a:prstGeom prst="rect">
+            <a:avLst/>
+          </a:prstGeom>
+          <a:solidFill>
+            <a:schemeClr val="bg1"/>
+          </a:solidFill>
+          <a:ln>
+            <a:solidFill>
+              <a:schemeClr val="tx1"/>
+            </a:solidFill>
+          </a:ln>
+        </p:spPr>
+        <p:style>
+          <a:lnRef idx="2">
+            <a:schemeClr val="accent1">
+              <a:shade val="50000"/>
+            </a:schemeClr>
+          </a:lnRef>
+          <a:fillRef idx="1">
+            <a:schemeClr val="accent1"/>
+          </a:fillRef>
+          <a:effectRef idx="0">
+            <a:schemeClr val="accent1"/>
+          </a:effectRef>
+          <a:fontRef idx="minor">
+            <a:schemeClr val="lt1"/>
+          </a:fontRef>
+        </p:style>
+        <p:txBody>
+          <a:bodyPr rtlCol="0" anchor="ctr"/>
+          <a:lstStyle/>
+          <a:p>
+            <a:pPr algn="ctr"/>
+            <a:r>
+              <a:rPr lang="ko-KR" altLang="en-US" b="1">
+                <a:solidFill>
+                  <a:schemeClr val="tx1"/>
+                </a:solidFill>
+              </a:rPr>
+              <a:t>플레이 리스트</a:t>
+            </a:r>
+          </a:p>
+        </p:txBody>
+      </p:sp>
+      <p:sp>
+        <p:nvSpPr>
+          <p:cNvPr id="21" name="모서리가 둥근 직사각형 20"/>
+          <p:cNvSpPr/>
+          <p:nvPr/>
+        </p:nvSpPr>
+        <p:spPr>
+          <a:xfrm>
+            <a:off x="78685" y="1084232"/>
+            <a:ext cx="4632177" cy="765316"/>
+          </a:xfrm>
+          <a:prstGeom prst="roundRect">
+            <a:avLst/>
+          </a:prstGeom>
+          <a:solidFill>
+            <a:schemeClr val="bg1"/>
+          </a:solidFill>
+          <a:ln>
+            <a:solidFill>
+              <a:schemeClr val="tx1"/>
+            </a:solidFill>
+          </a:ln>
+        </p:spPr>
+        <p:style>
+          <a:lnRef idx="2">
+            <a:schemeClr val="accent1">
+              <a:shade val="50000"/>
+            </a:schemeClr>
+          </a:lnRef>
+          <a:fillRef idx="1">
+            <a:schemeClr val="accent1"/>
+          </a:fillRef>
+          <a:effectRef idx="0">
+            <a:schemeClr val="accent1"/>
+          </a:effectRef>
+          <a:fontRef idx="minor">
+            <a:schemeClr val="lt1"/>
+          </a:fontRef>
+        </p:style>
+        <p:txBody>
+          <a:bodyPr rtlCol="0" anchor="ctr"/>
+          <a:lstStyle/>
+          <a:p>
+            <a:pPr algn="ctr"/>
+            <a:r>
+              <a:rPr lang="ko-KR" altLang="en-US" sz="3200" b="1">
+                <a:solidFill>
+                  <a:schemeClr val="tx1"/>
+                </a:solidFill>
+              </a:rPr>
+              <a:t>재생 목록 있는 대본</a:t>
+            </a:r>
+            <a:endParaRPr lang="ko-KR" altLang="en-US" sz="3200" b="1" dirty="0">
+              <a:solidFill>
+                <a:schemeClr val="tx1"/>
+              </a:solidFill>
+            </a:endParaRPr>
+          </a:p>
+        </p:txBody>
+      </p:sp>
+      <p:sp>
+        <p:nvSpPr>
+          <p:cNvPr id="23" name="모서리가 둥근 직사각형 22"/>
+          <p:cNvSpPr/>
+          <p:nvPr/>
+        </p:nvSpPr>
+        <p:spPr>
+          <a:xfrm>
+            <a:off x="78685" y="1857588"/>
+            <a:ext cx="4632177" cy="765316"/>
+          </a:xfrm>
+          <a:prstGeom prst="roundRect">
+            <a:avLst/>
+          </a:prstGeom>
+          <a:solidFill>
+            <a:schemeClr val="bg1"/>
+          </a:solidFill>
+          <a:ln>
+            <a:solidFill>
+              <a:schemeClr val="tx1"/>
+            </a:solidFill>
+          </a:ln>
+        </p:spPr>
+        <p:style>
+          <a:lnRef idx="2">
+            <a:schemeClr val="accent1">
+              <a:shade val="50000"/>
+            </a:schemeClr>
+          </a:lnRef>
+          <a:fillRef idx="1">
+            <a:schemeClr val="accent1"/>
+          </a:fillRef>
+          <a:effectRef idx="0">
+            <a:schemeClr val="accent1"/>
+          </a:effectRef>
+          <a:fontRef idx="minor">
+            <a:schemeClr val="lt1"/>
+          </a:fontRef>
+        </p:style>
+        <p:txBody>
+          <a:bodyPr rtlCol="0" anchor="ctr"/>
+          <a:lstStyle/>
+          <a:p>
+            <a:pPr algn="ctr"/>
+            <a:r>
+              <a:rPr lang="ko-KR" altLang="en-US" sz="3200" b="1">
+                <a:solidFill>
+                  <a:schemeClr val="tx1"/>
+                </a:solidFill>
+              </a:rPr>
+              <a:t>재생 목록 있는 대본</a:t>
+            </a:r>
+            <a:endParaRPr lang="ko-KR" altLang="en-US" sz="3200" b="1" dirty="0">
+              <a:solidFill>
+                <a:schemeClr val="tx1"/>
+              </a:solidFill>
+            </a:endParaRPr>
+          </a:p>
+        </p:txBody>
+      </p:sp>
+      <p:sp>
+        <p:nvSpPr>
+          <p:cNvPr id="24" name="모서리가 둥근 직사각형 23"/>
+          <p:cNvSpPr/>
+          <p:nvPr/>
+        </p:nvSpPr>
+        <p:spPr>
+          <a:xfrm>
+            <a:off x="78685" y="2631785"/>
+            <a:ext cx="4632177" cy="765316"/>
+          </a:xfrm>
+          <a:prstGeom prst="roundRect">
+            <a:avLst/>
+          </a:prstGeom>
+          <a:solidFill>
+            <a:schemeClr val="bg1">
+              <a:lumMod val="85000"/>
+            </a:schemeClr>
+          </a:solidFill>
+          <a:ln>
+            <a:solidFill>
+              <a:schemeClr val="tx1"/>
+            </a:solidFill>
+          </a:ln>
+        </p:spPr>
+        <p:style>
+          <a:lnRef idx="2">
+            <a:schemeClr val="accent1">
+              <a:shade val="50000"/>
+            </a:schemeClr>
+          </a:lnRef>
+          <a:fillRef idx="1">
+            <a:schemeClr val="accent1"/>
+          </a:fillRef>
+          <a:effectRef idx="0">
+            <a:schemeClr val="accent1"/>
+          </a:effectRef>
+          <a:fontRef idx="minor">
+            <a:schemeClr val="lt1"/>
+          </a:fontRef>
+        </p:style>
+        <p:txBody>
+          <a:bodyPr rtlCol="0" anchor="ctr"/>
+          <a:lstStyle/>
+          <a:p>
+            <a:pPr algn="ctr"/>
+            <a:r>
+              <a:rPr lang="ko-KR" altLang="en-US" sz="3200" b="1"/>
+              <a:t>재생 목록 없는 대본</a:t>
+            </a:r>
+            <a:endParaRPr lang="ko-KR" altLang="en-US" sz="3200" b="1" dirty="0"/>
+          </a:p>
+        </p:txBody>
+      </p:sp>
+      <p:sp>
+        <p:nvSpPr>
+          <p:cNvPr id="25" name="모서리가 둥근 직사각형 24"/>
+          <p:cNvSpPr/>
+          <p:nvPr/>
+        </p:nvSpPr>
+        <p:spPr>
+          <a:xfrm>
+            <a:off x="78684" y="3416615"/>
+            <a:ext cx="4632177" cy="765316"/>
+          </a:xfrm>
+          <a:prstGeom prst="roundRect">
+            <a:avLst/>
+          </a:prstGeom>
+          <a:solidFill>
+            <a:schemeClr val="bg1"/>
+          </a:solidFill>
+          <a:ln>
+            <a:solidFill>
+              <a:schemeClr val="tx1"/>
+            </a:solidFill>
+          </a:ln>
+        </p:spPr>
+        <p:style>
+          <a:lnRef idx="2">
+            <a:schemeClr val="accent1">
+              <a:shade val="50000"/>
+            </a:schemeClr>
+          </a:lnRef>
+          <a:fillRef idx="1">
+            <a:schemeClr val="accent1"/>
+          </a:fillRef>
+          <a:effectRef idx="0">
+            <a:schemeClr val="accent1"/>
+          </a:effectRef>
+          <a:fontRef idx="minor">
+            <a:schemeClr val="lt1"/>
+          </a:fontRef>
+        </p:style>
+        <p:txBody>
+          <a:bodyPr rtlCol="0" anchor="ctr"/>
+          <a:lstStyle/>
+          <a:p>
+            <a:pPr algn="ctr"/>
+            <a:r>
+              <a:rPr lang="ko-KR" altLang="en-US" sz="3200" b="1">
+                <a:solidFill>
+                  <a:schemeClr val="tx1"/>
+                </a:solidFill>
+              </a:rPr>
+              <a:t>재생 목록 있는 대본</a:t>
+            </a:r>
+            <a:endParaRPr lang="ko-KR" altLang="en-US" sz="3200" b="1" dirty="0">
+              <a:solidFill>
+                <a:schemeClr val="tx1"/>
+              </a:solidFill>
+            </a:endParaRPr>
+          </a:p>
+        </p:txBody>
+      </p:sp>
+      <p:pic>
+        <p:nvPicPr>
+          <p:cNvPr id="26" name="그림 25"/>
+          <p:cNvPicPr>
+            <a:picLocks noChangeAspect="1"/>
+          </p:cNvPicPr>
+          <p:nvPr/>
+        </p:nvPicPr>
+        <p:blipFill>
+          <a:blip r:embed="rId12" cstate="print">
+            <a:extLst>
+              <a:ext uri="{28A0092B-C50C-407E-A947-70E740481C1C}">
+                <a14:useLocalDpi xmlns:a14="http://schemas.microsoft.com/office/drawing/2010/main" val="0"/>
+              </a:ext>
+            </a:extLst>
+          </a:blip>
+          <a:stretch>
+            <a:fillRect/>
+          </a:stretch>
+        </p:blipFill>
+        <p:spPr>
+          <a:xfrm>
+            <a:off x="4255511" y="2005063"/>
+            <a:ext cx="794352" cy="794352"/>
+          </a:xfrm>
+          <a:prstGeom prst="rect">
+            <a:avLst/>
+          </a:prstGeom>
+        </p:spPr>
+      </p:pic>
+    </p:spTree>
+    <p:extLst>
+      <p:ext uri="{BB962C8B-B14F-4D97-AF65-F5344CB8AC3E}">
+        <p14:creationId xmlns:p14="http://schemas.microsoft.com/office/powerpoint/2010/main" val="2636303275"/>
+      </p:ext>
+    </p:extLst>
+  </p:cSld>
+  <p:clrMapOvr>
+    <a:masterClrMapping/>
+  </p:clrMapOvr>
+</p:sld>
+</file>
+
+<file path=ppt/slides/slide24.xml><?xml version="1.0" encoding="utf-8"?>
+<p:sld xmlns:a="http://schemas.openxmlformats.org/drawingml/2006/main" xmlns:r="http://schemas.openxmlformats.org/officeDocument/2006/relationships" xmlns:p="http://schemas.openxmlformats.org/presentationml/2006/main">
+  <p:cSld>
+    <p:spTree>
+      <p:nvGrpSpPr>
+        <p:cNvPr id="1" name=""/>
+        <p:cNvGrpSpPr/>
+        <p:nvPr/>
+      </p:nvGrpSpPr>
+      <p:grpSpPr>
+        <a:xfrm>
+          <a:off x="0" y="0"/>
+          <a:ext cx="0" cy="0"/>
+          <a:chOff x="0" y="0"/>
+          <a:chExt cx="0" cy="0"/>
+        </a:xfrm>
+      </p:grpSpPr>
+      <p:sp>
+        <p:nvSpPr>
+          <p:cNvPr id="17" name="직사각형 16"/>
+          <p:cNvSpPr/>
+          <p:nvPr/>
+        </p:nvSpPr>
+        <p:spPr>
+          <a:xfrm>
+            <a:off x="9005777" y="0"/>
+            <a:ext cx="3186223" cy="6858000"/>
+          </a:xfrm>
+          <a:prstGeom prst="rect">
+            <a:avLst/>
+          </a:prstGeom>
+          <a:solidFill>
+            <a:schemeClr val="bg1">
+              <a:lumMod val="95000"/>
+            </a:schemeClr>
+          </a:solidFill>
+          <a:ln>
+            <a:solidFill>
+              <a:schemeClr val="tx1"/>
+            </a:solidFill>
+          </a:ln>
+        </p:spPr>
+        <p:style>
+          <a:lnRef idx="2">
+            <a:schemeClr val="accent1">
+              <a:shade val="50000"/>
+            </a:schemeClr>
+          </a:lnRef>
+          <a:fillRef idx="1">
+            <a:schemeClr val="accent1"/>
+          </a:fillRef>
+          <a:effectRef idx="0">
+            <a:schemeClr val="accent1"/>
+          </a:effectRef>
+          <a:fontRef idx="minor">
+            <a:schemeClr val="lt1"/>
+          </a:fontRef>
+        </p:style>
+        <p:txBody>
+          <a:bodyPr rtlCol="0" anchor="ctr"/>
+          <a:lstStyle/>
+          <a:p>
+            <a:pPr algn="ctr"/>
+            <a:endParaRPr lang="ko-KR" altLang="en-US" sz="3200" b="1">
+              <a:solidFill>
+                <a:schemeClr val="tx1"/>
+              </a:solidFill>
+            </a:endParaRPr>
+          </a:p>
+        </p:txBody>
+      </p:sp>
+      <p:pic>
+        <p:nvPicPr>
+          <p:cNvPr id="4" name="그림 3"/>
+          <p:cNvPicPr>
+            <a:picLocks noChangeAspect="1"/>
+          </p:cNvPicPr>
+          <p:nvPr/>
+        </p:nvPicPr>
+        <p:blipFill>
+          <a:blip r:embed="rId2">
+            <a:extLst>
+              <a:ext uri="{28A0092B-C50C-407E-A947-70E740481C1C}">
+                <a14:useLocalDpi xmlns:a14="http://schemas.microsoft.com/office/drawing/2010/main" val="0"/>
+              </a:ext>
+            </a:extLst>
+          </a:blip>
+          <a:stretch>
+            <a:fillRect/>
+          </a:stretch>
+        </p:blipFill>
+        <p:spPr>
+          <a:xfrm>
+            <a:off x="3766003" y="411123"/>
+            <a:ext cx="4876190" cy="4876190"/>
+          </a:xfrm>
+          <a:prstGeom prst="rect">
+            <a:avLst/>
+          </a:prstGeom>
+          <a:effectLst>
+            <a:softEdge rad="63500"/>
+          </a:effectLst>
+        </p:spPr>
+      </p:pic>
+      <p:sp>
+        <p:nvSpPr>
+          <p:cNvPr id="3" name="부제목 2"/>
+          <p:cNvSpPr>
+            <a:spLocks noGrp="1"/>
+          </p:cNvSpPr>
+          <p:nvPr>
+            <p:ph type="subTitle" idx="1"/>
+          </p:nvPr>
+        </p:nvSpPr>
+        <p:spPr>
+          <a:xfrm>
+            <a:off x="1409700" y="2197780"/>
+            <a:ext cx="9144000" cy="1655762"/>
+          </a:xfrm>
+        </p:spPr>
+        <p:txBody>
+          <a:bodyPr>
+            <a:normAutofit/>
+          </a:bodyPr>
+          <a:lstStyle/>
+          <a:p>
+            <a:endParaRPr lang="en-US" altLang="ko-KR" dirty="0"/>
+          </a:p>
+          <a:p>
+            <a:endParaRPr lang="en-US" altLang="ko-KR" dirty="0"/>
+          </a:p>
+          <a:p>
+            <a:endParaRPr lang="en-US" altLang="ko-KR" dirty="0"/>
+          </a:p>
+          <a:p>
+            <a:endParaRPr lang="ko-KR" altLang="en-US" dirty="0"/>
+          </a:p>
+        </p:txBody>
+      </p:sp>
+      <p:pic>
+        <p:nvPicPr>
+          <p:cNvPr id="5" name="그림 4"/>
+          <p:cNvPicPr>
+            <a:picLocks noChangeAspect="1"/>
+          </p:cNvPicPr>
+          <p:nvPr/>
+        </p:nvPicPr>
+        <p:blipFill>
+          <a:blip r:embed="rId3" cstate="print">
+            <a:extLst>
+              <a:ext uri="{28A0092B-C50C-407E-A947-70E740481C1C}">
+                <a14:useLocalDpi xmlns:a14="http://schemas.microsoft.com/office/drawing/2010/main" val="0"/>
+              </a:ext>
+            </a:extLst>
+          </a:blip>
+          <a:stretch>
+            <a:fillRect/>
+          </a:stretch>
+        </p:blipFill>
+        <p:spPr>
+          <a:xfrm>
+            <a:off x="10833916" y="5497889"/>
+            <a:ext cx="944221" cy="944221"/>
+          </a:xfrm>
+          <a:prstGeom prst="rect">
+            <a:avLst/>
+          </a:prstGeom>
+        </p:spPr>
+      </p:pic>
+      <p:pic>
+        <p:nvPicPr>
+          <p:cNvPr id="6" name="그림 5"/>
+          <p:cNvPicPr>
+            <a:picLocks noChangeAspect="1"/>
+          </p:cNvPicPr>
+          <p:nvPr/>
+        </p:nvPicPr>
+        <p:blipFill>
+          <a:blip r:embed="rId4" cstate="print">
+            <a:extLst>
+              <a:ext uri="{28A0092B-C50C-407E-A947-70E740481C1C}">
+                <a14:useLocalDpi xmlns:a14="http://schemas.microsoft.com/office/drawing/2010/main" val="0"/>
+              </a:ext>
+            </a:extLst>
+          </a:blip>
+          <a:stretch>
+            <a:fillRect/>
+          </a:stretch>
+        </p:blipFill>
+        <p:spPr>
+          <a:xfrm>
+            <a:off x="5572631" y="5515911"/>
+            <a:ext cx="966491" cy="966491"/>
+          </a:xfrm>
+          <a:prstGeom prst="rect">
+            <a:avLst/>
+          </a:prstGeom>
+        </p:spPr>
+      </p:pic>
+      <p:pic>
+        <p:nvPicPr>
+          <p:cNvPr id="12" name="그림 11"/>
+          <p:cNvPicPr>
+            <a:picLocks noChangeAspect="1"/>
+          </p:cNvPicPr>
+          <p:nvPr/>
+        </p:nvPicPr>
+        <p:blipFill>
+          <a:blip r:embed="rId5" cstate="print">
+            <a:extLst>
+              <a:ext uri="{28A0092B-C50C-407E-A947-70E740481C1C}">
+                <a14:useLocalDpi xmlns:a14="http://schemas.microsoft.com/office/drawing/2010/main" val="0"/>
+              </a:ext>
+            </a:extLst>
+          </a:blip>
+          <a:stretch>
+            <a:fillRect/>
+          </a:stretch>
+        </p:blipFill>
+        <p:spPr>
+          <a:xfrm>
+            <a:off x="3294651" y="5538181"/>
+            <a:ext cx="944221" cy="944221"/>
+          </a:xfrm>
+          <a:prstGeom prst="rect">
+            <a:avLst/>
+          </a:prstGeom>
+        </p:spPr>
+      </p:pic>
+      <p:pic>
+        <p:nvPicPr>
+          <p:cNvPr id="13" name="그림 12"/>
+          <p:cNvPicPr>
+            <a:picLocks noChangeAspect="1"/>
+          </p:cNvPicPr>
+          <p:nvPr/>
+        </p:nvPicPr>
+        <p:blipFill>
+          <a:blip r:embed="rId6" cstate="print">
+            <a:extLst>
+              <a:ext uri="{28A0092B-C50C-407E-A947-70E740481C1C}">
+                <a14:useLocalDpi xmlns:a14="http://schemas.microsoft.com/office/drawing/2010/main" val="0"/>
+              </a:ext>
+            </a:extLst>
+          </a:blip>
+          <a:stretch>
+            <a:fillRect/>
+          </a:stretch>
+        </p:blipFill>
+        <p:spPr>
+          <a:xfrm>
+            <a:off x="6663806" y="5497889"/>
+            <a:ext cx="984513" cy="984513"/>
+          </a:xfrm>
+          <a:prstGeom prst="rect">
+            <a:avLst/>
+          </a:prstGeom>
+        </p:spPr>
+      </p:pic>
+      <p:pic>
+        <p:nvPicPr>
+          <p:cNvPr id="14" name="그림 13"/>
+          <p:cNvPicPr>
+            <a:picLocks noChangeAspect="1"/>
+          </p:cNvPicPr>
+          <p:nvPr/>
+        </p:nvPicPr>
+        <p:blipFill>
+          <a:blip r:embed="rId7" cstate="print">
+            <a:extLst>
+              <a:ext uri="{28A0092B-C50C-407E-A947-70E740481C1C}">
+                <a14:useLocalDpi xmlns:a14="http://schemas.microsoft.com/office/drawing/2010/main" val="0"/>
+              </a:ext>
+            </a:extLst>
+          </a:blip>
+          <a:stretch>
+            <a:fillRect/>
+          </a:stretch>
+        </p:blipFill>
+        <p:spPr>
+          <a:xfrm>
+            <a:off x="2261299" y="5538181"/>
+            <a:ext cx="944221" cy="944221"/>
+          </a:xfrm>
+          <a:prstGeom prst="rect">
+            <a:avLst/>
+          </a:prstGeom>
+        </p:spPr>
+      </p:pic>
+      <p:pic>
+        <p:nvPicPr>
+          <p:cNvPr id="15" name="그림 14"/>
+          <p:cNvPicPr>
+            <a:picLocks noChangeAspect="1"/>
+          </p:cNvPicPr>
+          <p:nvPr/>
+        </p:nvPicPr>
+        <p:blipFill>
+          <a:blip r:embed="rId8" cstate="print">
+            <a:extLst>
+              <a:ext uri="{28A0092B-C50C-407E-A947-70E740481C1C}">
+                <a14:useLocalDpi xmlns:a14="http://schemas.microsoft.com/office/drawing/2010/main" val="0"/>
+              </a:ext>
+            </a:extLst>
+          </a:blip>
+          <a:stretch>
+            <a:fillRect/>
+          </a:stretch>
+        </p:blipFill>
+        <p:spPr>
+          <a:xfrm>
+            <a:off x="4433641" y="5538181"/>
+            <a:ext cx="944221" cy="944221"/>
+          </a:xfrm>
+          <a:prstGeom prst="rect">
+            <a:avLst/>
+          </a:prstGeom>
+        </p:spPr>
+      </p:pic>
+      <p:pic>
+        <p:nvPicPr>
+          <p:cNvPr id="16" name="그림 15"/>
+          <p:cNvPicPr>
+            <a:picLocks noChangeAspect="1"/>
+          </p:cNvPicPr>
+          <p:nvPr/>
+        </p:nvPicPr>
+        <p:blipFill>
+          <a:blip r:embed="rId9" cstate="print">
+            <a:extLst>
+              <a:ext uri="{28A0092B-C50C-407E-A947-70E740481C1C}">
+                <a14:useLocalDpi xmlns:a14="http://schemas.microsoft.com/office/drawing/2010/main" val="0"/>
+              </a:ext>
+            </a:extLst>
+          </a:blip>
+          <a:stretch>
+            <a:fillRect/>
+          </a:stretch>
+        </p:blipFill>
+        <p:spPr>
+          <a:xfrm>
+            <a:off x="7823375" y="5512998"/>
+            <a:ext cx="941810" cy="941810"/>
+          </a:xfrm>
+          <a:prstGeom prst="rect">
+            <a:avLst/>
+          </a:prstGeom>
+        </p:spPr>
+      </p:pic>
+      <p:sp>
+        <p:nvSpPr>
+          <p:cNvPr id="18" name="직사각형 17"/>
+          <p:cNvSpPr/>
+          <p:nvPr/>
+        </p:nvSpPr>
+        <p:spPr>
+          <a:xfrm>
+            <a:off x="324096" y="299675"/>
+            <a:ext cx="2881424" cy="669851"/>
+          </a:xfrm>
+          <a:prstGeom prst="rect">
+            <a:avLst/>
+          </a:prstGeom>
+          <a:solidFill>
+            <a:schemeClr val="bg1"/>
+          </a:solidFill>
+          <a:ln>
+            <a:solidFill>
+              <a:schemeClr val="tx1"/>
+            </a:solidFill>
+          </a:ln>
+        </p:spPr>
+        <p:style>
+          <a:lnRef idx="2">
+            <a:schemeClr val="accent1">
+              <a:shade val="50000"/>
+            </a:schemeClr>
+          </a:lnRef>
+          <a:fillRef idx="1">
+            <a:schemeClr val="accent1"/>
+          </a:fillRef>
+          <a:effectRef idx="0">
+            <a:schemeClr val="accent1"/>
+          </a:effectRef>
+          <a:fontRef idx="minor">
+            <a:schemeClr val="lt1"/>
+          </a:fontRef>
+        </p:style>
+        <p:txBody>
+          <a:bodyPr rtlCol="0" anchor="ctr"/>
+          <a:lstStyle/>
+          <a:p>
+            <a:pPr algn="ctr"/>
+            <a:r>
+              <a:rPr lang="ko-KR" altLang="en-US" b="1">
+                <a:solidFill>
+                  <a:schemeClr val="tx1"/>
+                </a:solidFill>
+              </a:rPr>
+              <a:t>대본 리스트</a:t>
+            </a:r>
+          </a:p>
+        </p:txBody>
+      </p:sp>
+      <p:pic>
+        <p:nvPicPr>
+          <p:cNvPr id="2" name="그림 1"/>
+          <p:cNvPicPr>
+            <a:picLocks noChangeAspect="1"/>
+          </p:cNvPicPr>
+          <p:nvPr/>
+        </p:nvPicPr>
+        <p:blipFill>
+          <a:blip r:embed="rId10" cstate="print">
+            <a:extLst>
+              <a:ext uri="{28A0092B-C50C-407E-A947-70E740481C1C}">
+                <a14:useLocalDpi xmlns:a14="http://schemas.microsoft.com/office/drawing/2010/main" val="0"/>
+              </a:ext>
+            </a:extLst>
+          </a:blip>
+          <a:stretch>
+            <a:fillRect/>
+          </a:stretch>
+        </p:blipFill>
+        <p:spPr>
+          <a:xfrm>
+            <a:off x="192344" y="5512998"/>
+            <a:ext cx="969404" cy="969404"/>
+          </a:xfrm>
+          <a:prstGeom prst="rect">
+            <a:avLst/>
+          </a:prstGeom>
+        </p:spPr>
+      </p:pic>
+      <p:pic>
+        <p:nvPicPr>
+          <p:cNvPr id="7" name="그림 6"/>
+          <p:cNvPicPr>
+            <a:picLocks noChangeAspect="1"/>
+          </p:cNvPicPr>
+          <p:nvPr/>
+        </p:nvPicPr>
+        <p:blipFill>
+          <a:blip r:embed="rId11" cstate="print">
+            <a:extLst>
+              <a:ext uri="{28A0092B-C50C-407E-A947-70E740481C1C}">
+                <a14:useLocalDpi xmlns:a14="http://schemas.microsoft.com/office/drawing/2010/main" val="0"/>
+              </a:ext>
+            </a:extLst>
+          </a:blip>
+          <a:stretch>
+            <a:fillRect/>
+          </a:stretch>
+        </p:blipFill>
+        <p:spPr>
+          <a:xfrm>
+            <a:off x="1239690" y="5538181"/>
+            <a:ext cx="945618" cy="945618"/>
+          </a:xfrm>
+          <a:prstGeom prst="rect">
+            <a:avLst/>
+          </a:prstGeom>
+        </p:spPr>
+      </p:pic>
+      <p:sp>
+        <p:nvSpPr>
+          <p:cNvPr id="8" name="직사각형 7"/>
+          <p:cNvSpPr/>
+          <p:nvPr/>
+        </p:nvSpPr>
+        <p:spPr>
+          <a:xfrm>
+            <a:off x="0" y="5287313"/>
+            <a:ext cx="9005777" cy="191386"/>
+          </a:xfrm>
+          <a:prstGeom prst="rect">
+            <a:avLst/>
+          </a:prstGeom>
+          <a:solidFill>
+            <a:schemeClr val="tx1"/>
+          </a:solidFill>
+          <a:ln>
+            <a:solidFill>
+              <a:schemeClr val="bg1"/>
+            </a:solidFill>
+          </a:ln>
+        </p:spPr>
+        <p:style>
+          <a:lnRef idx="2">
+            <a:schemeClr val="accent1">
+              <a:shade val="50000"/>
+            </a:schemeClr>
+          </a:lnRef>
+          <a:fillRef idx="1">
+            <a:schemeClr val="accent1"/>
+          </a:fillRef>
+          <a:effectRef idx="0">
+            <a:schemeClr val="accent1"/>
+          </a:effectRef>
+          <a:fontRef idx="minor">
+            <a:schemeClr val="lt1"/>
+          </a:fontRef>
+        </p:style>
+        <p:txBody>
+          <a:bodyPr rtlCol="0" anchor="ctr"/>
+          <a:lstStyle/>
+          <a:p>
+            <a:pPr algn="ctr"/>
+            <a:endParaRPr lang="ko-KR" altLang="en-US"/>
+          </a:p>
+        </p:txBody>
+      </p:sp>
+      <p:sp>
+        <p:nvSpPr>
+          <p:cNvPr id="20" name="직사각형 19"/>
+          <p:cNvSpPr/>
+          <p:nvPr/>
+        </p:nvSpPr>
+        <p:spPr>
+          <a:xfrm>
+            <a:off x="9202676" y="273285"/>
+            <a:ext cx="2881424" cy="669851"/>
+          </a:xfrm>
+          <a:prstGeom prst="rect">
+            <a:avLst/>
+          </a:prstGeom>
+          <a:solidFill>
+            <a:schemeClr val="bg1"/>
+          </a:solidFill>
+          <a:ln>
+            <a:solidFill>
+              <a:schemeClr val="tx1"/>
+            </a:solidFill>
+          </a:ln>
+        </p:spPr>
+        <p:style>
+          <a:lnRef idx="2">
+            <a:schemeClr val="accent1">
+              <a:shade val="50000"/>
+            </a:schemeClr>
+          </a:lnRef>
+          <a:fillRef idx="1">
+            <a:schemeClr val="accent1"/>
+          </a:fillRef>
+          <a:effectRef idx="0">
+            <a:schemeClr val="accent1"/>
+          </a:effectRef>
+          <a:fontRef idx="minor">
+            <a:schemeClr val="lt1"/>
+          </a:fontRef>
+        </p:style>
+        <p:txBody>
+          <a:bodyPr rtlCol="0" anchor="ctr"/>
+          <a:lstStyle/>
+          <a:p>
+            <a:pPr algn="ctr"/>
+            <a:r>
+              <a:rPr lang="ko-KR" altLang="en-US" b="1">
+                <a:solidFill>
+                  <a:schemeClr val="tx1"/>
+                </a:solidFill>
+              </a:rPr>
+              <a:t>플레이 리스트</a:t>
+            </a:r>
+          </a:p>
+        </p:txBody>
+      </p:sp>
+      <p:sp>
+        <p:nvSpPr>
+          <p:cNvPr id="21" name="모서리가 둥근 직사각형 20"/>
+          <p:cNvSpPr/>
+          <p:nvPr/>
+        </p:nvSpPr>
+        <p:spPr>
+          <a:xfrm>
+            <a:off x="78685" y="1084232"/>
+            <a:ext cx="4632177" cy="765316"/>
+          </a:xfrm>
+          <a:prstGeom prst="roundRect">
+            <a:avLst/>
+          </a:prstGeom>
+          <a:solidFill>
+            <a:schemeClr val="bg1"/>
+          </a:solidFill>
+          <a:ln>
+            <a:solidFill>
+              <a:schemeClr val="tx1"/>
+            </a:solidFill>
+          </a:ln>
+        </p:spPr>
+        <p:style>
+          <a:lnRef idx="2">
+            <a:schemeClr val="accent1">
+              <a:shade val="50000"/>
+            </a:schemeClr>
+          </a:lnRef>
+          <a:fillRef idx="1">
+            <a:schemeClr val="accent1"/>
+          </a:fillRef>
+          <a:effectRef idx="0">
+            <a:schemeClr val="accent1"/>
+          </a:effectRef>
+          <a:fontRef idx="minor">
+            <a:schemeClr val="lt1"/>
+          </a:fontRef>
+        </p:style>
+        <p:txBody>
+          <a:bodyPr rtlCol="0" anchor="ctr"/>
+          <a:lstStyle/>
+          <a:p>
+            <a:pPr algn="ctr"/>
+            <a:r>
+              <a:rPr lang="ko-KR" altLang="en-US" sz="3200" b="1">
+                <a:solidFill>
+                  <a:schemeClr val="tx1"/>
+                </a:solidFill>
+              </a:rPr>
+              <a:t>재생 목록 있는 대본</a:t>
+            </a:r>
+            <a:endParaRPr lang="ko-KR" altLang="en-US" sz="3200" b="1" dirty="0">
+              <a:solidFill>
+                <a:schemeClr val="tx1"/>
+              </a:solidFill>
+            </a:endParaRPr>
+          </a:p>
+        </p:txBody>
+      </p:sp>
+      <p:sp>
+        <p:nvSpPr>
+          <p:cNvPr id="23" name="모서리가 둥근 직사각형 22"/>
+          <p:cNvSpPr/>
+          <p:nvPr/>
+        </p:nvSpPr>
+        <p:spPr>
+          <a:xfrm>
+            <a:off x="78685" y="1857588"/>
+            <a:ext cx="4632177" cy="765316"/>
+          </a:xfrm>
+          <a:prstGeom prst="roundRect">
+            <a:avLst/>
+          </a:prstGeom>
+          <a:solidFill>
+            <a:schemeClr val="bg1"/>
+          </a:solidFill>
+          <a:ln>
+            <a:solidFill>
+              <a:schemeClr val="tx1"/>
+            </a:solidFill>
+          </a:ln>
+        </p:spPr>
+        <p:style>
+          <a:lnRef idx="2">
+            <a:schemeClr val="accent1">
+              <a:shade val="50000"/>
+            </a:schemeClr>
+          </a:lnRef>
+          <a:fillRef idx="1">
+            <a:schemeClr val="accent1"/>
+          </a:fillRef>
+          <a:effectRef idx="0">
+            <a:schemeClr val="accent1"/>
+          </a:effectRef>
+          <a:fontRef idx="minor">
+            <a:schemeClr val="lt1"/>
+          </a:fontRef>
+        </p:style>
+        <p:txBody>
+          <a:bodyPr rtlCol="0" anchor="ctr"/>
+          <a:lstStyle/>
+          <a:p>
+            <a:pPr algn="ctr"/>
+            <a:r>
+              <a:rPr lang="ko-KR" altLang="en-US" sz="3200" b="1">
+                <a:solidFill>
+                  <a:schemeClr val="tx1"/>
+                </a:solidFill>
+              </a:rPr>
+              <a:t>재생 목록 있는 대본</a:t>
+            </a:r>
+            <a:endParaRPr lang="ko-KR" altLang="en-US" sz="3200" b="1" dirty="0">
+              <a:solidFill>
+                <a:schemeClr val="tx1"/>
+              </a:solidFill>
+            </a:endParaRPr>
+          </a:p>
+        </p:txBody>
+      </p:sp>
+      <p:sp>
+        <p:nvSpPr>
+          <p:cNvPr id="24" name="모서리가 둥근 직사각형 23"/>
+          <p:cNvSpPr/>
+          <p:nvPr/>
+        </p:nvSpPr>
+        <p:spPr>
+          <a:xfrm>
+            <a:off x="78685" y="2631785"/>
+            <a:ext cx="4632177" cy="765316"/>
+          </a:xfrm>
+          <a:prstGeom prst="roundRect">
+            <a:avLst/>
+          </a:prstGeom>
+          <a:solidFill>
+            <a:schemeClr val="bg1">
+              <a:lumMod val="85000"/>
+            </a:schemeClr>
+          </a:solidFill>
+          <a:ln>
+            <a:solidFill>
+              <a:schemeClr val="tx1"/>
+            </a:solidFill>
+          </a:ln>
+        </p:spPr>
+        <p:style>
+          <a:lnRef idx="2">
+            <a:schemeClr val="accent1">
+              <a:shade val="50000"/>
+            </a:schemeClr>
+          </a:lnRef>
+          <a:fillRef idx="1">
+            <a:schemeClr val="accent1"/>
+          </a:fillRef>
+          <a:effectRef idx="0">
+            <a:schemeClr val="accent1"/>
+          </a:effectRef>
+          <a:fontRef idx="minor">
+            <a:schemeClr val="lt1"/>
+          </a:fontRef>
+        </p:style>
+        <p:txBody>
+          <a:bodyPr rtlCol="0" anchor="ctr"/>
+          <a:lstStyle/>
+          <a:p>
+            <a:pPr algn="ctr"/>
+            <a:r>
+              <a:rPr lang="ko-KR" altLang="en-US" sz="3200" b="1"/>
+              <a:t>재생 목록 없는 대본</a:t>
+            </a:r>
+            <a:endParaRPr lang="ko-KR" altLang="en-US" sz="3200" b="1" dirty="0"/>
+          </a:p>
+        </p:txBody>
+      </p:sp>
+      <p:sp>
+        <p:nvSpPr>
+          <p:cNvPr id="25" name="모서리가 둥근 직사각형 24"/>
+          <p:cNvSpPr/>
+          <p:nvPr/>
+        </p:nvSpPr>
+        <p:spPr>
+          <a:xfrm>
+            <a:off x="78684" y="3416615"/>
+            <a:ext cx="4632177" cy="765316"/>
+          </a:xfrm>
+          <a:prstGeom prst="roundRect">
+            <a:avLst/>
+          </a:prstGeom>
+          <a:solidFill>
+            <a:schemeClr val="bg1"/>
+          </a:solidFill>
+          <a:ln>
+            <a:solidFill>
+              <a:schemeClr val="tx1"/>
+            </a:solidFill>
+          </a:ln>
+        </p:spPr>
+        <p:style>
+          <a:lnRef idx="2">
+            <a:schemeClr val="accent1">
+              <a:shade val="50000"/>
+            </a:schemeClr>
+          </a:lnRef>
+          <a:fillRef idx="1">
+            <a:schemeClr val="accent1"/>
+          </a:fillRef>
+          <a:effectRef idx="0">
+            <a:schemeClr val="accent1"/>
+          </a:effectRef>
+          <a:fontRef idx="minor">
+            <a:schemeClr val="lt1"/>
+          </a:fontRef>
+        </p:style>
+        <p:txBody>
+          <a:bodyPr rtlCol="0" anchor="ctr"/>
+          <a:lstStyle/>
+          <a:p>
+            <a:pPr algn="ctr"/>
+            <a:r>
+              <a:rPr lang="ko-KR" altLang="en-US" sz="3200" b="1">
+                <a:solidFill>
+                  <a:schemeClr val="tx1"/>
+                </a:solidFill>
+              </a:rPr>
+              <a:t>재생 목록 있는 대본</a:t>
+            </a:r>
+            <a:endParaRPr lang="ko-KR" altLang="en-US" sz="3200" b="1" dirty="0">
+              <a:solidFill>
+                <a:schemeClr val="tx1"/>
+              </a:solidFill>
+            </a:endParaRPr>
+          </a:p>
+        </p:txBody>
+      </p:sp>
+      <p:pic>
+        <p:nvPicPr>
+          <p:cNvPr id="26" name="그림 25"/>
+          <p:cNvPicPr>
+            <a:picLocks noChangeAspect="1"/>
+          </p:cNvPicPr>
+          <p:nvPr/>
+        </p:nvPicPr>
+        <p:blipFill>
+          <a:blip r:embed="rId12" cstate="print">
+            <a:extLst>
+              <a:ext uri="{28A0092B-C50C-407E-A947-70E740481C1C}">
+                <a14:useLocalDpi xmlns:a14="http://schemas.microsoft.com/office/drawing/2010/main" val="0"/>
+              </a:ext>
+            </a:extLst>
+          </a:blip>
+          <a:stretch>
+            <a:fillRect/>
+          </a:stretch>
+        </p:blipFill>
+        <p:spPr>
+          <a:xfrm>
+            <a:off x="4255511" y="2005063"/>
+            <a:ext cx="794352" cy="794352"/>
+          </a:xfrm>
+          <a:prstGeom prst="rect">
+            <a:avLst/>
+          </a:prstGeom>
+        </p:spPr>
+      </p:pic>
+      <p:sp>
+        <p:nvSpPr>
+          <p:cNvPr id="22" name="모서리가 둥근 직사각형 21"/>
+          <p:cNvSpPr/>
+          <p:nvPr/>
+        </p:nvSpPr>
+        <p:spPr>
+          <a:xfrm>
+            <a:off x="3948476" y="1602084"/>
+            <a:ext cx="4512762" cy="1045029"/>
+          </a:xfrm>
+          <a:prstGeom prst="roundRect">
+            <a:avLst/>
+          </a:prstGeom>
+          <a:solidFill>
+            <a:schemeClr val="accent1">
+              <a:lumMod val="20000"/>
+              <a:lumOff val="80000"/>
+            </a:schemeClr>
+          </a:solidFill>
+          <a:ln>
+            <a:solidFill>
+              <a:schemeClr val="bg1"/>
+            </a:solidFill>
+          </a:ln>
+        </p:spPr>
+        <p:style>
+          <a:lnRef idx="2">
+            <a:schemeClr val="accent1">
+              <a:shade val="50000"/>
+            </a:schemeClr>
+          </a:lnRef>
+          <a:fillRef idx="1">
+            <a:schemeClr val="accent1"/>
+          </a:fillRef>
+          <a:effectRef idx="0">
+            <a:schemeClr val="accent1"/>
+          </a:effectRef>
+          <a:fontRef idx="minor">
+            <a:schemeClr val="lt1"/>
+          </a:fontRef>
+        </p:style>
+        <p:txBody>
+          <a:bodyPr rtlCol="0" anchor="ctr"/>
+          <a:lstStyle/>
+          <a:p>
+            <a:pPr algn="ctr"/>
+            <a:r>
+              <a:rPr lang="ko-KR" altLang="en-US" sz="2800" b="1"/>
+              <a:t>설정을 불러오고 있습니다</a:t>
+            </a:r>
+            <a:endParaRPr lang="ko-KR" altLang="en-US" sz="2800" b="1" dirty="0"/>
+          </a:p>
+        </p:txBody>
+      </p:sp>
+      <p:pic>
+        <p:nvPicPr>
+          <p:cNvPr id="27" name="그림 26"/>
+          <p:cNvPicPr>
+            <a:picLocks noChangeAspect="1"/>
+          </p:cNvPicPr>
+          <p:nvPr/>
+        </p:nvPicPr>
+        <p:blipFill>
+          <a:blip r:embed="rId13" cstate="print">
+            <a:extLst>
+              <a:ext uri="{28A0092B-C50C-407E-A947-70E740481C1C}">
+                <a14:useLocalDpi xmlns:a14="http://schemas.microsoft.com/office/drawing/2010/main" val="0"/>
+              </a:ext>
+            </a:extLst>
+          </a:blip>
+          <a:stretch>
+            <a:fillRect/>
+          </a:stretch>
+        </p:blipFill>
+        <p:spPr>
+          <a:xfrm>
+            <a:off x="5690217" y="2824261"/>
+            <a:ext cx="1029281" cy="1029281"/>
+          </a:xfrm>
+          <a:prstGeom prst="rect">
+            <a:avLst/>
+          </a:prstGeom>
+        </p:spPr>
+      </p:pic>
+    </p:spTree>
+    <p:extLst>
+      <p:ext uri="{BB962C8B-B14F-4D97-AF65-F5344CB8AC3E}">
+        <p14:creationId xmlns:p14="http://schemas.microsoft.com/office/powerpoint/2010/main" val="4271757389"/>
+      </p:ext>
+    </p:extLst>
+  </p:cSld>
+  <p:clrMapOvr>
+    <a:masterClrMapping/>
+  </p:clrMapOvr>
+</p:sld>
+</file>
+
+<file path=ppt/slides/slide25.xml><?xml version="1.0" encoding="utf-8"?>
+<p:sld xmlns:a="http://schemas.openxmlformats.org/drawingml/2006/main" xmlns:r="http://schemas.openxmlformats.org/officeDocument/2006/relationships" xmlns:p="http://schemas.openxmlformats.org/presentationml/2006/main">
+  <p:cSld>
+    <p:spTree>
+      <p:nvGrpSpPr>
+        <p:cNvPr id="1" name=""/>
+        <p:cNvGrpSpPr/>
+        <p:nvPr/>
+      </p:nvGrpSpPr>
+      <p:grpSpPr>
+        <a:xfrm>
+          <a:off x="0" y="0"/>
+          <a:ext cx="0" cy="0"/>
+          <a:chOff x="0" y="0"/>
+          <a:chExt cx="0" cy="0"/>
+        </a:xfrm>
+      </p:grpSpPr>
+      <p:sp>
+        <p:nvSpPr>
+          <p:cNvPr id="17" name="직사각형 16"/>
+          <p:cNvSpPr/>
+          <p:nvPr/>
+        </p:nvSpPr>
+        <p:spPr>
+          <a:xfrm>
+            <a:off x="9005777" y="0"/>
+            <a:ext cx="3186223" cy="6858000"/>
+          </a:xfrm>
+          <a:prstGeom prst="rect">
+            <a:avLst/>
+          </a:prstGeom>
+          <a:solidFill>
+            <a:schemeClr val="bg1">
+              <a:lumMod val="95000"/>
+            </a:schemeClr>
+          </a:solidFill>
+          <a:ln>
+            <a:solidFill>
+              <a:schemeClr val="tx1"/>
+            </a:solidFill>
+          </a:ln>
+        </p:spPr>
+        <p:style>
+          <a:lnRef idx="2">
+            <a:schemeClr val="accent1">
+              <a:shade val="50000"/>
+            </a:schemeClr>
+          </a:lnRef>
+          <a:fillRef idx="1">
+            <a:schemeClr val="accent1"/>
+          </a:fillRef>
+          <a:effectRef idx="0">
+            <a:schemeClr val="accent1"/>
+          </a:effectRef>
+          <a:fontRef idx="minor">
+            <a:schemeClr val="lt1"/>
+          </a:fontRef>
+        </p:style>
+        <p:txBody>
+          <a:bodyPr rtlCol="0" anchor="ctr"/>
+          <a:lstStyle/>
+          <a:p>
+            <a:pPr algn="ctr"/>
+            <a:endParaRPr lang="ko-KR" altLang="en-US" sz="3200" b="1">
+              <a:solidFill>
+                <a:schemeClr val="tx1"/>
+              </a:solidFill>
+            </a:endParaRPr>
+          </a:p>
+        </p:txBody>
+      </p:sp>
+      <p:pic>
+        <p:nvPicPr>
+          <p:cNvPr id="4" name="그림 3"/>
+          <p:cNvPicPr>
+            <a:picLocks noChangeAspect="1"/>
+          </p:cNvPicPr>
+          <p:nvPr/>
+        </p:nvPicPr>
+        <p:blipFill>
+          <a:blip r:embed="rId2">
+            <a:extLst>
+              <a:ext uri="{28A0092B-C50C-407E-A947-70E740481C1C}">
+                <a14:useLocalDpi xmlns:a14="http://schemas.microsoft.com/office/drawing/2010/main" val="0"/>
+              </a:ext>
+            </a:extLst>
+          </a:blip>
+          <a:stretch>
+            <a:fillRect/>
+          </a:stretch>
+        </p:blipFill>
+        <p:spPr>
+          <a:xfrm>
+            <a:off x="3766003" y="411123"/>
+            <a:ext cx="4876190" cy="4876190"/>
+          </a:xfrm>
+          <a:prstGeom prst="rect">
+            <a:avLst/>
+          </a:prstGeom>
+          <a:effectLst>
+            <a:softEdge rad="63500"/>
+          </a:effectLst>
+        </p:spPr>
+      </p:pic>
+      <p:sp>
+        <p:nvSpPr>
+          <p:cNvPr id="3" name="부제목 2"/>
+          <p:cNvSpPr>
+            <a:spLocks noGrp="1"/>
+          </p:cNvSpPr>
+          <p:nvPr>
+            <p:ph type="subTitle" idx="1"/>
+          </p:nvPr>
+        </p:nvSpPr>
+        <p:spPr>
+          <a:xfrm>
+            <a:off x="1409700" y="2197780"/>
+            <a:ext cx="9144000" cy="1655762"/>
+          </a:xfrm>
+        </p:spPr>
+        <p:txBody>
+          <a:bodyPr>
+            <a:normAutofit/>
+          </a:bodyPr>
+          <a:lstStyle/>
+          <a:p>
+            <a:endParaRPr lang="en-US" altLang="ko-KR" dirty="0"/>
+          </a:p>
+          <a:p>
+            <a:endParaRPr lang="en-US" altLang="ko-KR" dirty="0"/>
+          </a:p>
+          <a:p>
+            <a:endParaRPr lang="en-US" altLang="ko-KR" dirty="0"/>
+          </a:p>
+          <a:p>
+            <a:endParaRPr lang="ko-KR" altLang="en-US" dirty="0"/>
+          </a:p>
+        </p:txBody>
+      </p:sp>
+      <p:pic>
+        <p:nvPicPr>
+          <p:cNvPr id="5" name="그림 4"/>
+          <p:cNvPicPr>
+            <a:picLocks noChangeAspect="1"/>
+          </p:cNvPicPr>
+          <p:nvPr/>
+        </p:nvPicPr>
+        <p:blipFill>
+          <a:blip r:embed="rId3" cstate="print">
+            <a:extLst>
+              <a:ext uri="{28A0092B-C50C-407E-A947-70E740481C1C}">
+                <a14:useLocalDpi xmlns:a14="http://schemas.microsoft.com/office/drawing/2010/main" val="0"/>
+              </a:ext>
+            </a:extLst>
+          </a:blip>
+          <a:stretch>
+            <a:fillRect/>
+          </a:stretch>
+        </p:blipFill>
+        <p:spPr>
+          <a:xfrm>
+            <a:off x="10833916" y="5497889"/>
+            <a:ext cx="944221" cy="944221"/>
+          </a:xfrm>
+          <a:prstGeom prst="rect">
+            <a:avLst/>
+          </a:prstGeom>
+        </p:spPr>
+      </p:pic>
+      <p:pic>
+        <p:nvPicPr>
+          <p:cNvPr id="6" name="그림 5"/>
+          <p:cNvPicPr>
+            <a:picLocks noChangeAspect="1"/>
+          </p:cNvPicPr>
+          <p:nvPr/>
+        </p:nvPicPr>
+        <p:blipFill>
+          <a:blip r:embed="rId4" cstate="print">
+            <a:extLst>
+              <a:ext uri="{28A0092B-C50C-407E-A947-70E740481C1C}">
+                <a14:useLocalDpi xmlns:a14="http://schemas.microsoft.com/office/drawing/2010/main" val="0"/>
+              </a:ext>
+            </a:extLst>
+          </a:blip>
+          <a:stretch>
+            <a:fillRect/>
+          </a:stretch>
+        </p:blipFill>
+        <p:spPr>
+          <a:xfrm>
+            <a:off x="5572631" y="5515911"/>
+            <a:ext cx="966491" cy="966491"/>
+          </a:xfrm>
+          <a:prstGeom prst="rect">
+            <a:avLst/>
+          </a:prstGeom>
+        </p:spPr>
+      </p:pic>
+      <p:pic>
+        <p:nvPicPr>
+          <p:cNvPr id="12" name="그림 11"/>
+          <p:cNvPicPr>
+            <a:picLocks noChangeAspect="1"/>
+          </p:cNvPicPr>
+          <p:nvPr/>
+        </p:nvPicPr>
+        <p:blipFill>
+          <a:blip r:embed="rId5" cstate="print">
+            <a:extLst>
+              <a:ext uri="{28A0092B-C50C-407E-A947-70E740481C1C}">
+                <a14:useLocalDpi xmlns:a14="http://schemas.microsoft.com/office/drawing/2010/main" val="0"/>
+              </a:ext>
+            </a:extLst>
+          </a:blip>
+          <a:stretch>
+            <a:fillRect/>
+          </a:stretch>
+        </p:blipFill>
+        <p:spPr>
+          <a:xfrm>
+            <a:off x="3294651" y="5538181"/>
+            <a:ext cx="944221" cy="944221"/>
+          </a:xfrm>
+          <a:prstGeom prst="rect">
+            <a:avLst/>
+          </a:prstGeom>
+        </p:spPr>
+      </p:pic>
+      <p:pic>
+        <p:nvPicPr>
+          <p:cNvPr id="13" name="그림 12"/>
+          <p:cNvPicPr>
+            <a:picLocks noChangeAspect="1"/>
+          </p:cNvPicPr>
+          <p:nvPr/>
+        </p:nvPicPr>
+        <p:blipFill>
+          <a:blip r:embed="rId6" cstate="print">
+            <a:extLst>
+              <a:ext uri="{28A0092B-C50C-407E-A947-70E740481C1C}">
+                <a14:useLocalDpi xmlns:a14="http://schemas.microsoft.com/office/drawing/2010/main" val="0"/>
+              </a:ext>
+            </a:extLst>
+          </a:blip>
+          <a:stretch>
+            <a:fillRect/>
+          </a:stretch>
+        </p:blipFill>
+        <p:spPr>
+          <a:xfrm>
+            <a:off x="6663806" y="5497889"/>
+            <a:ext cx="984513" cy="984513"/>
+          </a:xfrm>
+          <a:prstGeom prst="rect">
+            <a:avLst/>
+          </a:prstGeom>
+        </p:spPr>
+      </p:pic>
+      <p:pic>
+        <p:nvPicPr>
+          <p:cNvPr id="14" name="그림 13"/>
+          <p:cNvPicPr>
+            <a:picLocks noChangeAspect="1"/>
+          </p:cNvPicPr>
+          <p:nvPr/>
+        </p:nvPicPr>
+        <p:blipFill>
+          <a:blip r:embed="rId7" cstate="print">
+            <a:extLst>
+              <a:ext uri="{28A0092B-C50C-407E-A947-70E740481C1C}">
+                <a14:useLocalDpi xmlns:a14="http://schemas.microsoft.com/office/drawing/2010/main" val="0"/>
+              </a:ext>
+            </a:extLst>
+          </a:blip>
+          <a:stretch>
+            <a:fillRect/>
+          </a:stretch>
+        </p:blipFill>
+        <p:spPr>
+          <a:xfrm>
+            <a:off x="2261299" y="5538181"/>
+            <a:ext cx="944221" cy="944221"/>
+          </a:xfrm>
+          <a:prstGeom prst="rect">
+            <a:avLst/>
+          </a:prstGeom>
+        </p:spPr>
+      </p:pic>
+      <p:pic>
+        <p:nvPicPr>
+          <p:cNvPr id="15" name="그림 14"/>
+          <p:cNvPicPr>
+            <a:picLocks noChangeAspect="1"/>
+          </p:cNvPicPr>
+          <p:nvPr/>
+        </p:nvPicPr>
+        <p:blipFill>
+          <a:blip r:embed="rId8" cstate="print">
+            <a:extLst>
+              <a:ext uri="{28A0092B-C50C-407E-A947-70E740481C1C}">
+                <a14:useLocalDpi xmlns:a14="http://schemas.microsoft.com/office/drawing/2010/main" val="0"/>
+              </a:ext>
+            </a:extLst>
+          </a:blip>
+          <a:stretch>
+            <a:fillRect/>
+          </a:stretch>
+        </p:blipFill>
+        <p:spPr>
+          <a:xfrm>
+            <a:off x="4433641" y="5538181"/>
+            <a:ext cx="944221" cy="944221"/>
+          </a:xfrm>
+          <a:prstGeom prst="rect">
+            <a:avLst/>
+          </a:prstGeom>
+        </p:spPr>
+      </p:pic>
+      <p:pic>
+        <p:nvPicPr>
+          <p:cNvPr id="16" name="그림 15"/>
+          <p:cNvPicPr>
+            <a:picLocks noChangeAspect="1"/>
+          </p:cNvPicPr>
+          <p:nvPr/>
+        </p:nvPicPr>
+        <p:blipFill>
+          <a:blip r:embed="rId9" cstate="print">
+            <a:extLst>
+              <a:ext uri="{28A0092B-C50C-407E-A947-70E740481C1C}">
+                <a14:useLocalDpi xmlns:a14="http://schemas.microsoft.com/office/drawing/2010/main" val="0"/>
+              </a:ext>
+            </a:extLst>
+          </a:blip>
+          <a:stretch>
+            <a:fillRect/>
+          </a:stretch>
+        </p:blipFill>
+        <p:spPr>
+          <a:xfrm>
+            <a:off x="7823375" y="5512998"/>
+            <a:ext cx="941810" cy="941810"/>
+          </a:xfrm>
+          <a:prstGeom prst="rect">
+            <a:avLst/>
+          </a:prstGeom>
+        </p:spPr>
+      </p:pic>
+      <p:sp>
+        <p:nvSpPr>
+          <p:cNvPr id="18" name="직사각형 17"/>
+          <p:cNvSpPr/>
+          <p:nvPr/>
+        </p:nvSpPr>
+        <p:spPr>
+          <a:xfrm>
+            <a:off x="324096" y="299675"/>
+            <a:ext cx="2881424" cy="669851"/>
+          </a:xfrm>
+          <a:prstGeom prst="rect">
+            <a:avLst/>
+          </a:prstGeom>
+          <a:solidFill>
+            <a:schemeClr val="bg1"/>
+          </a:solidFill>
+          <a:ln>
+            <a:solidFill>
+              <a:schemeClr val="tx1"/>
+            </a:solidFill>
+          </a:ln>
+        </p:spPr>
+        <p:style>
+          <a:lnRef idx="2">
+            <a:schemeClr val="accent1">
+              <a:shade val="50000"/>
+            </a:schemeClr>
+          </a:lnRef>
+          <a:fillRef idx="1">
+            <a:schemeClr val="accent1"/>
+          </a:fillRef>
+          <a:effectRef idx="0">
+            <a:schemeClr val="accent1"/>
+          </a:effectRef>
+          <a:fontRef idx="minor">
+            <a:schemeClr val="lt1"/>
+          </a:fontRef>
+        </p:style>
+        <p:txBody>
+          <a:bodyPr rtlCol="0" anchor="ctr"/>
+          <a:lstStyle/>
+          <a:p>
+            <a:pPr algn="ctr"/>
+            <a:r>
+              <a:rPr lang="ko-KR" altLang="en-US" b="1">
+                <a:solidFill>
+                  <a:schemeClr val="tx1"/>
+                </a:solidFill>
+              </a:rPr>
+              <a:t>대본 리스트</a:t>
+            </a:r>
+          </a:p>
+        </p:txBody>
+      </p:sp>
+      <p:pic>
+        <p:nvPicPr>
+          <p:cNvPr id="2" name="그림 1"/>
+          <p:cNvPicPr>
+            <a:picLocks noChangeAspect="1"/>
+          </p:cNvPicPr>
+          <p:nvPr/>
+        </p:nvPicPr>
+        <p:blipFill>
+          <a:blip r:embed="rId10" cstate="print">
+            <a:extLst>
+              <a:ext uri="{28A0092B-C50C-407E-A947-70E740481C1C}">
+                <a14:useLocalDpi xmlns:a14="http://schemas.microsoft.com/office/drawing/2010/main" val="0"/>
+              </a:ext>
+            </a:extLst>
+          </a:blip>
+          <a:stretch>
+            <a:fillRect/>
+          </a:stretch>
+        </p:blipFill>
+        <p:spPr>
+          <a:xfrm>
+            <a:off x="192344" y="5512998"/>
+            <a:ext cx="969404" cy="969404"/>
+          </a:xfrm>
+          <a:prstGeom prst="rect">
+            <a:avLst/>
+          </a:prstGeom>
+        </p:spPr>
+      </p:pic>
+      <p:pic>
+        <p:nvPicPr>
+          <p:cNvPr id="7" name="그림 6"/>
+          <p:cNvPicPr>
+            <a:picLocks noChangeAspect="1"/>
+          </p:cNvPicPr>
+          <p:nvPr/>
+        </p:nvPicPr>
+        <p:blipFill>
+          <a:blip r:embed="rId11" cstate="print">
+            <a:extLst>
+              <a:ext uri="{28A0092B-C50C-407E-A947-70E740481C1C}">
+                <a14:useLocalDpi xmlns:a14="http://schemas.microsoft.com/office/drawing/2010/main" val="0"/>
+              </a:ext>
+            </a:extLst>
+          </a:blip>
+          <a:stretch>
+            <a:fillRect/>
+          </a:stretch>
+        </p:blipFill>
+        <p:spPr>
+          <a:xfrm>
+            <a:off x="1239690" y="5538181"/>
+            <a:ext cx="945618" cy="945618"/>
+          </a:xfrm>
+          <a:prstGeom prst="rect">
+            <a:avLst/>
+          </a:prstGeom>
+        </p:spPr>
+      </p:pic>
+      <p:sp>
+        <p:nvSpPr>
+          <p:cNvPr id="8" name="직사각형 7"/>
+          <p:cNvSpPr/>
+          <p:nvPr/>
+        </p:nvSpPr>
+        <p:spPr>
+          <a:xfrm>
+            <a:off x="0" y="5287313"/>
+            <a:ext cx="9005777" cy="191386"/>
+          </a:xfrm>
+          <a:prstGeom prst="rect">
+            <a:avLst/>
+          </a:prstGeom>
+          <a:solidFill>
+            <a:schemeClr val="tx1"/>
+          </a:solidFill>
+          <a:ln>
+            <a:solidFill>
+              <a:schemeClr val="bg1"/>
+            </a:solidFill>
+          </a:ln>
+        </p:spPr>
+        <p:style>
+          <a:lnRef idx="2">
+            <a:schemeClr val="accent1">
+              <a:shade val="50000"/>
+            </a:schemeClr>
+          </a:lnRef>
+          <a:fillRef idx="1">
+            <a:schemeClr val="accent1"/>
+          </a:fillRef>
+          <a:effectRef idx="0">
+            <a:schemeClr val="accent1"/>
+          </a:effectRef>
+          <a:fontRef idx="minor">
+            <a:schemeClr val="lt1"/>
+          </a:fontRef>
+        </p:style>
+        <p:txBody>
+          <a:bodyPr rtlCol="0" anchor="ctr"/>
+          <a:lstStyle/>
+          <a:p>
+            <a:pPr algn="ctr"/>
+            <a:endParaRPr lang="ko-KR" altLang="en-US"/>
+          </a:p>
+        </p:txBody>
+      </p:sp>
+      <p:sp>
+        <p:nvSpPr>
+          <p:cNvPr id="20" name="직사각형 19"/>
+          <p:cNvSpPr/>
+          <p:nvPr/>
+        </p:nvSpPr>
+        <p:spPr>
+          <a:xfrm>
+            <a:off x="9202676" y="273285"/>
+            <a:ext cx="2881424" cy="669851"/>
+          </a:xfrm>
+          <a:prstGeom prst="rect">
+            <a:avLst/>
+          </a:prstGeom>
+          <a:solidFill>
+            <a:schemeClr val="bg1"/>
+          </a:solidFill>
+          <a:ln>
+            <a:solidFill>
+              <a:schemeClr val="tx1"/>
+            </a:solidFill>
+          </a:ln>
+        </p:spPr>
+        <p:style>
+          <a:lnRef idx="2">
+            <a:schemeClr val="accent1">
+              <a:shade val="50000"/>
+            </a:schemeClr>
+          </a:lnRef>
+          <a:fillRef idx="1">
+            <a:schemeClr val="accent1"/>
+          </a:fillRef>
+          <a:effectRef idx="0">
+            <a:schemeClr val="accent1"/>
+          </a:effectRef>
+          <a:fontRef idx="minor">
+            <a:schemeClr val="lt1"/>
+          </a:fontRef>
+        </p:style>
+        <p:txBody>
+          <a:bodyPr rtlCol="0" anchor="ctr"/>
+          <a:lstStyle/>
+          <a:p>
+            <a:pPr algn="ctr"/>
+            <a:r>
+              <a:rPr lang="ko-KR" altLang="en-US" b="1">
+                <a:solidFill>
+                  <a:schemeClr val="tx1"/>
+                </a:solidFill>
+              </a:rPr>
+              <a:t>플레이 리스트</a:t>
+            </a:r>
+          </a:p>
+        </p:txBody>
+      </p:sp>
+      <p:sp>
+        <p:nvSpPr>
+          <p:cNvPr id="21" name="모서리가 둥근 직사각형 20"/>
+          <p:cNvSpPr/>
+          <p:nvPr/>
+        </p:nvSpPr>
+        <p:spPr>
+          <a:xfrm>
+            <a:off x="78685" y="1084232"/>
+            <a:ext cx="4632177" cy="765316"/>
+          </a:xfrm>
+          <a:prstGeom prst="roundRect">
+            <a:avLst/>
+          </a:prstGeom>
+          <a:solidFill>
+            <a:schemeClr val="bg1"/>
+          </a:solidFill>
+          <a:ln>
+            <a:solidFill>
+              <a:schemeClr val="tx1"/>
+            </a:solidFill>
+          </a:ln>
+        </p:spPr>
+        <p:style>
+          <a:lnRef idx="2">
+            <a:schemeClr val="accent1">
+              <a:shade val="50000"/>
+            </a:schemeClr>
+          </a:lnRef>
+          <a:fillRef idx="1">
+            <a:schemeClr val="accent1"/>
+          </a:fillRef>
+          <a:effectRef idx="0">
+            <a:schemeClr val="accent1"/>
+          </a:effectRef>
+          <a:fontRef idx="minor">
+            <a:schemeClr val="lt1"/>
+          </a:fontRef>
+        </p:style>
+        <p:txBody>
+          <a:bodyPr rtlCol="0" anchor="ctr"/>
+          <a:lstStyle/>
+          <a:p>
+            <a:pPr algn="ctr"/>
+            <a:r>
+              <a:rPr lang="ko-KR" altLang="en-US" sz="3200" b="1">
+                <a:solidFill>
+                  <a:schemeClr val="tx1"/>
+                </a:solidFill>
+              </a:rPr>
+              <a:t>재생 목록 있는 대본</a:t>
+            </a:r>
+            <a:endParaRPr lang="ko-KR" altLang="en-US" sz="3200" b="1" dirty="0">
+              <a:solidFill>
+                <a:schemeClr val="tx1"/>
+              </a:solidFill>
+            </a:endParaRPr>
+          </a:p>
+        </p:txBody>
+      </p:sp>
+      <p:sp>
+        <p:nvSpPr>
+          <p:cNvPr id="23" name="모서리가 둥근 직사각형 22"/>
+          <p:cNvSpPr/>
+          <p:nvPr/>
+        </p:nvSpPr>
+        <p:spPr>
+          <a:xfrm>
+            <a:off x="78685" y="1857588"/>
+            <a:ext cx="4632177" cy="765316"/>
+          </a:xfrm>
+          <a:prstGeom prst="roundRect">
+            <a:avLst/>
+          </a:prstGeom>
+          <a:solidFill>
+            <a:schemeClr val="bg1"/>
+          </a:solidFill>
+          <a:ln>
+            <a:solidFill>
+              <a:schemeClr val="tx1"/>
+            </a:solidFill>
+          </a:ln>
+        </p:spPr>
+        <p:style>
+          <a:lnRef idx="2">
+            <a:schemeClr val="accent1">
+              <a:shade val="50000"/>
+            </a:schemeClr>
+          </a:lnRef>
+          <a:fillRef idx="1">
+            <a:schemeClr val="accent1"/>
+          </a:fillRef>
+          <a:effectRef idx="0">
+            <a:schemeClr val="accent1"/>
+          </a:effectRef>
+          <a:fontRef idx="minor">
+            <a:schemeClr val="lt1"/>
+          </a:fontRef>
+        </p:style>
+        <p:txBody>
+          <a:bodyPr rtlCol="0" anchor="ctr"/>
+          <a:lstStyle/>
+          <a:p>
+            <a:pPr algn="ctr"/>
+            <a:r>
+              <a:rPr lang="ko-KR" altLang="en-US" sz="3200" b="1">
+                <a:solidFill>
+                  <a:schemeClr val="tx1"/>
+                </a:solidFill>
+              </a:rPr>
+              <a:t>재생 목록 있는 대본</a:t>
+            </a:r>
+            <a:endParaRPr lang="ko-KR" altLang="en-US" sz="3200" b="1" dirty="0">
+              <a:solidFill>
+                <a:schemeClr val="tx1"/>
+              </a:solidFill>
+            </a:endParaRPr>
+          </a:p>
+        </p:txBody>
+      </p:sp>
+      <p:sp>
+        <p:nvSpPr>
+          <p:cNvPr id="24" name="모서리가 둥근 직사각형 23"/>
+          <p:cNvSpPr/>
+          <p:nvPr/>
+        </p:nvSpPr>
+        <p:spPr>
+          <a:xfrm>
+            <a:off x="78685" y="2631785"/>
+            <a:ext cx="4632177" cy="765316"/>
+          </a:xfrm>
+          <a:prstGeom prst="roundRect">
+            <a:avLst/>
+          </a:prstGeom>
+          <a:solidFill>
+            <a:schemeClr val="bg1">
+              <a:lumMod val="85000"/>
+            </a:schemeClr>
+          </a:solidFill>
+          <a:ln>
+            <a:solidFill>
+              <a:schemeClr val="tx1"/>
+            </a:solidFill>
+          </a:ln>
+        </p:spPr>
+        <p:style>
+          <a:lnRef idx="2">
+            <a:schemeClr val="accent1">
+              <a:shade val="50000"/>
+            </a:schemeClr>
+          </a:lnRef>
+          <a:fillRef idx="1">
+            <a:schemeClr val="accent1"/>
+          </a:fillRef>
+          <a:effectRef idx="0">
+            <a:schemeClr val="accent1"/>
+          </a:effectRef>
+          <a:fontRef idx="minor">
+            <a:schemeClr val="lt1"/>
+          </a:fontRef>
+        </p:style>
+        <p:txBody>
+          <a:bodyPr rtlCol="0" anchor="ctr"/>
+          <a:lstStyle/>
+          <a:p>
+            <a:pPr algn="ctr"/>
+            <a:r>
+              <a:rPr lang="ko-KR" altLang="en-US" sz="3200" b="1"/>
+              <a:t>재생 목록 없는 대본</a:t>
+            </a:r>
+            <a:endParaRPr lang="ko-KR" altLang="en-US" sz="3200" b="1" dirty="0"/>
+          </a:p>
+        </p:txBody>
+      </p:sp>
+      <p:sp>
+        <p:nvSpPr>
+          <p:cNvPr id="25" name="모서리가 둥근 직사각형 24"/>
+          <p:cNvSpPr/>
+          <p:nvPr/>
+        </p:nvSpPr>
+        <p:spPr>
+          <a:xfrm>
+            <a:off x="78684" y="3416615"/>
+            <a:ext cx="4632177" cy="765316"/>
+          </a:xfrm>
+          <a:prstGeom prst="roundRect">
+            <a:avLst/>
+          </a:prstGeom>
+          <a:solidFill>
+            <a:schemeClr val="bg1"/>
+          </a:solidFill>
+          <a:ln>
+            <a:solidFill>
+              <a:schemeClr val="tx1"/>
+            </a:solidFill>
+          </a:ln>
+        </p:spPr>
+        <p:style>
+          <a:lnRef idx="2">
+            <a:schemeClr val="accent1">
+              <a:shade val="50000"/>
+            </a:schemeClr>
+          </a:lnRef>
+          <a:fillRef idx="1">
+            <a:schemeClr val="accent1"/>
+          </a:fillRef>
+          <a:effectRef idx="0">
+            <a:schemeClr val="accent1"/>
+          </a:effectRef>
+          <a:fontRef idx="minor">
+            <a:schemeClr val="lt1"/>
+          </a:fontRef>
+        </p:style>
+        <p:txBody>
+          <a:bodyPr rtlCol="0" anchor="ctr"/>
+          <a:lstStyle/>
+          <a:p>
+            <a:pPr algn="ctr"/>
+            <a:r>
+              <a:rPr lang="ko-KR" altLang="en-US" sz="3200" b="1">
+                <a:solidFill>
+                  <a:schemeClr val="tx1"/>
+                </a:solidFill>
+              </a:rPr>
+              <a:t>재생 목록 있는 대본</a:t>
+            </a:r>
+            <a:endParaRPr lang="ko-KR" altLang="en-US" sz="3200" b="1" dirty="0">
+              <a:solidFill>
+                <a:schemeClr val="tx1"/>
+              </a:solidFill>
+            </a:endParaRPr>
+          </a:p>
+        </p:txBody>
+      </p:sp>
+      <p:sp>
+        <p:nvSpPr>
+          <p:cNvPr id="22" name="모서리가 둥근 직사각형 21"/>
+          <p:cNvSpPr/>
+          <p:nvPr/>
+        </p:nvSpPr>
+        <p:spPr>
+          <a:xfrm>
+            <a:off x="-11738" y="4826859"/>
+            <a:ext cx="1677254" cy="460454"/>
+          </a:xfrm>
+          <a:prstGeom prst="roundRect">
+            <a:avLst/>
+          </a:prstGeom>
+          <a:solidFill>
+            <a:schemeClr val="accent4">
+              <a:lumMod val="40000"/>
+              <a:lumOff val="60000"/>
+            </a:schemeClr>
+          </a:solidFill>
+          <a:ln>
+            <a:solidFill>
+              <a:schemeClr val="bg1"/>
+            </a:solidFill>
+          </a:ln>
+        </p:spPr>
+        <p:style>
+          <a:lnRef idx="2">
+            <a:schemeClr val="accent1">
+              <a:shade val="50000"/>
+            </a:schemeClr>
+          </a:lnRef>
+          <a:fillRef idx="1">
+            <a:schemeClr val="accent1"/>
+          </a:fillRef>
+          <a:effectRef idx="0">
+            <a:schemeClr val="accent1"/>
+          </a:effectRef>
+          <a:fontRef idx="minor">
+            <a:schemeClr val="lt1"/>
+          </a:fontRef>
+        </p:style>
+        <p:txBody>
+          <a:bodyPr rtlCol="0" anchor="ctr"/>
+          <a:lstStyle/>
+          <a:p>
+            <a:pPr algn="ctr"/>
+            <a:r>
+              <a:rPr lang="en-US" altLang="ko-KR" sz="2800" b="1">
+                <a:solidFill>
+                  <a:schemeClr val="bg1"/>
+                </a:solidFill>
+              </a:rPr>
+              <a:t>play</a:t>
+            </a:r>
+            <a:endParaRPr lang="ko-KR" altLang="en-US" sz="2800" b="1" dirty="0">
+              <a:solidFill>
+                <a:schemeClr val="bg1"/>
+              </a:solidFill>
+            </a:endParaRPr>
+          </a:p>
+        </p:txBody>
+      </p:sp>
+    </p:spTree>
+    <p:extLst>
+      <p:ext uri="{BB962C8B-B14F-4D97-AF65-F5344CB8AC3E}">
+        <p14:creationId xmlns:p14="http://schemas.microsoft.com/office/powerpoint/2010/main" val="1057512466"/>
+      </p:ext>
+    </p:extLst>
+  </p:cSld>
+  <p:clrMapOvr>
+    <a:masterClrMapping/>
+  </p:clrMapOvr>
+</p:sld>
+</file>
+
+<file path=ppt/slides/slide26.xml><?xml version="1.0" encoding="utf-8"?>
+<p:sld xmlns:a="http://schemas.openxmlformats.org/drawingml/2006/main" xmlns:r="http://schemas.openxmlformats.org/officeDocument/2006/relationships" xmlns:p="http://schemas.openxmlformats.org/presentationml/2006/main">
+  <p:cSld>
+    <p:spTree>
+      <p:nvGrpSpPr>
+        <p:cNvPr id="1" name=""/>
+        <p:cNvGrpSpPr/>
+        <p:nvPr/>
+      </p:nvGrpSpPr>
+      <p:grpSpPr>
+        <a:xfrm>
+          <a:off x="0" y="0"/>
+          <a:ext cx="0" cy="0"/>
+          <a:chOff x="0" y="0"/>
+          <a:chExt cx="0" cy="0"/>
+        </a:xfrm>
+      </p:grpSpPr>
+      <p:sp>
+        <p:nvSpPr>
           <p:cNvPr id="2" name="제목 1">
             <a:extLst>
               <a:ext uri="{FF2B5EF4-FFF2-40B4-BE49-F238E27FC236}">
@@ -11963,7 +14405,7 @@
 </p:sld>
 </file>
 
-<file path=ppt/slides/slide24.xml><?xml version="1.0" encoding="utf-8"?>
+<file path=ppt/slides/slide27.xml><?xml version="1.0" encoding="utf-8"?>
 <p:sld xmlns:a="http://schemas.openxmlformats.org/drawingml/2006/main" xmlns:r="http://schemas.openxmlformats.org/officeDocument/2006/relationships" xmlns:p="http://schemas.openxmlformats.org/presentationml/2006/main">
   <p:cSld>
     <p:spTree>
@@ -12145,370 +14587,370 @@
           <a:p>
             <a:pPr lvl="0" fontAlgn="base" latinLnBrk="0">
               <a:lnSpc>
-                <a:spcPct val="150000"/>
+                <a:spcPct val="100000"/>
               </a:lnSpc>
             </a:pPr>
             <a:r>
-              <a:rPr lang="en-US" altLang="ko-KR" sz="1500" b="1" dirty="0"/>
+              <a:rPr lang="en-US" altLang="ko-KR" sz="1800" b="1" dirty="0"/>
               <a:t>1. </a:t>
             </a:r>
             <a:r>
-              <a:rPr lang="ko-KR" altLang="en-US" sz="1500" b="1" dirty="0" err="1"/>
+              <a:rPr lang="ko-KR" altLang="en-US" sz="1800" b="1" dirty="0" err="1"/>
               <a:t>메인모듈</a:t>
             </a:r>
             <a:r>
-              <a:rPr lang="ko-KR" altLang="en-US" sz="1500" b="1" dirty="0"/>
+              <a:rPr lang="ko-KR" altLang="en-US" sz="1800" b="1" dirty="0"/>
               <a:t> 작동</a:t>
             </a:r>
           </a:p>
           <a:p>
             <a:pPr fontAlgn="base" latinLnBrk="0">
               <a:lnSpc>
-                <a:spcPct val="150000"/>
+                <a:spcPct val="100000"/>
               </a:lnSpc>
             </a:pPr>
             <a:r>
-              <a:rPr lang="ko-KR" altLang="en-US" sz="1500" dirty="0"/>
+              <a:rPr lang="ko-KR" altLang="en-US" sz="1800" dirty="0"/>
               <a:t>	</a:t>
             </a:r>
             <a:r>
-              <a:rPr lang="en-US" altLang="ko-KR" sz="1500" dirty="0"/>
+              <a:rPr lang="en-US" altLang="ko-KR" sz="1800" dirty="0"/>
               <a:t>- </a:t>
             </a:r>
             <a:r>
-              <a:rPr lang="ko-KR" altLang="en-US" sz="1500" dirty="0"/>
+              <a:rPr lang="ko-KR" altLang="en-US" sz="1800" dirty="0"/>
               <a:t>전원을 키면 메인 모듈의 </a:t>
             </a:r>
             <a:r>
-              <a:rPr lang="en-US" altLang="ko-KR" sz="1500" dirty="0"/>
+              <a:rPr lang="en-US" altLang="ko-KR" sz="1800" dirty="0"/>
               <a:t>S/N</a:t>
             </a:r>
             <a:r>
-              <a:rPr lang="ko-KR" altLang="en-US" sz="1500" dirty="0"/>
+              <a:rPr lang="ko-KR" altLang="en-US" sz="1800" dirty="0"/>
               <a:t>과 </a:t>
             </a:r>
             <a:r>
-              <a:rPr lang="en-US" altLang="ko-KR" sz="1500" dirty="0"/>
+              <a:rPr lang="en-US" altLang="ko-KR" sz="1800" dirty="0"/>
               <a:t>IP</a:t>
             </a:r>
             <a:r>
-              <a:rPr lang="ko-KR" altLang="en-US" sz="1500" dirty="0"/>
+              <a:rPr lang="ko-KR" altLang="en-US" sz="1800" dirty="0"/>
               <a:t>가 </a:t>
             </a:r>
             <a:r>
-              <a:rPr lang="en-US" altLang="ko-KR" sz="1500" dirty="0"/>
+              <a:rPr lang="en-US" altLang="ko-KR" sz="1800" dirty="0"/>
               <a:t>DB</a:t>
             </a:r>
             <a:r>
-              <a:rPr lang="ko-KR" altLang="en-US" sz="1500" dirty="0"/>
+              <a:rPr lang="ko-KR" altLang="en-US" sz="1800" dirty="0"/>
               <a:t>서버에 저장되는가</a:t>
             </a:r>
             <a:r>
-              <a:rPr lang="en-US" altLang="ko-KR" sz="1500" dirty="0"/>
+              <a:rPr lang="en-US" altLang="ko-KR" sz="1800" dirty="0"/>
               <a:t>?</a:t>
             </a:r>
-            <a:endParaRPr lang="ko-KR" altLang="en-US" sz="1500" dirty="0"/>
+            <a:endParaRPr lang="ko-KR" altLang="en-US" sz="1800" dirty="0"/>
           </a:p>
           <a:p>
             <a:pPr fontAlgn="base" latinLnBrk="0">
               <a:lnSpc>
-                <a:spcPct val="150000"/>
+                <a:spcPct val="100000"/>
               </a:lnSpc>
             </a:pPr>
             <a:r>
-              <a:rPr lang="ko-KR" altLang="en-US" sz="1500" dirty="0"/>
+              <a:rPr lang="ko-KR" altLang="en-US" sz="1800" dirty="0"/>
               <a:t>	</a:t>
             </a:r>
             <a:r>
-              <a:rPr lang="en-US" altLang="ko-KR" sz="1500" dirty="0"/>
+              <a:rPr lang="en-US" altLang="ko-KR" sz="1800" dirty="0"/>
               <a:t>- DB</a:t>
             </a:r>
             <a:r>
-              <a:rPr lang="ko-KR" altLang="en-US" sz="1500" dirty="0"/>
+              <a:rPr lang="ko-KR" altLang="en-US" sz="1800" dirty="0"/>
               <a:t>서버와 연결된 후 스피커 모듈의 </a:t>
             </a:r>
             <a:r>
-              <a:rPr lang="en-US" altLang="ko-KR" sz="1500" dirty="0"/>
+              <a:rPr lang="en-US" altLang="ko-KR" sz="1800" dirty="0"/>
               <a:t>IP</a:t>
             </a:r>
             <a:r>
-              <a:rPr lang="ko-KR" altLang="en-US" sz="1500" dirty="0"/>
+              <a:rPr lang="ko-KR" altLang="en-US" sz="1800" dirty="0"/>
               <a:t>를 받는 상태가 되는가</a:t>
             </a:r>
             <a:r>
-              <a:rPr lang="en-US" altLang="ko-KR" sz="1500" dirty="0"/>
+              <a:rPr lang="en-US" altLang="ko-KR" sz="1800" dirty="0"/>
               <a:t>?</a:t>
             </a:r>
-            <a:endParaRPr lang="ko-KR" altLang="en-US" sz="1500" dirty="0"/>
+            <a:endParaRPr lang="ko-KR" altLang="en-US" sz="1800" dirty="0"/>
           </a:p>
           <a:p>
             <a:pPr fontAlgn="base" latinLnBrk="0">
               <a:lnSpc>
-                <a:spcPct val="150000"/>
+                <a:spcPct val="100000"/>
               </a:lnSpc>
             </a:pPr>
             <a:r>
-              <a:rPr lang="ko-KR" altLang="en-US" sz="1500" dirty="0"/>
+              <a:rPr lang="ko-KR" altLang="en-US" sz="1800" dirty="0"/>
               <a:t>	</a:t>
             </a:r>
             <a:r>
-              <a:rPr lang="en-US" altLang="ko-KR" sz="1500" dirty="0"/>
+              <a:rPr lang="en-US" altLang="ko-KR" sz="1800" dirty="0"/>
               <a:t>- </a:t>
             </a:r>
             <a:r>
-              <a:rPr lang="ko-KR" altLang="en-US" sz="1500" dirty="0"/>
+              <a:rPr lang="ko-KR" altLang="en-US" sz="1800" dirty="0"/>
               <a:t>유저가 메인 모듈 웹 클라이언트에 접속하면 스피커 모듈의 </a:t>
             </a:r>
             <a:r>
-              <a:rPr lang="en-US" altLang="ko-KR" sz="1500" dirty="0"/>
+              <a:rPr lang="en-US" altLang="ko-KR" sz="1800" dirty="0"/>
               <a:t>IP</a:t>
             </a:r>
             <a:r>
-              <a:rPr lang="ko-KR" altLang="en-US" sz="1500" dirty="0"/>
+              <a:rPr lang="ko-KR" altLang="en-US" sz="1800" dirty="0"/>
               <a:t>를 받는 상태가 종료되는가</a:t>
             </a:r>
             <a:r>
-              <a:rPr lang="en-US" altLang="ko-KR" sz="1500" dirty="0"/>
+              <a:rPr lang="en-US" altLang="ko-KR" sz="1800" dirty="0"/>
               <a:t>?</a:t>
             </a:r>
-            <a:endParaRPr lang="ko-KR" altLang="en-US" sz="1500" dirty="0"/>
+            <a:endParaRPr lang="ko-KR" altLang="en-US" sz="1800" dirty="0"/>
           </a:p>
           <a:p>
             <a:pPr fontAlgn="base" latinLnBrk="0">
               <a:lnSpc>
-                <a:spcPct val="150000"/>
+                <a:spcPct val="100000"/>
               </a:lnSpc>
             </a:pPr>
             <a:r>
-              <a:rPr lang="en-US" altLang="ko-KR" sz="1500" b="1" dirty="0"/>
+              <a:rPr lang="en-US" altLang="ko-KR" sz="1800" b="1" dirty="0"/>
               <a:t>2. </a:t>
             </a:r>
             <a:r>
-              <a:rPr lang="ko-KR" altLang="en-US" sz="1500" b="1" dirty="0"/>
+              <a:rPr lang="ko-KR" altLang="en-US" sz="1800" b="1" dirty="0"/>
               <a:t>모듈 연결 응답</a:t>
             </a:r>
           </a:p>
           <a:p>
             <a:pPr fontAlgn="base" latinLnBrk="0">
               <a:lnSpc>
-                <a:spcPct val="150000"/>
+                <a:spcPct val="100000"/>
               </a:lnSpc>
             </a:pPr>
             <a:r>
-              <a:rPr lang="ko-KR" altLang="en-US" sz="1500" dirty="0"/>
+              <a:rPr lang="ko-KR" altLang="en-US" sz="1800" dirty="0"/>
               <a:t>	</a:t>
             </a:r>
             <a:r>
-              <a:rPr lang="en-US" altLang="ko-KR" sz="1500" dirty="0"/>
+              <a:rPr lang="en-US" altLang="ko-KR" sz="1800" dirty="0"/>
               <a:t>- </a:t>
             </a:r>
             <a:r>
-              <a:rPr lang="ko-KR" altLang="en-US" sz="1500" dirty="0"/>
+              <a:rPr lang="ko-KR" altLang="en-US" sz="1800" dirty="0"/>
               <a:t>모듈 연결 응답이 </a:t>
             </a:r>
             <a:r>
-              <a:rPr lang="en-US" altLang="ko-KR" sz="1500" dirty="0"/>
+              <a:rPr lang="en-US" altLang="ko-KR" sz="1800" dirty="0"/>
               <a:t>3</a:t>
             </a:r>
             <a:r>
-              <a:rPr lang="ko-KR" altLang="en-US" sz="1500" dirty="0"/>
+              <a:rPr lang="ko-KR" altLang="en-US" sz="1800" dirty="0"/>
               <a:t>초 내로 이루어지는가</a:t>
             </a:r>
             <a:r>
-              <a:rPr lang="en-US" altLang="ko-KR" sz="1500" dirty="0"/>
+              <a:rPr lang="en-US" altLang="ko-KR" sz="1800" dirty="0"/>
               <a:t>?</a:t>
             </a:r>
-            <a:endParaRPr lang="ko-KR" altLang="en-US" sz="1500" dirty="0"/>
+            <a:endParaRPr lang="ko-KR" altLang="en-US" sz="1800" dirty="0"/>
           </a:p>
           <a:p>
             <a:pPr fontAlgn="base" latinLnBrk="0">
               <a:lnSpc>
-                <a:spcPct val="150000"/>
+                <a:spcPct val="100000"/>
               </a:lnSpc>
             </a:pPr>
             <a:r>
-              <a:rPr lang="en-US" altLang="ko-KR" sz="1500" b="1" dirty="0"/>
+              <a:rPr lang="en-US" altLang="ko-KR" sz="1800" b="1" dirty="0"/>
               <a:t>3. </a:t>
             </a:r>
             <a:r>
-              <a:rPr lang="ko-KR" altLang="en-US" sz="1500" b="1" dirty="0"/>
+              <a:rPr lang="ko-KR" altLang="en-US" sz="1800" b="1" dirty="0"/>
               <a:t>대본 선택</a:t>
             </a:r>
           </a:p>
           <a:p>
             <a:pPr fontAlgn="base" latinLnBrk="0">
               <a:lnSpc>
-                <a:spcPct val="150000"/>
+                <a:spcPct val="100000"/>
               </a:lnSpc>
             </a:pPr>
             <a:r>
-              <a:rPr lang="ko-KR" altLang="en-US" sz="1500" dirty="0"/>
+              <a:rPr lang="ko-KR" altLang="en-US" sz="1800" dirty="0"/>
               <a:t>	</a:t>
             </a:r>
             <a:r>
-              <a:rPr lang="en-US" altLang="ko-KR" sz="1500" dirty="0"/>
+              <a:rPr lang="en-US" altLang="ko-KR" sz="1800" dirty="0"/>
               <a:t>- </a:t>
             </a:r>
             <a:r>
-              <a:rPr lang="ko-KR" altLang="en-US" sz="1500" dirty="0"/>
+              <a:rPr lang="ko-KR" altLang="en-US" sz="1800" dirty="0"/>
               <a:t>대본 선택을 누르면 대본 리스트가 </a:t>
             </a:r>
             <a:r>
-              <a:rPr lang="en-US" altLang="ko-KR" sz="1500" dirty="0"/>
+              <a:rPr lang="en-US" altLang="ko-KR" sz="1800" dirty="0"/>
               <a:t>3</a:t>
             </a:r>
             <a:r>
-              <a:rPr lang="ko-KR" altLang="en-US" sz="1500" dirty="0"/>
+              <a:rPr lang="ko-KR" altLang="en-US" sz="1800" dirty="0"/>
               <a:t>초 내로 나타나는가</a:t>
             </a:r>
             <a:r>
-              <a:rPr lang="en-US" altLang="ko-KR" sz="1500" dirty="0"/>
+              <a:rPr lang="en-US" altLang="ko-KR" sz="1800" dirty="0"/>
               <a:t>?</a:t>
             </a:r>
-            <a:endParaRPr lang="ko-KR" altLang="en-US" sz="1500" dirty="0"/>
+            <a:endParaRPr lang="ko-KR" altLang="en-US" sz="1800" dirty="0"/>
           </a:p>
           <a:p>
             <a:pPr fontAlgn="base" latinLnBrk="0">
               <a:lnSpc>
-                <a:spcPct val="150000"/>
+                <a:spcPct val="100000"/>
               </a:lnSpc>
             </a:pPr>
             <a:r>
-              <a:rPr lang="ko-KR" altLang="en-US" sz="1500" dirty="0"/>
+              <a:rPr lang="ko-KR" altLang="en-US" sz="1800" dirty="0"/>
               <a:t>	</a:t>
             </a:r>
             <a:r>
-              <a:rPr lang="en-US" altLang="ko-KR" sz="1500" dirty="0"/>
+              <a:rPr lang="en-US" altLang="ko-KR" sz="1800" dirty="0"/>
               <a:t>- </a:t>
             </a:r>
             <a:r>
-              <a:rPr lang="ko-KR" altLang="en-US" sz="1500" dirty="0"/>
+              <a:rPr lang="ko-KR" altLang="en-US" sz="1800" dirty="0"/>
               <a:t>완료 버튼을 누를 시 메인 모듈이 알아서 등장인물을 배분하는가</a:t>
             </a:r>
             <a:r>
-              <a:rPr lang="en-US" altLang="ko-KR" sz="1500" dirty="0"/>
+              <a:rPr lang="en-US" altLang="ko-KR" sz="1800" dirty="0"/>
               <a:t>?</a:t>
             </a:r>
-            <a:endParaRPr lang="ko-KR" altLang="en-US" sz="1500" dirty="0"/>
+            <a:endParaRPr lang="ko-KR" altLang="en-US" sz="1800" dirty="0"/>
           </a:p>
           <a:p>
             <a:pPr fontAlgn="base" latinLnBrk="0">
               <a:lnSpc>
-                <a:spcPct val="150000"/>
+                <a:spcPct val="100000"/>
               </a:lnSpc>
             </a:pPr>
             <a:r>
-              <a:rPr lang="ko-KR" altLang="en-US" sz="1500" dirty="0"/>
+              <a:rPr lang="ko-KR" altLang="en-US" sz="1800" dirty="0"/>
               <a:t>	</a:t>
             </a:r>
             <a:r>
-              <a:rPr lang="en-US" altLang="ko-KR" sz="1500" dirty="0"/>
+              <a:rPr lang="en-US" altLang="ko-KR" sz="1800" dirty="0"/>
               <a:t>- </a:t>
             </a:r>
             <a:r>
-              <a:rPr lang="ko-KR" altLang="en-US" sz="1500" dirty="0"/>
+              <a:rPr lang="ko-KR" altLang="en-US" sz="1800" dirty="0"/>
               <a:t>역할 설정을 누를 시 역할 설정으로 넘어가는가</a:t>
             </a:r>
             <a:r>
-              <a:rPr lang="en-US" altLang="ko-KR" sz="1500" dirty="0"/>
+              <a:rPr lang="en-US" altLang="ko-KR" sz="1800" dirty="0"/>
               <a:t>?</a:t>
             </a:r>
-            <a:endParaRPr lang="ko-KR" altLang="en-US" sz="1500" dirty="0"/>
+            <a:endParaRPr lang="ko-KR" altLang="en-US" sz="1800" dirty="0"/>
           </a:p>
           <a:p>
             <a:pPr fontAlgn="base" latinLnBrk="0">
               <a:lnSpc>
-                <a:spcPct val="150000"/>
+                <a:spcPct val="100000"/>
               </a:lnSpc>
             </a:pPr>
             <a:r>
-              <a:rPr lang="ko-KR" altLang="en-US" sz="1500" dirty="0"/>
+              <a:rPr lang="ko-KR" altLang="en-US" sz="1800" dirty="0"/>
               <a:t>	</a:t>
             </a:r>
             <a:r>
-              <a:rPr lang="en-US" altLang="ko-KR" sz="1500" dirty="0"/>
+              <a:rPr lang="en-US" altLang="ko-KR" sz="1800" dirty="0"/>
               <a:t>- </a:t>
             </a:r>
             <a:r>
-              <a:rPr lang="ko-KR" altLang="en-US" sz="1500" dirty="0"/>
+              <a:rPr lang="ko-KR" altLang="en-US" sz="1800" dirty="0"/>
               <a:t>취소를 누를 시 현재까지의 설정이 취소되고 처음 화면으로 돌아가는가</a:t>
             </a:r>
             <a:r>
-              <a:rPr lang="en-US" altLang="ko-KR" sz="1500" dirty="0"/>
+              <a:rPr lang="en-US" altLang="ko-KR" sz="1800" dirty="0"/>
               <a:t>?</a:t>
             </a:r>
-            <a:endParaRPr lang="ko-KR" altLang="en-US" sz="1500" dirty="0"/>
+            <a:endParaRPr lang="ko-KR" altLang="en-US" sz="1800" dirty="0"/>
           </a:p>
           <a:p>
             <a:pPr fontAlgn="base" latinLnBrk="0">
               <a:lnSpc>
-                <a:spcPct val="150000"/>
+                <a:spcPct val="100000"/>
               </a:lnSpc>
             </a:pPr>
             <a:r>
-              <a:rPr lang="en-US" altLang="ko-KR" sz="1500" b="1" dirty="0"/>
+              <a:rPr lang="en-US" altLang="ko-KR" sz="1800" b="1" dirty="0"/>
               <a:t>4. </a:t>
             </a:r>
             <a:r>
-              <a:rPr lang="ko-KR" altLang="en-US" sz="1500" b="1" dirty="0"/>
+              <a:rPr lang="ko-KR" altLang="en-US" sz="1800" b="1" dirty="0"/>
               <a:t>역할 설정</a:t>
             </a:r>
           </a:p>
           <a:p>
             <a:pPr fontAlgn="base" latinLnBrk="0">
               <a:lnSpc>
-                <a:spcPct val="150000"/>
+                <a:spcPct val="100000"/>
               </a:lnSpc>
             </a:pPr>
             <a:r>
-              <a:rPr lang="ko-KR" altLang="en-US" sz="1500" dirty="0"/>
+              <a:rPr lang="ko-KR" altLang="en-US" sz="1800" dirty="0"/>
               <a:t>	</a:t>
             </a:r>
             <a:r>
-              <a:rPr lang="en-US" altLang="ko-KR" sz="1500" dirty="0"/>
+              <a:rPr lang="en-US" altLang="ko-KR" sz="1800" dirty="0"/>
               <a:t>- </a:t>
             </a:r>
             <a:r>
-              <a:rPr lang="ko-KR" altLang="en-US" sz="1500" dirty="0"/>
+              <a:rPr lang="ko-KR" altLang="en-US" sz="1800" dirty="0"/>
               <a:t>역할 설정이 </a:t>
             </a:r>
             <a:r>
-              <a:rPr lang="en-US" altLang="ko-KR" sz="1500" dirty="0"/>
+              <a:rPr lang="en-US" altLang="ko-KR" sz="1800" dirty="0"/>
               <a:t>3</a:t>
             </a:r>
             <a:r>
-              <a:rPr lang="ko-KR" altLang="en-US" sz="1500" dirty="0"/>
+              <a:rPr lang="ko-KR" altLang="en-US" sz="1800" dirty="0"/>
               <a:t>초 내로 진행이 되는가</a:t>
             </a:r>
             <a:r>
-              <a:rPr lang="en-US" altLang="ko-KR" sz="1500" dirty="0"/>
+              <a:rPr lang="en-US" altLang="ko-KR" sz="1800" dirty="0"/>
               <a:t>?</a:t>
             </a:r>
-            <a:endParaRPr lang="ko-KR" altLang="en-US" sz="1500" dirty="0"/>
+            <a:endParaRPr lang="ko-KR" altLang="en-US" sz="1800" dirty="0"/>
           </a:p>
           <a:p>
             <a:pPr fontAlgn="base" latinLnBrk="0">
               <a:lnSpc>
-                <a:spcPct val="150000"/>
+                <a:spcPct val="100000"/>
               </a:lnSpc>
             </a:pPr>
             <a:r>
-              <a:rPr lang="ko-KR" altLang="en-US" sz="1500" dirty="0"/>
+              <a:rPr lang="ko-KR" altLang="en-US" sz="1800" dirty="0"/>
               <a:t>	</a:t>
             </a:r>
             <a:r>
-              <a:rPr lang="en-US" altLang="ko-KR" sz="1500" dirty="0"/>
+              <a:rPr lang="en-US" altLang="ko-KR" sz="1800" dirty="0"/>
               <a:t>- </a:t>
             </a:r>
             <a:r>
-              <a:rPr lang="ko-KR" altLang="en-US" sz="1500" dirty="0"/>
+              <a:rPr lang="ko-KR" altLang="en-US" sz="1800" dirty="0"/>
               <a:t>등장인물을 배정받지 않은 스피커는 사용되지 않는가</a:t>
             </a:r>
             <a:r>
-              <a:rPr lang="en-US" altLang="ko-KR" sz="1500" dirty="0"/>
+              <a:rPr lang="en-US" altLang="ko-KR" sz="1800" dirty="0"/>
               <a:t>?</a:t>
             </a:r>
-            <a:endParaRPr lang="ko-KR" altLang="en-US" sz="1500" dirty="0"/>
+            <a:endParaRPr lang="ko-KR" altLang="en-US" sz="1800" dirty="0"/>
           </a:p>
         </p:txBody>
       </p:sp>
@@ -12614,372 +15056,372 @@
           <a:p>
             <a:pPr fontAlgn="base" latinLnBrk="0">
               <a:lnSpc>
-                <a:spcPct val="150000"/>
+                <a:spcPct val="100000"/>
               </a:lnSpc>
             </a:pPr>
             <a:r>
-              <a:rPr lang="en-US" altLang="ko-KR" sz="1500" b="1" dirty="0"/>
+              <a:rPr lang="en-US" altLang="ko-KR" sz="1800" b="1" dirty="0"/>
               <a:t>5.</a:t>
             </a:r>
             <a:r>
-              <a:rPr lang="ko-KR" altLang="en-US" sz="1500" b="1" dirty="0"/>
+              <a:rPr lang="ko-KR" altLang="en-US" sz="1800" b="1" dirty="0"/>
               <a:t> 재생 설정</a:t>
             </a:r>
           </a:p>
           <a:p>
             <a:pPr fontAlgn="base" latinLnBrk="0">
               <a:lnSpc>
-                <a:spcPct val="150000"/>
+                <a:spcPct val="100000"/>
               </a:lnSpc>
             </a:pPr>
             <a:r>
-              <a:rPr lang="en-US" altLang="ko-KR" sz="1500" dirty="0"/>
+              <a:rPr lang="en-US" altLang="ko-KR" sz="1800" dirty="0"/>
               <a:t> </a:t>
             </a:r>
             <a:r>
-              <a:rPr lang="ko-KR" altLang="en-US" sz="1500" dirty="0"/>
+              <a:rPr lang="ko-KR" altLang="en-US" sz="1800" dirty="0"/>
               <a:t>	</a:t>
             </a:r>
             <a:r>
-              <a:rPr lang="en-US" altLang="ko-KR" sz="1500" dirty="0"/>
+              <a:rPr lang="en-US" altLang="ko-KR" sz="1800" dirty="0"/>
               <a:t>- </a:t>
             </a:r>
             <a:r>
-              <a:rPr lang="ko-KR" altLang="en-US" sz="1500" dirty="0"/>
+              <a:rPr lang="ko-KR" altLang="en-US" sz="1800" dirty="0"/>
               <a:t>하단의 인터페이스 바를 조작 시 </a:t>
             </a:r>
             <a:r>
-              <a:rPr lang="en-US" altLang="ko-KR" sz="1500" dirty="0"/>
+              <a:rPr lang="en-US" altLang="ko-KR" sz="1800" dirty="0"/>
               <a:t>3</a:t>
             </a:r>
             <a:r>
-              <a:rPr lang="ko-KR" altLang="en-US" sz="1500" dirty="0"/>
+              <a:rPr lang="ko-KR" altLang="en-US" sz="1800" dirty="0"/>
               <a:t>초 내로 진행이 되는가</a:t>
             </a:r>
             <a:r>
-              <a:rPr lang="en-US" altLang="ko-KR" sz="1500" dirty="0"/>
+              <a:rPr lang="en-US" altLang="ko-KR" sz="1800" dirty="0"/>
               <a:t>?</a:t>
             </a:r>
-            <a:endParaRPr lang="ko-KR" altLang="en-US" sz="1500" dirty="0"/>
+            <a:endParaRPr lang="ko-KR" altLang="en-US" sz="1800" dirty="0"/>
           </a:p>
           <a:p>
             <a:pPr fontAlgn="base" latinLnBrk="0">
               <a:lnSpc>
-                <a:spcPct val="150000"/>
+                <a:spcPct val="100000"/>
               </a:lnSpc>
             </a:pPr>
             <a:r>
-              <a:rPr lang="en-US" altLang="ko-KR" sz="1500" b="1" dirty="0"/>
+              <a:rPr lang="en-US" altLang="ko-KR" sz="1800" b="1" dirty="0"/>
               <a:t>6. </a:t>
             </a:r>
             <a:r>
-              <a:rPr lang="ko-KR" altLang="en-US" sz="1500" b="1" dirty="0"/>
+              <a:rPr lang="ko-KR" altLang="en-US" sz="1800" b="1" dirty="0"/>
               <a:t>대본 재생</a:t>
             </a:r>
           </a:p>
           <a:p>
             <a:pPr fontAlgn="base" latinLnBrk="0">
               <a:lnSpc>
-                <a:spcPct val="150000"/>
+                <a:spcPct val="100000"/>
               </a:lnSpc>
             </a:pPr>
             <a:r>
-              <a:rPr lang="ko-KR" altLang="en-US" sz="1500" dirty="0"/>
+              <a:rPr lang="ko-KR" altLang="en-US" sz="1800" dirty="0"/>
               <a:t>	</a:t>
             </a:r>
             <a:r>
-              <a:rPr lang="en-US" altLang="ko-KR" sz="1500" dirty="0"/>
+              <a:rPr lang="en-US" altLang="ko-KR" sz="1800" dirty="0"/>
               <a:t>- </a:t>
             </a:r>
             <a:r>
-              <a:rPr lang="ko-KR" altLang="en-US" sz="1500" dirty="0"/>
+              <a:rPr lang="ko-KR" altLang="en-US" sz="1800" dirty="0"/>
               <a:t>재생목록으로 </a:t>
             </a:r>
             <a:r>
-              <a:rPr lang="en-US" altLang="ko-KR" sz="1500" dirty="0"/>
+              <a:rPr lang="en-US" altLang="ko-KR" sz="1800" dirty="0"/>
               <a:t>3</a:t>
             </a:r>
             <a:r>
-              <a:rPr lang="ko-KR" altLang="en-US" sz="1500" dirty="0"/>
+              <a:rPr lang="ko-KR" altLang="en-US" sz="1800" dirty="0"/>
               <a:t>초 내로 이동이 되는가</a:t>
             </a:r>
             <a:r>
-              <a:rPr lang="en-US" altLang="ko-KR" sz="1500" dirty="0"/>
+              <a:rPr lang="en-US" altLang="ko-KR" sz="1800" dirty="0"/>
               <a:t>?</a:t>
             </a:r>
-            <a:endParaRPr lang="ko-KR" altLang="en-US" sz="1500" dirty="0"/>
+            <a:endParaRPr lang="ko-KR" altLang="en-US" sz="1800" dirty="0"/>
           </a:p>
           <a:p>
             <a:pPr fontAlgn="base" latinLnBrk="0">
               <a:lnSpc>
-                <a:spcPct val="150000"/>
+                <a:spcPct val="100000"/>
               </a:lnSpc>
             </a:pPr>
             <a:r>
-              <a:rPr lang="ko-KR" altLang="en-US" sz="1500" dirty="0"/>
+              <a:rPr lang="ko-KR" altLang="en-US" sz="1800" dirty="0"/>
               <a:t>	</a:t>
             </a:r>
             <a:r>
-              <a:rPr lang="en-US" altLang="ko-KR" sz="1500" dirty="0"/>
+              <a:rPr lang="en-US" altLang="ko-KR" sz="1800" dirty="0"/>
               <a:t>- </a:t>
             </a:r>
             <a:r>
-              <a:rPr lang="ko-KR" altLang="en-US" sz="1500" dirty="0"/>
+              <a:rPr lang="ko-KR" altLang="en-US" sz="1800" dirty="0"/>
               <a:t>재생목록에서 재생버튼을 누를 시 </a:t>
             </a:r>
             <a:r>
-              <a:rPr lang="en-US" altLang="ko-KR" sz="1500" dirty="0"/>
+              <a:rPr lang="en-US" altLang="ko-KR" sz="1800" dirty="0"/>
               <a:t>3</a:t>
             </a:r>
             <a:r>
-              <a:rPr lang="ko-KR" altLang="en-US" sz="1500" dirty="0"/>
+              <a:rPr lang="ko-KR" altLang="en-US" sz="1800" dirty="0"/>
               <a:t>초 내로 대본이 실행이 되는가</a:t>
             </a:r>
             <a:r>
-              <a:rPr lang="en-US" altLang="ko-KR" sz="1500" dirty="0"/>
+              <a:rPr lang="en-US" altLang="ko-KR" sz="1800" dirty="0"/>
               <a:t>?</a:t>
             </a:r>
-            <a:endParaRPr lang="ko-KR" altLang="en-US" sz="1500" dirty="0"/>
+            <a:endParaRPr lang="ko-KR" altLang="en-US" sz="1800" dirty="0"/>
           </a:p>
           <a:p>
             <a:pPr fontAlgn="base" latinLnBrk="0">
               <a:lnSpc>
-                <a:spcPct val="150000"/>
+                <a:spcPct val="100000"/>
               </a:lnSpc>
             </a:pPr>
             <a:r>
-              <a:rPr lang="en-US" altLang="ko-KR" sz="1500" b="1" dirty="0"/>
+              <a:rPr lang="en-US" altLang="ko-KR" sz="1800" b="1" dirty="0"/>
               <a:t>7. </a:t>
             </a:r>
             <a:r>
-              <a:rPr lang="ko-KR" altLang="en-US" sz="1500" b="1" dirty="0"/>
+              <a:rPr lang="ko-KR" altLang="en-US" sz="1800" b="1" dirty="0"/>
               <a:t>재생목록에서 대본 삭제</a:t>
             </a:r>
           </a:p>
           <a:p>
             <a:pPr fontAlgn="base" latinLnBrk="0">
               <a:lnSpc>
-                <a:spcPct val="150000"/>
+                <a:spcPct val="100000"/>
               </a:lnSpc>
             </a:pPr>
             <a:r>
-              <a:rPr lang="ko-KR" altLang="en-US" sz="1500" dirty="0"/>
+              <a:rPr lang="ko-KR" altLang="en-US" sz="1800" dirty="0"/>
               <a:t>	</a:t>
             </a:r>
             <a:r>
-              <a:rPr lang="en-US" altLang="ko-KR" sz="1500" dirty="0"/>
+              <a:rPr lang="en-US" altLang="ko-KR" sz="1800" dirty="0"/>
               <a:t>- </a:t>
             </a:r>
             <a:r>
-              <a:rPr lang="ko-KR" altLang="en-US" sz="1500" dirty="0"/>
+              <a:rPr lang="ko-KR" altLang="en-US" sz="1800" dirty="0"/>
               <a:t>재생목록에서 삭제를 누를 시 </a:t>
             </a:r>
             <a:r>
-              <a:rPr lang="en-US" altLang="ko-KR" sz="1500" dirty="0"/>
+              <a:rPr lang="en-US" altLang="ko-KR" sz="1800" dirty="0"/>
               <a:t>3</a:t>
             </a:r>
             <a:r>
-              <a:rPr lang="ko-KR" altLang="en-US" sz="1500" dirty="0"/>
+              <a:rPr lang="ko-KR" altLang="en-US" sz="1800" dirty="0"/>
               <a:t>초 내로 대본이 삭제가 되는가</a:t>
             </a:r>
             <a:r>
-              <a:rPr lang="en-US" altLang="ko-KR" sz="1500" dirty="0"/>
+              <a:rPr lang="en-US" altLang="ko-KR" sz="1800" dirty="0"/>
               <a:t>? </a:t>
             </a:r>
-            <a:endParaRPr lang="ko-KR" altLang="en-US" sz="1500" dirty="0"/>
+            <a:endParaRPr lang="ko-KR" altLang="en-US" sz="1800" dirty="0"/>
           </a:p>
           <a:p>
             <a:pPr fontAlgn="base" latinLnBrk="0">
               <a:lnSpc>
-                <a:spcPct val="150000"/>
+                <a:spcPct val="100000"/>
               </a:lnSpc>
             </a:pPr>
             <a:r>
-              <a:rPr lang="en-US" altLang="ko-KR" sz="1500" b="1" dirty="0"/>
+              <a:rPr lang="en-US" altLang="ko-KR" sz="1800" b="1" dirty="0"/>
               <a:t>8. </a:t>
             </a:r>
             <a:r>
-              <a:rPr lang="ko-KR" altLang="en-US" sz="1500" b="1" dirty="0"/>
+              <a:rPr lang="ko-KR" altLang="en-US" sz="1800" b="1" dirty="0"/>
               <a:t>대본 요청</a:t>
             </a:r>
           </a:p>
           <a:p>
             <a:pPr fontAlgn="base" latinLnBrk="0">
               <a:lnSpc>
-                <a:spcPct val="150000"/>
+                <a:spcPct val="100000"/>
               </a:lnSpc>
             </a:pPr>
             <a:r>
-              <a:rPr lang="ko-KR" altLang="en-US" sz="1500" dirty="0"/>
+              <a:rPr lang="ko-KR" altLang="en-US" sz="1800" dirty="0"/>
               <a:t>	</a:t>
             </a:r>
             <a:r>
-              <a:rPr lang="en-US" altLang="ko-KR" sz="1500" dirty="0"/>
+              <a:rPr lang="en-US" altLang="ko-KR" sz="1800" dirty="0"/>
               <a:t>- </a:t>
             </a:r>
             <a:r>
-              <a:rPr lang="ko-KR" altLang="en-US" sz="1500" dirty="0"/>
+              <a:rPr lang="ko-KR" altLang="en-US" sz="1800" dirty="0"/>
               <a:t>대본 요청이 </a:t>
             </a:r>
             <a:r>
-              <a:rPr lang="en-US" altLang="ko-KR" sz="1500" dirty="0"/>
+              <a:rPr lang="en-US" altLang="ko-KR" sz="1800" dirty="0"/>
               <a:t>3</a:t>
             </a:r>
             <a:r>
-              <a:rPr lang="ko-KR" altLang="en-US" sz="1500" dirty="0"/>
+              <a:rPr lang="ko-KR" altLang="en-US" sz="1800" dirty="0"/>
               <a:t>초 내로 이루어 지는가</a:t>
             </a:r>
             <a:r>
-              <a:rPr lang="en-US" altLang="ko-KR" sz="1500" dirty="0"/>
+              <a:rPr lang="en-US" altLang="ko-KR" sz="1800" dirty="0"/>
               <a:t>?</a:t>
             </a:r>
-            <a:endParaRPr lang="ko-KR" altLang="en-US" sz="1500" dirty="0"/>
+            <a:endParaRPr lang="ko-KR" altLang="en-US" sz="1800" dirty="0"/>
           </a:p>
           <a:p>
             <a:pPr fontAlgn="base" latinLnBrk="0">
               <a:lnSpc>
-                <a:spcPct val="150000"/>
+                <a:spcPct val="100000"/>
               </a:lnSpc>
             </a:pPr>
             <a:r>
-              <a:rPr lang="en-US" altLang="ko-KR" sz="1500" b="1" dirty="0"/>
+              <a:rPr lang="en-US" altLang="ko-KR" sz="1800" b="1" dirty="0"/>
               <a:t>9. </a:t>
             </a:r>
             <a:r>
-              <a:rPr lang="ko-KR" altLang="en-US" sz="1500" b="1" dirty="0"/>
+              <a:rPr lang="ko-KR" altLang="en-US" sz="1800" b="1" dirty="0"/>
               <a:t>스피커 모듈로 대사 </a:t>
             </a:r>
           </a:p>
           <a:p>
             <a:pPr fontAlgn="base" latinLnBrk="0">
               <a:lnSpc>
-                <a:spcPct val="150000"/>
+                <a:spcPct val="100000"/>
               </a:lnSpc>
             </a:pPr>
             <a:r>
-              <a:rPr lang="ko-KR" altLang="en-US" sz="1500" dirty="0"/>
+              <a:rPr lang="ko-KR" altLang="en-US" sz="1800" dirty="0"/>
               <a:t>	</a:t>
             </a:r>
             <a:r>
-              <a:rPr lang="en-US" altLang="ko-KR" sz="1500" dirty="0"/>
+              <a:rPr lang="en-US" altLang="ko-KR" sz="1800" dirty="0"/>
               <a:t>- </a:t>
             </a:r>
             <a:r>
-              <a:rPr lang="ko-KR" altLang="en-US" sz="1500" dirty="0"/>
+              <a:rPr lang="ko-KR" altLang="en-US" sz="1800" dirty="0"/>
               <a:t>메인 모듈이 스피커 모듈의 역할에 맞는 대사를 모두 전송하는가</a:t>
             </a:r>
             <a:r>
-              <a:rPr lang="en-US" altLang="ko-KR" sz="1500" dirty="0"/>
+              <a:rPr lang="en-US" altLang="ko-KR" sz="1800" dirty="0"/>
               <a:t>?</a:t>
             </a:r>
-            <a:endParaRPr lang="ko-KR" altLang="en-US" sz="1500" dirty="0"/>
+            <a:endParaRPr lang="ko-KR" altLang="en-US" sz="1800" dirty="0"/>
           </a:p>
           <a:p>
             <a:pPr fontAlgn="base" latinLnBrk="0">
               <a:lnSpc>
-                <a:spcPct val="150000"/>
+                <a:spcPct val="100000"/>
               </a:lnSpc>
             </a:pPr>
             <a:r>
-              <a:rPr lang="ko-KR" altLang="en-US" sz="1500" dirty="0"/>
+              <a:rPr lang="ko-KR" altLang="en-US" sz="1800" dirty="0"/>
               <a:t>	</a:t>
             </a:r>
             <a:r>
-              <a:rPr lang="en-US" altLang="ko-KR" sz="1500" dirty="0"/>
+              <a:rPr lang="en-US" altLang="ko-KR" sz="1800" dirty="0"/>
               <a:t>- </a:t>
             </a:r>
             <a:r>
-              <a:rPr lang="ko-KR" altLang="en-US" sz="1500" dirty="0"/>
+              <a:rPr lang="ko-KR" altLang="en-US" sz="1800" dirty="0"/>
               <a:t>메인 모듈과 스피커 모듈 사이의 통신은 </a:t>
             </a:r>
             <a:r>
-              <a:rPr lang="en-US" altLang="ko-KR" sz="1500" dirty="0"/>
+              <a:rPr lang="en-US" altLang="ko-KR" sz="1800" dirty="0"/>
               <a:t>1</a:t>
             </a:r>
             <a:r>
-              <a:rPr lang="ko-KR" altLang="en-US" sz="1500" dirty="0"/>
+              <a:rPr lang="ko-KR" altLang="en-US" sz="1800" dirty="0"/>
               <a:t>초 내로 이루어지는가</a:t>
             </a:r>
             <a:r>
-              <a:rPr lang="en-US" altLang="ko-KR" sz="1500" dirty="0"/>
+              <a:rPr lang="en-US" altLang="ko-KR" sz="1800" dirty="0"/>
               <a:t>?</a:t>
             </a:r>
-            <a:endParaRPr lang="ko-KR" altLang="en-US" sz="1500" dirty="0"/>
+            <a:endParaRPr lang="ko-KR" altLang="en-US" sz="1800" dirty="0"/>
           </a:p>
           <a:p>
             <a:pPr fontAlgn="base" latinLnBrk="0">
               <a:lnSpc>
-                <a:spcPct val="150000"/>
+                <a:spcPct val="100000"/>
               </a:lnSpc>
             </a:pPr>
             <a:r>
-              <a:rPr lang="ko-KR" altLang="en-US" sz="1500" dirty="0"/>
+              <a:rPr lang="ko-KR" altLang="en-US" sz="1800" dirty="0"/>
               <a:t>	</a:t>
             </a:r>
             <a:r>
-              <a:rPr lang="en-US" altLang="ko-KR" sz="1500" dirty="0"/>
+              <a:rPr lang="en-US" altLang="ko-KR" sz="1800" dirty="0"/>
               <a:t>- </a:t>
             </a:r>
             <a:r>
-              <a:rPr lang="ko-KR" altLang="en-US" sz="1500" dirty="0"/>
+              <a:rPr lang="ko-KR" altLang="en-US" sz="1800" dirty="0"/>
               <a:t>마지막 대사가 재생되고 대본 재생을 마치는가</a:t>
             </a:r>
             <a:r>
-              <a:rPr lang="en-US" altLang="ko-KR" sz="1500" dirty="0"/>
+              <a:rPr lang="en-US" altLang="ko-KR" sz="1800" dirty="0"/>
               <a:t>?</a:t>
             </a:r>
             <a:r>
-              <a:rPr lang="ko-KR" altLang="en-US" sz="1500" dirty="0"/>
+              <a:rPr lang="ko-KR" altLang="en-US" sz="1800" dirty="0"/>
               <a:t> </a:t>
             </a:r>
             <a:r>
-              <a:rPr lang="en-US" altLang="ko-KR" sz="1500" dirty="0"/>
+              <a:rPr lang="en-US" altLang="ko-KR" sz="1800" dirty="0"/>
               <a:t>5. </a:t>
             </a:r>
             <a:r>
-              <a:rPr lang="ko-KR" altLang="en-US" sz="1500" dirty="0"/>
+              <a:rPr lang="ko-KR" altLang="en-US" sz="1800" dirty="0"/>
               <a:t>재생 설정</a:t>
             </a:r>
           </a:p>
           <a:p>
             <a:pPr fontAlgn="base" latinLnBrk="0">
               <a:lnSpc>
-                <a:spcPct val="150000"/>
+                <a:spcPct val="100000"/>
               </a:lnSpc>
             </a:pPr>
             <a:r>
-              <a:rPr lang="ko-KR" altLang="en-US" sz="1500" dirty="0"/>
+              <a:rPr lang="ko-KR" altLang="en-US" sz="1800" dirty="0"/>
               <a:t>	</a:t>
             </a:r>
             <a:r>
-              <a:rPr lang="en-US" altLang="ko-KR" sz="1500" dirty="0"/>
+              <a:rPr lang="en-US" altLang="ko-KR" sz="1800" dirty="0"/>
               <a:t>- </a:t>
             </a:r>
             <a:r>
-              <a:rPr lang="ko-KR" altLang="en-US" sz="1500" dirty="0"/>
+              <a:rPr lang="ko-KR" altLang="en-US" sz="1800" dirty="0"/>
               <a:t>하단의 인터페이스 바를 조작 시 </a:t>
             </a:r>
             <a:r>
-              <a:rPr lang="en-US" altLang="ko-KR" sz="1500" dirty="0"/>
+              <a:rPr lang="en-US" altLang="ko-KR" sz="1800" dirty="0"/>
               <a:t>3</a:t>
             </a:r>
             <a:r>
-              <a:rPr lang="ko-KR" altLang="en-US" sz="1500" dirty="0"/>
+              <a:rPr lang="ko-KR" altLang="en-US" sz="1800" dirty="0"/>
               <a:t>초 내로 진행이 되는가</a:t>
             </a:r>
             <a:r>
-              <a:rPr lang="en-US" altLang="ko-KR" sz="1500" dirty="0"/>
+              <a:rPr lang="en-US" altLang="ko-KR" sz="1800" dirty="0"/>
               <a:t>?</a:t>
             </a:r>
-            <a:endParaRPr lang="ko-KR" altLang="en-US" sz="1500" dirty="0"/>
+            <a:endParaRPr lang="ko-KR" altLang="en-US" sz="1800" dirty="0"/>
           </a:p>
           <a:p>
             <a:pPr fontAlgn="base" latinLnBrk="0">
               <a:lnSpc>
-                <a:spcPct val="150000"/>
+                <a:spcPct val="100000"/>
               </a:lnSpc>
             </a:pPr>
-            <a:endParaRPr lang="ko-KR" altLang="en-US" sz="1500" dirty="0"/>
+            <a:endParaRPr lang="ko-KR" altLang="en-US" sz="1800" dirty="0"/>
           </a:p>
         </p:txBody>
       </p:sp>
@@ -13013,113 +15455,68 @@
           <a:chExt cx="0" cy="0"/>
         </a:xfrm>
       </p:grpSpPr>
-      <p:pic>
-        <p:nvPicPr>
-          <p:cNvPr id="6" name="그림 5"/>
-          <p:cNvPicPr>
-            <a:picLocks noChangeAspect="1"/>
-          </p:cNvPicPr>
-          <p:nvPr/>
-        </p:nvPicPr>
-        <p:blipFill>
-          <a:blip r:embed="rId2">
+      <p:sp>
+        <p:nvSpPr>
+          <p:cNvPr id="2" name="제목 1">
             <a:extLst>
-              <a:ext uri="{28A0092B-C50C-407E-A947-70E740481C1C}">
-                <a14:useLocalDpi xmlns:a14="http://schemas.microsoft.com/office/drawing/2010/main" val="0"/>
+              <a:ext uri="{FF2B5EF4-FFF2-40B4-BE49-F238E27FC236}">
+                <a16:creationId xmlns:a16="http://schemas.microsoft.com/office/drawing/2014/main" id="{237FE8E5-68EB-438B-97B4-CA3EDE74AE35}"/>
               </a:ext>
             </a:extLst>
-          </a:blip>
-          <a:stretch>
-            <a:fillRect/>
-          </a:stretch>
-        </p:blipFill>
-        <p:spPr>
-          <a:xfrm>
-            <a:off x="3922891" y="0"/>
-            <a:ext cx="4486323" cy="4486323"/>
-          </a:xfrm>
-          <a:prstGeom prst="rect">
-            <a:avLst/>
-          </a:prstGeom>
-        </p:spPr>
-      </p:pic>
-      <p:sp>
-        <p:nvSpPr>
-          <p:cNvPr id="2" name="제목 1"/>
+          </p:cNvPr>
           <p:cNvSpPr>
             <a:spLocks noGrp="1"/>
           </p:cNvSpPr>
           <p:nvPr>
-            <p:ph type="ctrTitle"/>
+            <p:ph type="title"/>
           </p:nvPr>
         </p:nvSpPr>
         <p:spPr>
           <a:xfrm>
-            <a:off x="1605645" y="3037108"/>
-            <a:ext cx="9144000" cy="914400"/>
-          </a:xfrm>
-        </p:spPr>
-        <p:txBody>
-          <a:bodyPr>
-            <a:normAutofit fontScale="90000"/>
-          </a:bodyPr>
-          <a:lstStyle/>
-          <a:p>
-            <a:r>
-              <a:rPr lang="ko-KR" altLang="en-US" b="1" dirty="0">
-                <a:solidFill>
-                  <a:schemeClr val="bg1"/>
-                </a:solidFill>
-              </a:rPr>
-              <a:t>너는 </a:t>
-            </a:r>
-            <a:br>
-              <a:rPr lang="en-US" altLang="ko-KR" b="1" dirty="0">
-                <a:solidFill>
-                  <a:schemeClr val="bg1"/>
-                </a:solidFill>
-              </a:rPr>
-            </a:br>
-            <a:r>
-              <a:rPr lang="ko-KR" altLang="en-US" b="1" dirty="0">
-                <a:solidFill>
-                  <a:schemeClr val="bg1"/>
-                </a:solidFill>
-              </a:rPr>
-              <a:t>나의 </a:t>
-            </a:r>
-            <a:br>
-              <a:rPr lang="en-US" altLang="ko-KR" b="1" dirty="0">
-                <a:solidFill>
-                  <a:schemeClr val="bg1"/>
-                </a:solidFill>
-              </a:rPr>
-            </a:br>
-            <a:r>
-              <a:rPr lang="ko-KR" altLang="en-US" b="1" dirty="0">
-                <a:solidFill>
-                  <a:schemeClr val="bg1"/>
-                </a:solidFill>
-              </a:rPr>
-              <a:t>친구</a:t>
-            </a:r>
-          </a:p>
-        </p:txBody>
-      </p:sp>
-      <p:sp>
-        <p:nvSpPr>
-          <p:cNvPr id="3" name="부제목 2"/>
+            <a:off x="0" y="0"/>
+            <a:ext cx="10515240" cy="1325160"/>
+          </a:xfrm>
+        </p:spPr>
+        <p:txBody>
+          <a:bodyPr/>
+          <a:lstStyle/>
+          <a:p>
+            <a:r>
+              <a:rPr lang="en-US" altLang="ko-KR" dirty="0"/>
+              <a:t> </a:t>
+            </a:r>
+            <a:r>
+              <a:rPr lang="ko-KR" altLang="en-US" dirty="0"/>
+              <a:t>스피커 모듈 웹 클라이언트 </a:t>
+            </a:r>
+            <a:r>
+              <a:rPr lang="en-US" altLang="ko-KR" dirty="0" err="1"/>
+              <a:t>TestCase</a:t>
+            </a:r>
+            <a:endParaRPr lang="ko-KR" altLang="en-US" dirty="0"/>
+          </a:p>
+        </p:txBody>
+      </p:sp>
+      <p:sp>
+        <p:nvSpPr>
+          <p:cNvPr id="3" name="부제목 2">
+            <a:extLst>
+              <a:ext uri="{FF2B5EF4-FFF2-40B4-BE49-F238E27FC236}">
+                <a16:creationId xmlns:a16="http://schemas.microsoft.com/office/drawing/2014/main" id="{8E535AFC-E692-4047-B23C-D9F1A757D993}"/>
+              </a:ext>
+            </a:extLst>
+          </p:cNvPr>
           <p:cNvSpPr>
             <a:spLocks noGrp="1"/>
           </p:cNvSpPr>
           <p:nvPr>
-            <p:ph type="subTitle" idx="1"/>
+            <p:ph type="subTitle"/>
           </p:nvPr>
         </p:nvSpPr>
         <p:spPr>
           <a:xfrm>
-            <a:off x="1409700" y="2197780"/>
-            <a:ext cx="9144000" cy="1655762"/>
+            <a:off x="317500" y="1325160"/>
+            <a:ext cx="11150120" cy="5367740"/>
           </a:xfrm>
         </p:spPr>
         <p:txBody>
@@ -13128,201 +15525,200 @@
           </a:bodyPr>
           <a:lstStyle/>
           <a:p>
-            <a:endParaRPr lang="en-US" altLang="ko-KR" dirty="0"/>
-          </a:p>
-          <a:p>
-            <a:endParaRPr lang="en-US" altLang="ko-KR" dirty="0"/>
-          </a:p>
-          <a:p>
-            <a:endParaRPr lang="en-US" altLang="ko-KR" dirty="0"/>
-          </a:p>
-          <a:p>
-            <a:endParaRPr lang="ko-KR" altLang="en-US" dirty="0"/>
-          </a:p>
-        </p:txBody>
-      </p:sp>
-      <p:pic>
-        <p:nvPicPr>
-          <p:cNvPr id="7" name="그림 6"/>
-          <p:cNvPicPr>
-            <a:picLocks noChangeAspect="1"/>
-          </p:cNvPicPr>
-          <p:nvPr/>
-        </p:nvPicPr>
-        <p:blipFill>
-          <a:blip r:embed="rId3">
-            <a:extLst>
-              <a:ext uri="{28A0092B-C50C-407E-A947-70E740481C1C}">
-                <a14:useLocalDpi xmlns:a14="http://schemas.microsoft.com/office/drawing/2010/main" val="0"/>
-              </a:ext>
-            </a:extLst>
-          </a:blip>
-          <a:stretch>
-            <a:fillRect/>
-          </a:stretch>
-        </p:blipFill>
-        <p:spPr>
-          <a:xfrm>
-            <a:off x="-81338" y="0"/>
-            <a:ext cx="4490052" cy="4490052"/>
-          </a:xfrm>
-          <a:prstGeom prst="rect">
-            <a:avLst/>
-          </a:prstGeom>
-        </p:spPr>
-      </p:pic>
-      <p:pic>
-        <p:nvPicPr>
-          <p:cNvPr id="8" name="그림 7"/>
-          <p:cNvPicPr>
-            <a:picLocks noChangeAspect="1"/>
-          </p:cNvPicPr>
-          <p:nvPr/>
-        </p:nvPicPr>
-        <p:blipFill>
-          <a:blip r:embed="rId3">
-            <a:extLst>
-              <a:ext uri="{28A0092B-C50C-407E-A947-70E740481C1C}">
-                <a14:useLocalDpi xmlns:a14="http://schemas.microsoft.com/office/drawing/2010/main" val="0"/>
-              </a:ext>
-            </a:extLst>
-          </a:blip>
-          <a:stretch>
-            <a:fillRect/>
-          </a:stretch>
-        </p:blipFill>
-        <p:spPr>
-          <a:xfrm>
-            <a:off x="7956049" y="0"/>
-            <a:ext cx="4490052" cy="4490052"/>
-          </a:xfrm>
-          <a:prstGeom prst="rect">
-            <a:avLst/>
-          </a:prstGeom>
-        </p:spPr>
-      </p:pic>
-      <p:sp>
-        <p:nvSpPr>
-          <p:cNvPr id="4" name="모서리가 둥근 직사각형 3"/>
-          <p:cNvSpPr/>
-          <p:nvPr/>
-        </p:nvSpPr>
-        <p:spPr>
-          <a:xfrm>
-            <a:off x="3037114" y="5094513"/>
-            <a:ext cx="2743200" cy="1045029"/>
-          </a:xfrm>
-          <a:prstGeom prst="roundRect">
-            <a:avLst/>
-          </a:prstGeom>
-          <a:solidFill>
-            <a:schemeClr val="accent1">
-              <a:lumMod val="20000"/>
-              <a:lumOff val="80000"/>
-            </a:schemeClr>
-          </a:solidFill>
-          <a:ln>
-            <a:solidFill>
-              <a:schemeClr val="bg1"/>
-            </a:solidFill>
-          </a:ln>
-        </p:spPr>
-        <p:style>
-          <a:lnRef idx="2">
-            <a:schemeClr val="accent1">
-              <a:shade val="50000"/>
-            </a:schemeClr>
-          </a:lnRef>
-          <a:fillRef idx="1">
-            <a:schemeClr val="accent1"/>
-          </a:fillRef>
-          <a:effectRef idx="0">
-            <a:schemeClr val="accent1"/>
-          </a:effectRef>
-          <a:fontRef idx="minor">
-            <a:schemeClr val="lt1"/>
-          </a:fontRef>
-        </p:style>
-        <p:txBody>
-          <a:bodyPr rtlCol="0" anchor="ctr"/>
-          <a:lstStyle/>
-          <a:p>
-            <a:pPr algn="ctr"/>
-            <a:r>
-              <a:rPr lang="en-US" altLang="ko-KR" sz="2800" b="1" dirty="0"/>
-              <a:t>Login</a:t>
-            </a:r>
-            <a:endParaRPr lang="ko-KR" altLang="en-US" sz="2800" b="1" dirty="0"/>
-          </a:p>
-        </p:txBody>
-      </p:sp>
-      <p:sp>
-        <p:nvSpPr>
-          <p:cNvPr id="12" name="모서리가 둥근 직사각형 11"/>
-          <p:cNvSpPr/>
-          <p:nvPr/>
-        </p:nvSpPr>
-        <p:spPr>
-          <a:xfrm>
-            <a:off x="6732815" y="5094513"/>
-            <a:ext cx="2743200" cy="1045029"/>
-          </a:xfrm>
-          <a:prstGeom prst="roundRect">
-            <a:avLst/>
-          </a:prstGeom>
-          <a:solidFill>
-            <a:schemeClr val="accent4">
-              <a:lumMod val="40000"/>
-              <a:lumOff val="60000"/>
-            </a:schemeClr>
-          </a:solidFill>
-          <a:ln>
-            <a:solidFill>
-              <a:schemeClr val="bg1"/>
-            </a:solidFill>
-          </a:ln>
-        </p:spPr>
-        <p:style>
-          <a:lnRef idx="2">
-            <a:schemeClr val="accent1">
-              <a:shade val="50000"/>
-            </a:schemeClr>
-          </a:lnRef>
-          <a:fillRef idx="1">
-            <a:schemeClr val="accent1"/>
-          </a:fillRef>
-          <a:effectRef idx="0">
-            <a:schemeClr val="accent1"/>
-          </a:effectRef>
-          <a:fontRef idx="minor">
-            <a:schemeClr val="lt1"/>
-          </a:fontRef>
-        </p:style>
-        <p:txBody>
-          <a:bodyPr rtlCol="0" anchor="ctr"/>
-          <a:lstStyle/>
-          <a:p>
-            <a:pPr algn="ctr"/>
-            <a:r>
-              <a:rPr lang="en-US" altLang="ko-KR" sz="2800" b="1" dirty="0">
-                <a:solidFill>
-                  <a:schemeClr val="bg1"/>
-                </a:solidFill>
-              </a:rPr>
-              <a:t>Sign up</a:t>
-            </a:r>
-            <a:endParaRPr lang="ko-KR" altLang="en-US" sz="2800" b="1" dirty="0">
-              <a:solidFill>
-                <a:schemeClr val="bg1"/>
-              </a:solidFill>
-            </a:endParaRPr>
+            <a:pPr fontAlgn="base" latinLnBrk="0">
+              <a:lnSpc>
+                <a:spcPct val="100000"/>
+              </a:lnSpc>
+            </a:pPr>
+            <a:r>
+              <a:rPr lang="en-US" altLang="ko-KR" sz="1800" b="1" dirty="0"/>
+              <a:t>1.</a:t>
+            </a:r>
+            <a:r>
+              <a:rPr lang="ko-KR" altLang="en-US" sz="1800" b="1" dirty="0"/>
+              <a:t> 스피커 작동</a:t>
+            </a:r>
+          </a:p>
+          <a:p>
+            <a:pPr fontAlgn="base" latinLnBrk="0">
+              <a:lnSpc>
+                <a:spcPct val="100000"/>
+              </a:lnSpc>
+            </a:pPr>
+            <a:r>
+              <a:rPr lang="en-US" altLang="ko-KR" sz="1800" dirty="0"/>
+              <a:t> </a:t>
+            </a:r>
+            <a:r>
+              <a:rPr lang="ko-KR" altLang="en-US" sz="1800" dirty="0"/>
+              <a:t>	</a:t>
+            </a:r>
+            <a:r>
+              <a:rPr lang="en-US" altLang="ko-KR" sz="1800" dirty="0"/>
+              <a:t>- </a:t>
+            </a:r>
+            <a:r>
+              <a:rPr lang="ko-KR" altLang="en-US" sz="1800" dirty="0"/>
+              <a:t>전원이 켜진 후 </a:t>
+            </a:r>
+            <a:r>
+              <a:rPr lang="en-US" altLang="ko-KR" sz="1800" dirty="0"/>
+              <a:t>DB</a:t>
+            </a:r>
+            <a:r>
+              <a:rPr lang="ko-KR" altLang="en-US" sz="1800" dirty="0"/>
+              <a:t>서버로 </a:t>
+            </a:r>
+            <a:r>
+              <a:rPr lang="en-US" altLang="ko-KR" sz="1800" dirty="0"/>
+              <a:t>S/N </a:t>
+            </a:r>
+            <a:r>
+              <a:rPr lang="ko-KR" altLang="en-US" sz="1800" dirty="0"/>
+              <a:t>및 </a:t>
+            </a:r>
+            <a:r>
+              <a:rPr lang="en-US" altLang="ko-KR" sz="1800" dirty="0"/>
+              <a:t>IP</a:t>
+            </a:r>
+            <a:r>
+              <a:rPr lang="ko-KR" altLang="en-US" sz="1800" dirty="0" err="1"/>
+              <a:t>를</a:t>
+            </a:r>
+            <a:r>
+              <a:rPr lang="ko-KR" altLang="en-US" sz="1800" dirty="0"/>
+              <a:t> 보내는 작업이 </a:t>
+            </a:r>
+            <a:r>
+              <a:rPr lang="en-US" altLang="ko-KR" sz="1800" dirty="0"/>
+              <a:t>3</a:t>
+            </a:r>
+            <a:r>
+              <a:rPr lang="ko-KR" altLang="en-US" sz="1800" dirty="0"/>
+              <a:t>초 내로 이루어지는가</a:t>
+            </a:r>
+            <a:r>
+              <a:rPr lang="en-US" altLang="ko-KR" sz="1800" dirty="0"/>
+              <a:t>?</a:t>
+            </a:r>
+          </a:p>
+          <a:p>
+            <a:pPr fontAlgn="base" latinLnBrk="0">
+              <a:lnSpc>
+                <a:spcPct val="100000"/>
+              </a:lnSpc>
+            </a:pPr>
+            <a:r>
+              <a:rPr lang="en-US" altLang="ko-KR" sz="1800" b="1" dirty="0"/>
+              <a:t>2.</a:t>
+            </a:r>
+            <a:r>
+              <a:rPr lang="ko-KR" altLang="en-US" sz="1800" b="1" dirty="0"/>
+              <a:t> 대본 읽기</a:t>
+            </a:r>
+          </a:p>
+          <a:p>
+            <a:pPr fontAlgn="base" latinLnBrk="0">
+              <a:lnSpc>
+                <a:spcPct val="100000"/>
+              </a:lnSpc>
+            </a:pPr>
+            <a:r>
+              <a:rPr lang="ko-KR" altLang="en-US" sz="1800" dirty="0"/>
+              <a:t>	</a:t>
+            </a:r>
+            <a:r>
+              <a:rPr lang="en-US" altLang="ko-KR" sz="1800" dirty="0"/>
+              <a:t>- </a:t>
+            </a:r>
+            <a:r>
+              <a:rPr lang="ko-KR" altLang="en-US" sz="1800" dirty="0"/>
+              <a:t>전달받은 대본을 읽는 작업이 </a:t>
+            </a:r>
+            <a:r>
+              <a:rPr lang="en-US" altLang="ko-KR" sz="1800" dirty="0"/>
+              <a:t>3</a:t>
+            </a:r>
+            <a:r>
+              <a:rPr lang="ko-KR" altLang="en-US" sz="1800" dirty="0" err="1"/>
+              <a:t>초내로</a:t>
+            </a:r>
+            <a:r>
+              <a:rPr lang="ko-KR" altLang="en-US" sz="1800" dirty="0"/>
+              <a:t> 이루어지는가</a:t>
+            </a:r>
+            <a:r>
+              <a:rPr lang="en-US" altLang="ko-KR" sz="1800" dirty="0"/>
+              <a:t>?</a:t>
+            </a:r>
+            <a:r>
+              <a:rPr lang="ko-KR" altLang="en-US" sz="1800" dirty="0"/>
+              <a:t> </a:t>
+            </a:r>
+            <a:endParaRPr lang="en-US" altLang="ko-KR" sz="1800" dirty="0"/>
+          </a:p>
+          <a:p>
+            <a:pPr fontAlgn="base" latinLnBrk="0">
+              <a:lnSpc>
+                <a:spcPct val="100000"/>
+              </a:lnSpc>
+            </a:pPr>
+            <a:r>
+              <a:rPr lang="en-US" altLang="ko-KR" sz="1800" b="1" dirty="0"/>
+              <a:t>3.</a:t>
+            </a:r>
+            <a:r>
+              <a:rPr lang="ko-KR" altLang="en-US" sz="1800" b="1" dirty="0"/>
+              <a:t> 재생 상태 변화 요청</a:t>
+            </a:r>
+            <a:endParaRPr lang="en-US" altLang="ko-KR" sz="1800" b="1" dirty="0"/>
+          </a:p>
+          <a:p>
+            <a:pPr fontAlgn="base" latinLnBrk="0">
+              <a:lnSpc>
+                <a:spcPct val="100000"/>
+              </a:lnSpc>
+            </a:pPr>
+            <a:r>
+              <a:rPr lang="ko-KR" altLang="en-US" sz="1800" dirty="0"/>
+              <a:t>	</a:t>
+            </a:r>
+            <a:r>
+              <a:rPr lang="en-US" altLang="ko-KR" sz="1800" dirty="0"/>
+              <a:t>-</a:t>
+            </a:r>
+            <a:r>
+              <a:rPr lang="ko-KR" altLang="en-US" sz="1800" dirty="0"/>
+              <a:t> 메인 모듈에서 송신한 재생 상태 변화 요청에 </a:t>
+            </a:r>
+            <a:r>
+              <a:rPr lang="en-US" altLang="ko-KR" sz="1800" dirty="0"/>
+              <a:t>3</a:t>
+            </a:r>
+            <a:r>
+              <a:rPr lang="ko-KR" altLang="en-US" sz="1800" dirty="0"/>
+              <a:t>초 내로 응답하는가</a:t>
+            </a:r>
+            <a:r>
+              <a:rPr lang="en-US" altLang="ko-KR" sz="1800" dirty="0"/>
+              <a:t>?</a:t>
+            </a:r>
+            <a:endParaRPr lang="ko-KR" altLang="en-US" sz="1800" dirty="0"/>
+          </a:p>
+          <a:p>
+            <a:pPr fontAlgn="base" latinLnBrk="0">
+              <a:lnSpc>
+                <a:spcPct val="100000"/>
+              </a:lnSpc>
+            </a:pPr>
+            <a:endParaRPr lang="ko-KR" altLang="en-US" sz="1800" dirty="0"/>
           </a:p>
         </p:txBody>
       </p:sp>
     </p:spTree>
     <p:extLst>
       <p:ext uri="{BB962C8B-B14F-4D97-AF65-F5344CB8AC3E}">
-        <p14:creationId xmlns:p14="http://schemas.microsoft.com/office/powerpoint/2010/main" val="2073355347"/>
+        <p14:creationId xmlns:p14="http://schemas.microsoft.com/office/powerpoint/2010/main" val="2138302060"/>
       </p:ext>
     </p:extLst>
   </p:cSld>
@@ -13349,107 +15745,9 @@
           <a:chExt cx="0" cy="0"/>
         </a:xfrm>
       </p:grpSpPr>
-      <p:sp>
-        <p:nvSpPr>
-          <p:cNvPr id="2" name="제목 1"/>
-          <p:cNvSpPr>
-            <a:spLocks noGrp="1"/>
-          </p:cNvSpPr>
-          <p:nvPr>
-            <p:ph type="ctrTitle"/>
-          </p:nvPr>
-        </p:nvSpPr>
-        <p:spPr>
-          <a:xfrm>
-            <a:off x="1605645" y="3037108"/>
-            <a:ext cx="9144000" cy="914400"/>
-          </a:xfrm>
-        </p:spPr>
-        <p:txBody>
-          <a:bodyPr>
-            <a:normAutofit fontScale="90000"/>
-          </a:bodyPr>
-          <a:lstStyle/>
-          <a:p>
-            <a:r>
-              <a:rPr lang="ko-KR" altLang="en-US" b="1" dirty="0">
-                <a:solidFill>
-                  <a:schemeClr val="bg1"/>
-                </a:solidFill>
-              </a:rPr>
-              <a:t>너는 </a:t>
-            </a:r>
-            <a:br>
-              <a:rPr lang="en-US" altLang="ko-KR" b="1" dirty="0">
-                <a:solidFill>
-                  <a:schemeClr val="bg1"/>
-                </a:solidFill>
-              </a:rPr>
-            </a:br>
-            <a:r>
-              <a:rPr lang="ko-KR" altLang="en-US" b="1" dirty="0">
-                <a:solidFill>
-                  <a:schemeClr val="bg1"/>
-                </a:solidFill>
-              </a:rPr>
-              <a:t>나의 </a:t>
-            </a:r>
-            <a:br>
-              <a:rPr lang="en-US" altLang="ko-KR" b="1" dirty="0">
-                <a:solidFill>
-                  <a:schemeClr val="bg1"/>
-                </a:solidFill>
-              </a:rPr>
-            </a:br>
-            <a:r>
-              <a:rPr lang="ko-KR" altLang="en-US" b="1" dirty="0">
-                <a:solidFill>
-                  <a:schemeClr val="bg1"/>
-                </a:solidFill>
-              </a:rPr>
-              <a:t>친구</a:t>
-            </a:r>
-          </a:p>
-        </p:txBody>
-      </p:sp>
-      <p:sp>
-        <p:nvSpPr>
-          <p:cNvPr id="3" name="부제목 2"/>
-          <p:cNvSpPr>
-            <a:spLocks noGrp="1"/>
-          </p:cNvSpPr>
-          <p:nvPr>
-            <p:ph type="subTitle" idx="1"/>
-          </p:nvPr>
-        </p:nvSpPr>
-        <p:spPr>
-          <a:xfrm>
-            <a:off x="1409700" y="2197780"/>
-            <a:ext cx="9144000" cy="1655762"/>
-          </a:xfrm>
-        </p:spPr>
-        <p:txBody>
-          <a:bodyPr>
-            <a:normAutofit/>
-          </a:bodyPr>
-          <a:lstStyle/>
-          <a:p>
-            <a:endParaRPr lang="en-US" altLang="ko-KR" dirty="0"/>
-          </a:p>
-          <a:p>
-            <a:endParaRPr lang="en-US" altLang="ko-KR" dirty="0"/>
-          </a:p>
-          <a:p>
-            <a:endParaRPr lang="en-US" altLang="ko-KR" dirty="0"/>
-          </a:p>
-          <a:p>
-            <a:endParaRPr lang="ko-KR" altLang="en-US" dirty="0"/>
-          </a:p>
-        </p:txBody>
-      </p:sp>
       <p:pic>
         <p:nvPicPr>
-          <p:cNvPr id="7" name="그림 6"/>
+          <p:cNvPr id="6" name="그림 5"/>
           <p:cNvPicPr>
             <a:picLocks noChangeAspect="1"/>
           </p:cNvPicPr>
@@ -13469,24 +15767,122 @@
         </p:blipFill>
         <p:spPr>
           <a:xfrm>
-            <a:off x="-81338" y="0"/>
-            <a:ext cx="4490052" cy="4490052"/>
+            <a:off x="3922891" y="0"/>
+            <a:ext cx="4486323" cy="4486323"/>
           </a:xfrm>
           <a:prstGeom prst="rect">
             <a:avLst/>
           </a:prstGeom>
         </p:spPr>
       </p:pic>
+      <p:sp>
+        <p:nvSpPr>
+          <p:cNvPr id="2" name="제목 1"/>
+          <p:cNvSpPr>
+            <a:spLocks noGrp="1"/>
+          </p:cNvSpPr>
+          <p:nvPr>
+            <p:ph type="ctrTitle"/>
+          </p:nvPr>
+        </p:nvSpPr>
+        <p:spPr>
+          <a:xfrm>
+            <a:off x="1605645" y="3037108"/>
+            <a:ext cx="9144000" cy="914400"/>
+          </a:xfrm>
+        </p:spPr>
+        <p:txBody>
+          <a:bodyPr>
+            <a:normAutofit fontScale="90000"/>
+          </a:bodyPr>
+          <a:lstStyle/>
+          <a:p>
+            <a:r>
+              <a:rPr lang="ko-KR" altLang="en-US" b="1" dirty="0">
+                <a:solidFill>
+                  <a:schemeClr val="bg1"/>
+                </a:solidFill>
+              </a:rPr>
+              <a:t>너는 </a:t>
+            </a:r>
+            <a:br>
+              <a:rPr lang="en-US" altLang="ko-KR" b="1" dirty="0">
+                <a:solidFill>
+                  <a:schemeClr val="bg1"/>
+                </a:solidFill>
+              </a:rPr>
+            </a:br>
+            <a:r>
+              <a:rPr lang="ko-KR" altLang="en-US" b="1" dirty="0">
+                <a:solidFill>
+                  <a:schemeClr val="bg1"/>
+                </a:solidFill>
+              </a:rPr>
+              <a:t>나의 </a:t>
+            </a:r>
+            <a:br>
+              <a:rPr lang="en-US" altLang="ko-KR" b="1" dirty="0">
+                <a:solidFill>
+                  <a:schemeClr val="bg1"/>
+                </a:solidFill>
+              </a:rPr>
+            </a:br>
+            <a:r>
+              <a:rPr lang="ko-KR" altLang="en-US" b="1" dirty="0">
+                <a:solidFill>
+                  <a:schemeClr val="bg1"/>
+                </a:solidFill>
+              </a:rPr>
+              <a:t>친구</a:t>
+            </a:r>
+          </a:p>
+        </p:txBody>
+      </p:sp>
+      <p:sp>
+        <p:nvSpPr>
+          <p:cNvPr id="3" name="부제목 2"/>
+          <p:cNvSpPr>
+            <a:spLocks noGrp="1"/>
+          </p:cNvSpPr>
+          <p:nvPr>
+            <p:ph type="subTitle" idx="1"/>
+          </p:nvPr>
+        </p:nvSpPr>
+        <p:spPr>
+          <a:xfrm>
+            <a:off x="1409700" y="2197780"/>
+            <a:ext cx="9144000" cy="1655762"/>
+          </a:xfrm>
+        </p:spPr>
+        <p:txBody>
+          <a:bodyPr>
+            <a:normAutofit/>
+          </a:bodyPr>
+          <a:lstStyle/>
+          <a:p>
+            <a:endParaRPr lang="en-US" altLang="ko-KR" dirty="0"/>
+          </a:p>
+          <a:p>
+            <a:endParaRPr lang="en-US" altLang="ko-KR" dirty="0"/>
+          </a:p>
+          <a:p>
+            <a:endParaRPr lang="en-US" altLang="ko-KR" dirty="0"/>
+          </a:p>
+          <a:p>
+            <a:endParaRPr lang="ko-KR" altLang="en-US" dirty="0"/>
+          </a:p>
+        </p:txBody>
+      </p:sp>
       <p:pic>
         <p:nvPicPr>
-          <p:cNvPr id="8" name="그림 7"/>
+          <p:cNvPr id="7" name="그림 6"/>
           <p:cNvPicPr>
             <a:picLocks noChangeAspect="1"/>
           </p:cNvPicPr>
           <p:nvPr/>
         </p:nvPicPr>
         <p:blipFill>
-          <a:blip r:embed="rId2">
+          <a:blip r:embed="rId3">
             <a:extLst>
               <a:ext uri="{28A0092B-C50C-407E-A947-70E740481C1C}">
                 <a14:useLocalDpi xmlns:a14="http://schemas.microsoft.com/office/drawing/2010/main" val="0"/>
@@ -13499,6 +15895,36 @@
         </p:blipFill>
         <p:spPr>
           <a:xfrm>
+            <a:off x="-81338" y="0"/>
+            <a:ext cx="4490052" cy="4490052"/>
+          </a:xfrm>
+          <a:prstGeom prst="rect">
+            <a:avLst/>
+          </a:prstGeom>
+        </p:spPr>
+      </p:pic>
+      <p:pic>
+        <p:nvPicPr>
+          <p:cNvPr id="8" name="그림 7"/>
+          <p:cNvPicPr>
+            <a:picLocks noChangeAspect="1"/>
+          </p:cNvPicPr>
+          <p:nvPr/>
+        </p:nvPicPr>
+        <p:blipFill>
+          <a:blip r:embed="rId3">
+            <a:extLst>
+              <a:ext uri="{28A0092B-C50C-407E-A947-70E740481C1C}">
+                <a14:useLocalDpi xmlns:a14="http://schemas.microsoft.com/office/drawing/2010/main" val="0"/>
+              </a:ext>
+            </a:extLst>
+          </a:blip>
+          <a:stretch>
+            <a:fillRect/>
+          </a:stretch>
+        </p:blipFill>
+        <p:spPr>
+          <a:xfrm>
             <a:off x="7956049" y="0"/>
             <a:ext cx="4490052" cy="4490052"/>
           </a:xfrm>
@@ -13515,8 +15941,8 @@
         </p:nvSpPr>
         <p:spPr>
           <a:xfrm>
-            <a:off x="4490359" y="1877782"/>
-            <a:ext cx="2743200" cy="761174"/>
+            <a:off x="3037114" y="5094513"/>
+            <a:ext cx="2743200" cy="1045029"/>
           </a:xfrm>
           <a:prstGeom prst="roundRect">
             <a:avLst/>
@@ -13556,7 +15982,7 @@
             <a:pPr algn="ctr"/>
             <a:r>
               <a:rPr lang="en-US" altLang="ko-KR" sz="2800" b="1" dirty="0"/>
-              <a:t>ID</a:t>
+              <a:t>Login</a:t>
             </a:r>
             <a:endParaRPr lang="ko-KR" altLang="en-US" sz="2800" b="1" dirty="0"/>
           </a:p>
@@ -13570,7 +15996,7 @@
         </p:nvSpPr>
         <p:spPr>
           <a:xfrm>
-            <a:off x="4506685" y="4242606"/>
+            <a:off x="6732815" y="5094513"/>
             <a:ext cx="2743200" cy="1045029"/>
           </a:xfrm>
           <a:prstGeom prst="roundRect">
@@ -13615,7 +16041,7 @@
                   <a:schemeClr val="bg1"/>
                 </a:solidFill>
               </a:rPr>
-              <a:t>Login</a:t>
+              <a:t>Sign up</a:t>
             </a:r>
             <a:endParaRPr lang="ko-KR" altLang="en-US" sz="2800" b="1" dirty="0">
               <a:solidFill>
@@ -13628,7 +16054,7 @@
     </p:spTree>
     <p:extLst>
       <p:ext uri="{BB962C8B-B14F-4D97-AF65-F5344CB8AC3E}">
-        <p14:creationId xmlns:p14="http://schemas.microsoft.com/office/powerpoint/2010/main" val="726931528"/>
+        <p14:creationId xmlns:p14="http://schemas.microsoft.com/office/powerpoint/2010/main" val="2073355347"/>
       </p:ext>
     </p:extLst>
   </p:cSld>
@@ -13655,9 +16081,107 @@
           <a:chExt cx="0" cy="0"/>
         </a:xfrm>
       </p:grpSpPr>
+      <p:sp>
+        <p:nvSpPr>
+          <p:cNvPr id="2" name="제목 1"/>
+          <p:cNvSpPr>
+            <a:spLocks noGrp="1"/>
+          </p:cNvSpPr>
+          <p:nvPr>
+            <p:ph type="ctrTitle"/>
+          </p:nvPr>
+        </p:nvSpPr>
+        <p:spPr>
+          <a:xfrm>
+            <a:off x="1605645" y="3037108"/>
+            <a:ext cx="9144000" cy="914400"/>
+          </a:xfrm>
+        </p:spPr>
+        <p:txBody>
+          <a:bodyPr>
+            <a:normAutofit fontScale="90000"/>
+          </a:bodyPr>
+          <a:lstStyle/>
+          <a:p>
+            <a:r>
+              <a:rPr lang="ko-KR" altLang="en-US" b="1" dirty="0">
+                <a:solidFill>
+                  <a:schemeClr val="bg1"/>
+                </a:solidFill>
+              </a:rPr>
+              <a:t>너는 </a:t>
+            </a:r>
+            <a:br>
+              <a:rPr lang="en-US" altLang="ko-KR" b="1" dirty="0">
+                <a:solidFill>
+                  <a:schemeClr val="bg1"/>
+                </a:solidFill>
+              </a:rPr>
+            </a:br>
+            <a:r>
+              <a:rPr lang="ko-KR" altLang="en-US" b="1" dirty="0">
+                <a:solidFill>
+                  <a:schemeClr val="bg1"/>
+                </a:solidFill>
+              </a:rPr>
+              <a:t>나의 </a:t>
+            </a:r>
+            <a:br>
+              <a:rPr lang="en-US" altLang="ko-KR" b="1" dirty="0">
+                <a:solidFill>
+                  <a:schemeClr val="bg1"/>
+                </a:solidFill>
+              </a:rPr>
+            </a:br>
+            <a:r>
+              <a:rPr lang="ko-KR" altLang="en-US" b="1" dirty="0">
+                <a:solidFill>
+                  <a:schemeClr val="bg1"/>
+                </a:solidFill>
+              </a:rPr>
+              <a:t>친구</a:t>
+            </a:r>
+          </a:p>
+        </p:txBody>
+      </p:sp>
+      <p:sp>
+        <p:nvSpPr>
+          <p:cNvPr id="3" name="부제목 2"/>
+          <p:cNvSpPr>
+            <a:spLocks noGrp="1"/>
+          </p:cNvSpPr>
+          <p:nvPr>
+            <p:ph type="subTitle" idx="1"/>
+          </p:nvPr>
+        </p:nvSpPr>
+        <p:spPr>
+          <a:xfrm>
+            <a:off x="1409700" y="2197780"/>
+            <a:ext cx="9144000" cy="1655762"/>
+          </a:xfrm>
+        </p:spPr>
+        <p:txBody>
+          <a:bodyPr>
+            <a:normAutofit/>
+          </a:bodyPr>
+          <a:lstStyle/>
+          <a:p>
+            <a:endParaRPr lang="en-US" altLang="ko-KR" dirty="0"/>
+          </a:p>
+          <a:p>
+            <a:endParaRPr lang="en-US" altLang="ko-KR" dirty="0"/>
+          </a:p>
+          <a:p>
+            <a:endParaRPr lang="en-US" altLang="ko-KR" dirty="0"/>
+          </a:p>
+          <a:p>
+            <a:endParaRPr lang="ko-KR" altLang="en-US" dirty="0"/>
+          </a:p>
+        </p:txBody>
+      </p:sp>
       <p:pic>
         <p:nvPicPr>
-          <p:cNvPr id="6" name="그림 5"/>
+          <p:cNvPr id="7" name="그림 6"/>
           <p:cNvPicPr>
             <a:picLocks noChangeAspect="1"/>
           </p:cNvPicPr>
@@ -13677,122 +16201,24 @@
         </p:blipFill>
         <p:spPr>
           <a:xfrm>
-            <a:off x="3922891" y="0"/>
-            <a:ext cx="4486323" cy="4486323"/>
+            <a:off x="-81338" y="0"/>
+            <a:ext cx="4490052" cy="4490052"/>
           </a:xfrm>
           <a:prstGeom prst="rect">
             <a:avLst/>
           </a:prstGeom>
         </p:spPr>
       </p:pic>
-      <p:sp>
-        <p:nvSpPr>
-          <p:cNvPr id="2" name="제목 1"/>
-          <p:cNvSpPr>
-            <a:spLocks noGrp="1"/>
-          </p:cNvSpPr>
-          <p:nvPr>
-            <p:ph type="ctrTitle"/>
-          </p:nvPr>
-        </p:nvSpPr>
-        <p:spPr>
-          <a:xfrm>
-            <a:off x="1605645" y="3037108"/>
-            <a:ext cx="9144000" cy="914400"/>
-          </a:xfrm>
-        </p:spPr>
-        <p:txBody>
-          <a:bodyPr>
-            <a:normAutofit fontScale="90000"/>
-          </a:bodyPr>
-          <a:lstStyle/>
-          <a:p>
-            <a:r>
-              <a:rPr lang="ko-KR" altLang="en-US" b="1" dirty="0">
-                <a:solidFill>
-                  <a:schemeClr val="bg1"/>
-                </a:solidFill>
-              </a:rPr>
-              <a:t>너는 </a:t>
-            </a:r>
-            <a:br>
-              <a:rPr lang="en-US" altLang="ko-KR" b="1" dirty="0">
-                <a:solidFill>
-                  <a:schemeClr val="bg1"/>
-                </a:solidFill>
-              </a:rPr>
-            </a:br>
-            <a:r>
-              <a:rPr lang="ko-KR" altLang="en-US" b="1" dirty="0">
-                <a:solidFill>
-                  <a:schemeClr val="bg1"/>
-                </a:solidFill>
-              </a:rPr>
-              <a:t>나의 </a:t>
-            </a:r>
-            <a:br>
-              <a:rPr lang="en-US" altLang="ko-KR" b="1" dirty="0">
-                <a:solidFill>
-                  <a:schemeClr val="bg1"/>
-                </a:solidFill>
-              </a:rPr>
-            </a:br>
-            <a:r>
-              <a:rPr lang="ko-KR" altLang="en-US" b="1" dirty="0">
-                <a:solidFill>
-                  <a:schemeClr val="bg1"/>
-                </a:solidFill>
-              </a:rPr>
-              <a:t>친구</a:t>
-            </a:r>
-          </a:p>
-        </p:txBody>
-      </p:sp>
-      <p:sp>
-        <p:nvSpPr>
-          <p:cNvPr id="3" name="부제목 2"/>
-          <p:cNvSpPr>
-            <a:spLocks noGrp="1"/>
-          </p:cNvSpPr>
-          <p:nvPr>
-            <p:ph type="subTitle" idx="1"/>
-          </p:nvPr>
-        </p:nvSpPr>
-        <p:spPr>
-          <a:xfrm>
-            <a:off x="1409700" y="2197780"/>
-            <a:ext cx="9144000" cy="1655762"/>
-          </a:xfrm>
-        </p:spPr>
-        <p:txBody>
-          <a:bodyPr>
-            <a:normAutofit/>
-          </a:bodyPr>
-          <a:lstStyle/>
-          <a:p>
-            <a:endParaRPr lang="en-US" altLang="ko-KR" dirty="0"/>
-          </a:p>
-          <a:p>
-            <a:endParaRPr lang="en-US" altLang="ko-KR" dirty="0"/>
-          </a:p>
-          <a:p>
-            <a:endParaRPr lang="en-US" altLang="ko-KR" dirty="0"/>
-          </a:p>
-          <a:p>
-            <a:endParaRPr lang="ko-KR" altLang="en-US" dirty="0"/>
-          </a:p>
-        </p:txBody>
-      </p:sp>
       <p:pic>
         <p:nvPicPr>
-          <p:cNvPr id="5" name="그림 4"/>
+          <p:cNvPr id="8" name="그림 7"/>
           <p:cNvPicPr>
             <a:picLocks noChangeAspect="1"/>
           </p:cNvPicPr>
           <p:nvPr/>
         </p:nvPicPr>
         <p:blipFill>
-          <a:blip r:embed="rId3" cstate="print">
+          <a:blip r:embed="rId2">
             <a:extLst>
               <a:ext uri="{28A0092B-C50C-407E-A947-70E740481C1C}">
                 <a14:useLocalDpi xmlns:a14="http://schemas.microsoft.com/office/drawing/2010/main" val="0"/>
@@ -13805,66 +16231,6 @@
         </p:blipFill>
         <p:spPr>
           <a:xfrm>
-            <a:off x="9811412" y="5043319"/>
-            <a:ext cx="938233" cy="938233"/>
-          </a:xfrm>
-          <a:prstGeom prst="rect">
-            <a:avLst/>
-          </a:prstGeom>
-        </p:spPr>
-      </p:pic>
-      <p:pic>
-        <p:nvPicPr>
-          <p:cNvPr id="7" name="그림 6"/>
-          <p:cNvPicPr>
-            <a:picLocks noChangeAspect="1"/>
-          </p:cNvPicPr>
-          <p:nvPr/>
-        </p:nvPicPr>
-        <p:blipFill>
-          <a:blip r:embed="rId4">
-            <a:extLst>
-              <a:ext uri="{28A0092B-C50C-407E-A947-70E740481C1C}">
-                <a14:useLocalDpi xmlns:a14="http://schemas.microsoft.com/office/drawing/2010/main" val="0"/>
-              </a:ext>
-            </a:extLst>
-          </a:blip>
-          <a:stretch>
-            <a:fillRect/>
-          </a:stretch>
-        </p:blipFill>
-        <p:spPr>
-          <a:xfrm>
-            <a:off x="-81338" y="0"/>
-            <a:ext cx="4490052" cy="4490052"/>
-          </a:xfrm>
-          <a:prstGeom prst="rect">
-            <a:avLst/>
-          </a:prstGeom>
-        </p:spPr>
-      </p:pic>
-      <p:pic>
-        <p:nvPicPr>
-          <p:cNvPr id="8" name="그림 7"/>
-          <p:cNvPicPr>
-            <a:picLocks noChangeAspect="1"/>
-          </p:cNvPicPr>
-          <p:nvPr/>
-        </p:nvPicPr>
-        <p:blipFill>
-          <a:blip r:embed="rId4">
-            <a:extLst>
-              <a:ext uri="{28A0092B-C50C-407E-A947-70E740481C1C}">
-                <a14:useLocalDpi xmlns:a14="http://schemas.microsoft.com/office/drawing/2010/main" val="0"/>
-              </a:ext>
-            </a:extLst>
-          </a:blip>
-          <a:stretch>
-            <a:fillRect/>
-          </a:stretch>
-        </p:blipFill>
-        <p:spPr>
-          <a:xfrm>
             <a:off x="7956049" y="0"/>
             <a:ext cx="4490052" cy="4490052"/>
           </a:xfrm>
@@ -13873,40 +16239,128 @@
           </a:prstGeom>
         </p:spPr>
       </p:pic>
-      <p:pic>
-        <p:nvPicPr>
-          <p:cNvPr id="9" name="그림 8"/>
-          <p:cNvPicPr>
-            <a:picLocks noChangeAspect="1"/>
-          </p:cNvPicPr>
-          <p:nvPr/>
-        </p:nvPicPr>
-        <p:blipFill>
-          <a:blip r:embed="rId5" cstate="print">
-            <a:extLst>
-              <a:ext uri="{28A0092B-C50C-407E-A947-70E740481C1C}">
-                <a14:useLocalDpi xmlns:a14="http://schemas.microsoft.com/office/drawing/2010/main" val="0"/>
-              </a:ext>
-            </a:extLst>
-          </a:blip>
-          <a:stretch>
-            <a:fillRect/>
-          </a:stretch>
-        </p:blipFill>
-        <p:spPr>
-          <a:xfrm>
-            <a:off x="5519058" y="4728064"/>
-            <a:ext cx="1371600" cy="1420271"/>
-          </a:xfrm>
-          <a:prstGeom prst="rect">
-            <a:avLst/>
-          </a:prstGeom>
-        </p:spPr>
-      </p:pic>
+      <p:sp>
+        <p:nvSpPr>
+          <p:cNvPr id="4" name="모서리가 둥근 직사각형 3"/>
+          <p:cNvSpPr/>
+          <p:nvPr/>
+        </p:nvSpPr>
+        <p:spPr>
+          <a:xfrm>
+            <a:off x="4490359" y="1877782"/>
+            <a:ext cx="2743200" cy="761174"/>
+          </a:xfrm>
+          <a:prstGeom prst="roundRect">
+            <a:avLst/>
+          </a:prstGeom>
+          <a:solidFill>
+            <a:schemeClr val="accent1">
+              <a:lumMod val="20000"/>
+              <a:lumOff val="80000"/>
+            </a:schemeClr>
+          </a:solidFill>
+          <a:ln>
+            <a:solidFill>
+              <a:schemeClr val="bg1"/>
+            </a:solidFill>
+          </a:ln>
+        </p:spPr>
+        <p:style>
+          <a:lnRef idx="2">
+            <a:schemeClr val="accent1">
+              <a:shade val="50000"/>
+            </a:schemeClr>
+          </a:lnRef>
+          <a:fillRef idx="1">
+            <a:schemeClr val="accent1"/>
+          </a:fillRef>
+          <a:effectRef idx="0">
+            <a:schemeClr val="accent1"/>
+          </a:effectRef>
+          <a:fontRef idx="minor">
+            <a:schemeClr val="lt1"/>
+          </a:fontRef>
+        </p:style>
+        <p:txBody>
+          <a:bodyPr rtlCol="0" anchor="ctr"/>
+          <a:lstStyle/>
+          <a:p>
+            <a:pPr algn="ctr"/>
+            <a:r>
+              <a:rPr lang="en-US" altLang="ko-KR" sz="2800" b="1" dirty="0"/>
+              <a:t>ID</a:t>
+            </a:r>
+            <a:endParaRPr lang="ko-KR" altLang="en-US" sz="2800" b="1" dirty="0"/>
+          </a:p>
+        </p:txBody>
+      </p:sp>
+      <p:sp>
+        <p:nvSpPr>
+          <p:cNvPr id="12" name="모서리가 둥근 직사각형 11"/>
+          <p:cNvSpPr/>
+          <p:nvPr/>
+        </p:nvSpPr>
+        <p:spPr>
+          <a:xfrm>
+            <a:off x="4506685" y="4242606"/>
+            <a:ext cx="2743200" cy="1045029"/>
+          </a:xfrm>
+          <a:prstGeom prst="roundRect">
+            <a:avLst/>
+          </a:prstGeom>
+          <a:solidFill>
+            <a:schemeClr val="accent4">
+              <a:lumMod val="40000"/>
+              <a:lumOff val="60000"/>
+            </a:schemeClr>
+          </a:solidFill>
+          <a:ln>
+            <a:solidFill>
+              <a:schemeClr val="bg1"/>
+            </a:solidFill>
+          </a:ln>
+        </p:spPr>
+        <p:style>
+          <a:lnRef idx="2">
+            <a:schemeClr val="accent1">
+              <a:shade val="50000"/>
+            </a:schemeClr>
+          </a:lnRef>
+          <a:fillRef idx="1">
+            <a:schemeClr val="accent1"/>
+          </a:fillRef>
+          <a:effectRef idx="0">
+            <a:schemeClr val="accent1"/>
+          </a:effectRef>
+          <a:fontRef idx="minor">
+            <a:schemeClr val="lt1"/>
+          </a:fontRef>
+        </p:style>
+        <p:txBody>
+          <a:bodyPr rtlCol="0" anchor="ctr"/>
+          <a:lstStyle/>
+          <a:p>
+            <a:pPr algn="ctr"/>
+            <a:r>
+              <a:rPr lang="en-US" altLang="ko-KR" sz="2800" b="1" dirty="0">
+                <a:solidFill>
+                  <a:schemeClr val="bg1"/>
+                </a:solidFill>
+              </a:rPr>
+              <a:t>Login</a:t>
+            </a:r>
+            <a:endParaRPr lang="ko-KR" altLang="en-US" sz="2800" b="1" dirty="0">
+              <a:solidFill>
+                <a:schemeClr val="bg1"/>
+              </a:solidFill>
+            </a:endParaRPr>
+          </a:p>
+        </p:txBody>
+      </p:sp>
     </p:spTree>
     <p:extLst>
       <p:ext uri="{BB962C8B-B14F-4D97-AF65-F5344CB8AC3E}">
-        <p14:creationId xmlns:p14="http://schemas.microsoft.com/office/powerpoint/2010/main" val="3536896397"/>
+        <p14:creationId xmlns:p14="http://schemas.microsoft.com/office/powerpoint/2010/main" val="726931528"/>
       </p:ext>
     </p:extLst>
   </p:cSld>
@@ -13933,54 +16387,6 @@
           <a:chExt cx="0" cy="0"/>
         </a:xfrm>
       </p:grpSpPr>
-      <p:sp>
-        <p:nvSpPr>
-          <p:cNvPr id="10" name="직사각형 9"/>
-          <p:cNvSpPr/>
-          <p:nvPr/>
-        </p:nvSpPr>
-        <p:spPr>
-          <a:xfrm>
-            <a:off x="9541329" y="4692870"/>
-            <a:ext cx="2024742" cy="1773251"/>
-          </a:xfrm>
-          <a:prstGeom prst="rect">
-            <a:avLst/>
-          </a:prstGeom>
-          <a:solidFill>
-            <a:schemeClr val="bg1"/>
-          </a:solidFill>
-          <a:ln w="57150">
-            <a:solidFill>
-              <a:srgbClr val="FF0000"/>
-            </a:solidFill>
-          </a:ln>
-        </p:spPr>
-        <p:style>
-          <a:lnRef idx="2">
-            <a:schemeClr val="accent1">
-              <a:shade val="50000"/>
-            </a:schemeClr>
-          </a:lnRef>
-          <a:fillRef idx="1">
-            <a:schemeClr val="accent1"/>
-          </a:fillRef>
-          <a:effectRef idx="0">
-            <a:schemeClr val="accent1"/>
-          </a:effectRef>
-          <a:fontRef idx="minor">
-            <a:schemeClr val="lt1"/>
-          </a:fontRef>
-        </p:style>
-        <p:txBody>
-          <a:bodyPr rtlCol="0" anchor="ctr"/>
-          <a:lstStyle/>
-          <a:p>
-            <a:pPr algn="ctr"/>
-            <a:endParaRPr lang="ko-KR" altLang="en-US"/>
-          </a:p>
-        </p:txBody>
-      </p:sp>
       <p:pic>
         <p:nvPicPr>
           <p:cNvPr id="6" name="그림 5"/>
@@ -14201,7 +16607,7 @@
       </p:pic>
       <p:pic>
         <p:nvPicPr>
-          <p:cNvPr id="11" name="그림 10"/>
+          <p:cNvPr id="9" name="그림 8"/>
           <p:cNvPicPr>
             <a:picLocks noChangeAspect="1"/>
           </p:cNvPicPr>
@@ -14221,36 +16627,6 @@
         </p:blipFill>
         <p:spPr>
           <a:xfrm>
-            <a:off x="10553700" y="5584376"/>
-            <a:ext cx="794352" cy="794352"/>
-          </a:xfrm>
-          <a:prstGeom prst="rect">
-            <a:avLst/>
-          </a:prstGeom>
-        </p:spPr>
-      </p:pic>
-      <p:pic>
-        <p:nvPicPr>
-          <p:cNvPr id="13" name="그림 12"/>
-          <p:cNvPicPr>
-            <a:picLocks noChangeAspect="1"/>
-          </p:cNvPicPr>
-          <p:nvPr/>
-        </p:nvPicPr>
-        <p:blipFill>
-          <a:blip r:embed="rId6" cstate="print">
-            <a:extLst>
-              <a:ext uri="{28A0092B-C50C-407E-A947-70E740481C1C}">
-                <a14:useLocalDpi xmlns:a14="http://schemas.microsoft.com/office/drawing/2010/main" val="0"/>
-              </a:ext>
-            </a:extLst>
-          </a:blip>
-          <a:stretch>
-            <a:fillRect/>
-          </a:stretch>
-        </p:blipFill>
-        <p:spPr>
-          <a:xfrm>
             <a:off x="5519058" y="4728064"/>
             <a:ext cx="1371600" cy="1420271"/>
           </a:xfrm>
@@ -14262,7 +16638,7 @@
     </p:spTree>
     <p:extLst>
       <p:ext uri="{BB962C8B-B14F-4D97-AF65-F5344CB8AC3E}">
-        <p14:creationId xmlns:p14="http://schemas.microsoft.com/office/powerpoint/2010/main" val="35232079"/>
+        <p14:creationId xmlns:p14="http://schemas.microsoft.com/office/powerpoint/2010/main" val="3536896397"/>
       </p:ext>
     </p:extLst>
   </p:cSld>
@@ -14291,49 +16667,62 @@
       </p:grpSpPr>
       <p:sp>
         <p:nvSpPr>
-          <p:cNvPr id="3" name="부제목 2"/>
-          <p:cNvSpPr>
-            <a:spLocks noGrp="1"/>
-          </p:cNvSpPr>
-          <p:nvPr>
-            <p:ph type="subTitle" idx="1"/>
-          </p:nvPr>
-        </p:nvSpPr>
-        <p:spPr>
-          <a:xfrm>
-            <a:off x="1409700" y="2197780"/>
-            <a:ext cx="9144000" cy="1655762"/>
-          </a:xfrm>
-        </p:spPr>
-        <p:txBody>
-          <a:bodyPr>
-            <a:normAutofit/>
-          </a:bodyPr>
-          <a:lstStyle/>
-          <a:p>
-            <a:endParaRPr lang="en-US" altLang="ko-KR" dirty="0"/>
-          </a:p>
-          <a:p>
-            <a:endParaRPr lang="en-US" altLang="ko-KR" dirty="0"/>
-          </a:p>
-          <a:p>
-            <a:endParaRPr lang="en-US" altLang="ko-KR" dirty="0"/>
-          </a:p>
-          <a:p>
-            <a:endParaRPr lang="ko-KR" altLang="en-US" dirty="0"/>
+          <p:cNvPr id="10" name="직사각형 9"/>
+          <p:cNvSpPr/>
+          <p:nvPr/>
+        </p:nvSpPr>
+        <p:spPr>
+          <a:xfrm>
+            <a:off x="9541329" y="4692870"/>
+            <a:ext cx="2024742" cy="1773251"/>
+          </a:xfrm>
+          <a:prstGeom prst="rect">
+            <a:avLst/>
+          </a:prstGeom>
+          <a:solidFill>
+            <a:schemeClr val="bg1"/>
+          </a:solidFill>
+          <a:ln w="57150">
+            <a:solidFill>
+              <a:srgbClr val="FF0000"/>
+            </a:solidFill>
+          </a:ln>
+        </p:spPr>
+        <p:style>
+          <a:lnRef idx="2">
+            <a:schemeClr val="accent1">
+              <a:shade val="50000"/>
+            </a:schemeClr>
+          </a:lnRef>
+          <a:fillRef idx="1">
+            <a:schemeClr val="accent1"/>
+          </a:fillRef>
+          <a:effectRef idx="0">
+            <a:schemeClr val="accent1"/>
+          </a:effectRef>
+          <a:fontRef idx="minor">
+            <a:schemeClr val="lt1"/>
+          </a:fontRef>
+        </p:style>
+        <p:txBody>
+          <a:bodyPr rtlCol="0" anchor="ctr"/>
+          <a:lstStyle/>
+          <a:p>
+            <a:pPr algn="ctr"/>
+            <a:endParaRPr lang="ko-KR" altLang="en-US"/>
           </a:p>
         </p:txBody>
       </p:sp>
       <p:pic>
         <p:nvPicPr>
-          <p:cNvPr id="5" name="그림 4"/>
+          <p:cNvPr id="6" name="그림 5"/>
           <p:cNvPicPr>
             <a:picLocks noChangeAspect="1"/>
           </p:cNvPicPr>
           <p:nvPr/>
         </p:nvPicPr>
         <p:blipFill>
-          <a:blip r:embed="rId2" cstate="print">
+          <a:blip r:embed="rId2">
             <a:extLst>
               <a:ext uri="{28A0092B-C50C-407E-A947-70E740481C1C}">
                 <a14:useLocalDpi xmlns:a14="http://schemas.microsoft.com/office/drawing/2010/main" val="0"/>
@@ -14346,24 +16735,122 @@
         </p:blipFill>
         <p:spPr>
           <a:xfrm>
-            <a:off x="9950262" y="463362"/>
-            <a:ext cx="940895" cy="940895"/>
+            <a:off x="3922891" y="0"/>
+            <a:ext cx="4486323" cy="4486323"/>
           </a:xfrm>
           <a:prstGeom prst="rect">
             <a:avLst/>
           </a:prstGeom>
         </p:spPr>
       </p:pic>
+      <p:sp>
+        <p:nvSpPr>
+          <p:cNvPr id="2" name="제목 1"/>
+          <p:cNvSpPr>
+            <a:spLocks noGrp="1"/>
+          </p:cNvSpPr>
+          <p:nvPr>
+            <p:ph type="ctrTitle"/>
+          </p:nvPr>
+        </p:nvSpPr>
+        <p:spPr>
+          <a:xfrm>
+            <a:off x="1605645" y="3037108"/>
+            <a:ext cx="9144000" cy="914400"/>
+          </a:xfrm>
+        </p:spPr>
+        <p:txBody>
+          <a:bodyPr>
+            <a:normAutofit fontScale="90000"/>
+          </a:bodyPr>
+          <a:lstStyle/>
+          <a:p>
+            <a:r>
+              <a:rPr lang="ko-KR" altLang="en-US" b="1" dirty="0">
+                <a:solidFill>
+                  <a:schemeClr val="bg1"/>
+                </a:solidFill>
+              </a:rPr>
+              <a:t>너는 </a:t>
+            </a:r>
+            <a:br>
+              <a:rPr lang="en-US" altLang="ko-KR" b="1" dirty="0">
+                <a:solidFill>
+                  <a:schemeClr val="bg1"/>
+                </a:solidFill>
+              </a:rPr>
+            </a:br>
+            <a:r>
+              <a:rPr lang="ko-KR" altLang="en-US" b="1" dirty="0">
+                <a:solidFill>
+                  <a:schemeClr val="bg1"/>
+                </a:solidFill>
+              </a:rPr>
+              <a:t>나의 </a:t>
+            </a:r>
+            <a:br>
+              <a:rPr lang="en-US" altLang="ko-KR" b="1" dirty="0">
+                <a:solidFill>
+                  <a:schemeClr val="bg1"/>
+                </a:solidFill>
+              </a:rPr>
+            </a:br>
+            <a:r>
+              <a:rPr lang="ko-KR" altLang="en-US" b="1" dirty="0">
+                <a:solidFill>
+                  <a:schemeClr val="bg1"/>
+                </a:solidFill>
+              </a:rPr>
+              <a:t>친구</a:t>
+            </a:r>
+          </a:p>
+        </p:txBody>
+      </p:sp>
+      <p:sp>
+        <p:nvSpPr>
+          <p:cNvPr id="3" name="부제목 2"/>
+          <p:cNvSpPr>
+            <a:spLocks noGrp="1"/>
+          </p:cNvSpPr>
+          <p:nvPr>
+            <p:ph type="subTitle" idx="1"/>
+          </p:nvPr>
+        </p:nvSpPr>
+        <p:spPr>
+          <a:xfrm>
+            <a:off x="1409700" y="2197780"/>
+            <a:ext cx="9144000" cy="1655762"/>
+          </a:xfrm>
+        </p:spPr>
+        <p:txBody>
+          <a:bodyPr>
+            <a:normAutofit/>
+          </a:bodyPr>
+          <a:lstStyle/>
+          <a:p>
+            <a:endParaRPr lang="en-US" altLang="ko-KR" dirty="0"/>
+          </a:p>
+          <a:p>
+            <a:endParaRPr lang="en-US" altLang="ko-KR" dirty="0"/>
+          </a:p>
+          <a:p>
+            <a:endParaRPr lang="en-US" altLang="ko-KR" dirty="0"/>
+          </a:p>
+          <a:p>
+            <a:endParaRPr lang="ko-KR" altLang="en-US" dirty="0"/>
+          </a:p>
+        </p:txBody>
+      </p:sp>
       <p:pic>
         <p:nvPicPr>
-          <p:cNvPr id="7" name="그림 6"/>
+          <p:cNvPr id="5" name="그림 4"/>
           <p:cNvPicPr>
             <a:picLocks noChangeAspect="1"/>
           </p:cNvPicPr>
           <p:nvPr/>
         </p:nvPicPr>
         <p:blipFill>
-          <a:blip r:embed="rId3">
+          <a:blip r:embed="rId3" cstate="print">
             <a:extLst>
               <a:ext uri="{28A0092B-C50C-407E-A947-70E740481C1C}">
                 <a14:useLocalDpi xmlns:a14="http://schemas.microsoft.com/office/drawing/2010/main" val="0"/>
@@ -14376,8 +16863,8 @@
         </p:blipFill>
         <p:spPr>
           <a:xfrm>
-            <a:off x="-81338" y="0"/>
-            <a:ext cx="4490052" cy="4490052"/>
+            <a:off x="9811412" y="5043319"/>
+            <a:ext cx="938233" cy="938233"/>
           </a:xfrm>
           <a:prstGeom prst="rect">
             <a:avLst/>
@@ -14386,14 +16873,14 @@
       </p:pic>
       <p:pic>
         <p:nvPicPr>
-          <p:cNvPr id="10" name="그림 9"/>
+          <p:cNvPr id="7" name="그림 6"/>
           <p:cNvPicPr>
             <a:picLocks noChangeAspect="1"/>
           </p:cNvPicPr>
           <p:nvPr/>
         </p:nvPicPr>
         <p:blipFill>
-          <a:blip r:embed="rId4" cstate="print">
+          <a:blip r:embed="rId4">
             <a:extLst>
               <a:ext uri="{28A0092B-C50C-407E-A947-70E740481C1C}">
                 <a14:useLocalDpi xmlns:a14="http://schemas.microsoft.com/office/drawing/2010/main" val="0"/>
@@ -14406,181 +16893,108 @@
         </p:blipFill>
         <p:spPr>
           <a:xfrm>
-            <a:off x="9950262" y="5275266"/>
-            <a:ext cx="1073074" cy="1073074"/>
+            <a:off x="-81338" y="0"/>
+            <a:ext cx="4490052" cy="4490052"/>
           </a:xfrm>
           <a:prstGeom prst="rect">
             <a:avLst/>
           </a:prstGeom>
         </p:spPr>
       </p:pic>
-      <p:sp>
-        <p:nvSpPr>
-          <p:cNvPr id="11" name="모서리가 둥근 직사각형 10"/>
-          <p:cNvSpPr/>
-          <p:nvPr/>
-        </p:nvSpPr>
-        <p:spPr>
-          <a:xfrm>
-            <a:off x="4528151" y="1152149"/>
-            <a:ext cx="4632177" cy="1045029"/>
-          </a:xfrm>
-          <a:prstGeom prst="roundRect">
-            <a:avLst/>
-          </a:prstGeom>
-          <a:solidFill>
-            <a:schemeClr val="accent4">
-              <a:lumMod val="40000"/>
-              <a:lumOff val="60000"/>
-            </a:schemeClr>
-          </a:solidFill>
-          <a:ln>
-            <a:solidFill>
-              <a:schemeClr val="bg1"/>
-            </a:solidFill>
-          </a:ln>
-        </p:spPr>
-        <p:style>
-          <a:lnRef idx="2">
-            <a:schemeClr val="accent1">
-              <a:shade val="50000"/>
-            </a:schemeClr>
-          </a:lnRef>
-          <a:fillRef idx="1">
-            <a:schemeClr val="accent1"/>
-          </a:fillRef>
-          <a:effectRef idx="0">
-            <a:schemeClr val="accent1"/>
-          </a:effectRef>
-          <a:fontRef idx="minor">
-            <a:schemeClr val="lt1"/>
-          </a:fontRef>
-        </p:style>
-        <p:txBody>
-          <a:bodyPr rtlCol="0" anchor="ctr"/>
-          <a:lstStyle/>
-          <a:p>
-            <a:pPr algn="ctr"/>
-            <a:r>
-              <a:rPr lang="ko-KR" altLang="en-US" sz="3200" b="1" dirty="0"/>
-              <a:t>스피커 설정</a:t>
-            </a:r>
-          </a:p>
-        </p:txBody>
-      </p:sp>
-      <p:sp>
-        <p:nvSpPr>
-          <p:cNvPr id="13" name="모서리가 둥근 직사각형 12"/>
-          <p:cNvSpPr/>
-          <p:nvPr/>
-        </p:nvSpPr>
-        <p:spPr>
-          <a:xfrm>
-            <a:off x="4528151" y="2468186"/>
-            <a:ext cx="4632177" cy="1045029"/>
-          </a:xfrm>
-          <a:prstGeom prst="roundRect">
-            <a:avLst/>
-          </a:prstGeom>
-          <a:solidFill>
-            <a:schemeClr val="accent1">
-              <a:lumMod val="20000"/>
-              <a:lumOff val="80000"/>
-            </a:schemeClr>
-          </a:solidFill>
-          <a:ln>
-            <a:solidFill>
-              <a:schemeClr val="bg1"/>
-            </a:solidFill>
-          </a:ln>
-        </p:spPr>
-        <p:style>
-          <a:lnRef idx="2">
-            <a:schemeClr val="accent1">
-              <a:shade val="50000"/>
-            </a:schemeClr>
-          </a:lnRef>
-          <a:fillRef idx="1">
-            <a:schemeClr val="accent1"/>
-          </a:fillRef>
-          <a:effectRef idx="0">
-            <a:schemeClr val="accent1"/>
-          </a:effectRef>
-          <a:fontRef idx="minor">
-            <a:schemeClr val="lt1"/>
-          </a:fontRef>
-        </p:style>
-        <p:txBody>
-          <a:bodyPr rtlCol="0" anchor="ctr"/>
-          <a:lstStyle/>
-          <a:p>
-            <a:pPr algn="ctr"/>
-            <a:r>
-              <a:rPr lang="ko-KR" altLang="en-US" sz="3200" b="1" dirty="0"/>
-              <a:t>메인 모듈 설정</a:t>
-            </a:r>
-          </a:p>
-        </p:txBody>
-      </p:sp>
-      <p:sp>
-        <p:nvSpPr>
-          <p:cNvPr id="14" name="모서리가 둥근 직사각형 13"/>
-          <p:cNvSpPr/>
-          <p:nvPr/>
-        </p:nvSpPr>
-        <p:spPr>
-          <a:xfrm>
-            <a:off x="1409700" y="5509725"/>
-            <a:ext cx="2073728" cy="604156"/>
-          </a:xfrm>
-          <a:prstGeom prst="roundRect">
-            <a:avLst/>
-          </a:prstGeom>
-          <a:solidFill>
-            <a:schemeClr val="accent1">
-              <a:lumMod val="20000"/>
-              <a:lumOff val="80000"/>
-            </a:schemeClr>
-          </a:solidFill>
-          <a:ln>
-            <a:solidFill>
-              <a:schemeClr val="bg1"/>
-            </a:solidFill>
-          </a:ln>
-        </p:spPr>
-        <p:style>
-          <a:lnRef idx="2">
-            <a:schemeClr val="accent1">
-              <a:shade val="50000"/>
-            </a:schemeClr>
-          </a:lnRef>
-          <a:fillRef idx="1">
-            <a:schemeClr val="accent1"/>
-          </a:fillRef>
-          <a:effectRef idx="0">
-            <a:schemeClr val="accent1"/>
-          </a:effectRef>
-          <a:fontRef idx="minor">
-            <a:schemeClr val="lt1"/>
-          </a:fontRef>
-        </p:style>
-        <p:txBody>
-          <a:bodyPr rtlCol="0" anchor="ctr"/>
-          <a:lstStyle/>
-          <a:p>
-            <a:pPr algn="ctr"/>
-            <a:r>
-              <a:rPr lang="en-US" altLang="ko-KR" sz="2800" b="1" dirty="0"/>
-              <a:t>Logout</a:t>
-            </a:r>
-            <a:endParaRPr lang="ko-KR" altLang="en-US" sz="2800" b="1" dirty="0"/>
-          </a:p>
-        </p:txBody>
-      </p:sp>
+      <p:pic>
+        <p:nvPicPr>
+          <p:cNvPr id="8" name="그림 7"/>
+          <p:cNvPicPr>
+            <a:picLocks noChangeAspect="1"/>
+          </p:cNvPicPr>
+          <p:nvPr/>
+        </p:nvPicPr>
+        <p:blipFill>
+          <a:blip r:embed="rId4">
+            <a:extLst>
+              <a:ext uri="{28A0092B-C50C-407E-A947-70E740481C1C}">
+                <a14:useLocalDpi xmlns:a14="http://schemas.microsoft.com/office/drawing/2010/main" val="0"/>
+              </a:ext>
+            </a:extLst>
+          </a:blip>
+          <a:stretch>
+            <a:fillRect/>
+          </a:stretch>
+        </p:blipFill>
+        <p:spPr>
+          <a:xfrm>
+            <a:off x="7956049" y="0"/>
+            <a:ext cx="4490052" cy="4490052"/>
+          </a:xfrm>
+          <a:prstGeom prst="rect">
+            <a:avLst/>
+          </a:prstGeom>
+        </p:spPr>
+      </p:pic>
+      <p:pic>
+        <p:nvPicPr>
+          <p:cNvPr id="11" name="그림 10"/>
+          <p:cNvPicPr>
+            <a:picLocks noChangeAspect="1"/>
+          </p:cNvPicPr>
+          <p:nvPr/>
+        </p:nvPicPr>
+        <p:blipFill>
+          <a:blip r:embed="rId5" cstate="print">
+            <a:extLst>
+              <a:ext uri="{28A0092B-C50C-407E-A947-70E740481C1C}">
+                <a14:useLocalDpi xmlns:a14="http://schemas.microsoft.com/office/drawing/2010/main" val="0"/>
+              </a:ext>
+            </a:extLst>
+          </a:blip>
+          <a:stretch>
+            <a:fillRect/>
+          </a:stretch>
+        </p:blipFill>
+        <p:spPr>
+          <a:xfrm>
+            <a:off x="10553700" y="5584376"/>
+            <a:ext cx="794352" cy="794352"/>
+          </a:xfrm>
+          <a:prstGeom prst="rect">
+            <a:avLst/>
+          </a:prstGeom>
+        </p:spPr>
+      </p:pic>
+      <p:pic>
+        <p:nvPicPr>
+          <p:cNvPr id="13" name="그림 12"/>
+          <p:cNvPicPr>
+            <a:picLocks noChangeAspect="1"/>
+          </p:cNvPicPr>
+          <p:nvPr/>
+        </p:nvPicPr>
+        <p:blipFill>
+          <a:blip r:embed="rId6" cstate="print">
+            <a:extLst>
+              <a:ext uri="{28A0092B-C50C-407E-A947-70E740481C1C}">
+                <a14:useLocalDpi xmlns:a14="http://schemas.microsoft.com/office/drawing/2010/main" val="0"/>
+              </a:ext>
+            </a:extLst>
+          </a:blip>
+          <a:stretch>
+            <a:fillRect/>
+          </a:stretch>
+        </p:blipFill>
+        <p:spPr>
+          <a:xfrm>
+            <a:off x="5519058" y="4728064"/>
+            <a:ext cx="1371600" cy="1420271"/>
+          </a:xfrm>
+          <a:prstGeom prst="rect">
+            <a:avLst/>
+          </a:prstGeom>
+        </p:spPr>
+      </p:pic>
     </p:spTree>
     <p:extLst>
       <p:ext uri="{BB962C8B-B14F-4D97-AF65-F5344CB8AC3E}">
-        <p14:creationId xmlns:p14="http://schemas.microsoft.com/office/powerpoint/2010/main" val="1837500047"/>
+        <p14:creationId xmlns:p14="http://schemas.microsoft.com/office/powerpoint/2010/main" val="35232079"/>
       </p:ext>
     </p:extLst>
   </p:cSld>
